--- a/interpreter_project_structure.pptx
+++ b/interpreter_project_structure.pptx
@@ -105,6 +105,11 @@
       </a:defRPr>
     </a:lvl9pPr>
   </p:defaultTextStyle>
+  <p:extLst>
+    <p:ext uri="{EFAFB233-063F-42B5-8137-9DF3F51BA10A}">
+      <p15:sldGuideLst xmlns:p15="http://schemas.microsoft.com/office/powerpoint/2012/main"/>
+    </p:ext>
+  </p:extLst>
 </p:presentation>
 </file>
 
@@ -257,7 +262,7 @@
           <a:p>
             <a:fld id="{B4F30407-742D-4F8B-AD3E-C3D7980839F8}" type="datetimeFigureOut">
               <a:rPr lang="ro-RO" smtClean="0"/>
-              <a:t>26.10.2022</a:t>
+              <a:t>02.11.2022</a:t>
             </a:fld>
             <a:endParaRPr lang="ro-RO"/>
           </a:p>
@@ -457,7 +462,7 @@
           <a:p>
             <a:fld id="{B4F30407-742D-4F8B-AD3E-C3D7980839F8}" type="datetimeFigureOut">
               <a:rPr lang="ro-RO" smtClean="0"/>
-              <a:t>26.10.2022</a:t>
+              <a:t>02.11.2022</a:t>
             </a:fld>
             <a:endParaRPr lang="ro-RO"/>
           </a:p>
@@ -667,7 +672,7 @@
           <a:p>
             <a:fld id="{B4F30407-742D-4F8B-AD3E-C3D7980839F8}" type="datetimeFigureOut">
               <a:rPr lang="ro-RO" smtClean="0"/>
-              <a:t>26.10.2022</a:t>
+              <a:t>02.11.2022</a:t>
             </a:fld>
             <a:endParaRPr lang="ro-RO"/>
           </a:p>
@@ -867,7 +872,7 @@
           <a:p>
             <a:fld id="{B4F30407-742D-4F8B-AD3E-C3D7980839F8}" type="datetimeFigureOut">
               <a:rPr lang="ro-RO" smtClean="0"/>
-              <a:t>26.10.2022</a:t>
+              <a:t>02.11.2022</a:t>
             </a:fld>
             <a:endParaRPr lang="ro-RO"/>
           </a:p>
@@ -1143,7 +1148,7 @@
           <a:p>
             <a:fld id="{B4F30407-742D-4F8B-AD3E-C3D7980839F8}" type="datetimeFigureOut">
               <a:rPr lang="ro-RO" smtClean="0"/>
-              <a:t>26.10.2022</a:t>
+              <a:t>02.11.2022</a:t>
             </a:fld>
             <a:endParaRPr lang="ro-RO"/>
           </a:p>
@@ -1411,7 +1416,7 @@
           <a:p>
             <a:fld id="{B4F30407-742D-4F8B-AD3E-C3D7980839F8}" type="datetimeFigureOut">
               <a:rPr lang="ro-RO" smtClean="0"/>
-              <a:t>26.10.2022</a:t>
+              <a:t>02.11.2022</a:t>
             </a:fld>
             <a:endParaRPr lang="ro-RO"/>
           </a:p>
@@ -1826,7 +1831,7 @@
           <a:p>
             <a:fld id="{B4F30407-742D-4F8B-AD3E-C3D7980839F8}" type="datetimeFigureOut">
               <a:rPr lang="ro-RO" smtClean="0"/>
-              <a:t>26.10.2022</a:t>
+              <a:t>02.11.2022</a:t>
             </a:fld>
             <a:endParaRPr lang="ro-RO"/>
           </a:p>
@@ -1968,7 +1973,7 @@
           <a:p>
             <a:fld id="{B4F30407-742D-4F8B-AD3E-C3D7980839F8}" type="datetimeFigureOut">
               <a:rPr lang="ro-RO" smtClean="0"/>
-              <a:t>26.10.2022</a:t>
+              <a:t>02.11.2022</a:t>
             </a:fld>
             <a:endParaRPr lang="ro-RO"/>
           </a:p>
@@ -2081,7 +2086,7 @@
           <a:p>
             <a:fld id="{B4F30407-742D-4F8B-AD3E-C3D7980839F8}" type="datetimeFigureOut">
               <a:rPr lang="ro-RO" smtClean="0"/>
-              <a:t>26.10.2022</a:t>
+              <a:t>02.11.2022</a:t>
             </a:fld>
             <a:endParaRPr lang="ro-RO"/>
           </a:p>
@@ -2394,7 +2399,7 @@
           <a:p>
             <a:fld id="{B4F30407-742D-4F8B-AD3E-C3D7980839F8}" type="datetimeFigureOut">
               <a:rPr lang="ro-RO" smtClean="0"/>
-              <a:t>26.10.2022</a:t>
+              <a:t>02.11.2022</a:t>
             </a:fld>
             <a:endParaRPr lang="ro-RO"/>
           </a:p>
@@ -2683,7 +2688,7 @@
           <a:p>
             <a:fld id="{B4F30407-742D-4F8B-AD3E-C3D7980839F8}" type="datetimeFigureOut">
               <a:rPr lang="ro-RO" smtClean="0"/>
-              <a:t>26.10.2022</a:t>
+              <a:t>02.11.2022</a:t>
             </a:fld>
             <a:endParaRPr lang="ro-RO"/>
           </a:p>
@@ -2926,7 +2931,7 @@
           <a:p>
             <a:fld id="{B4F30407-742D-4F8B-AD3E-C3D7980839F8}" type="datetimeFigureOut">
               <a:rPr lang="ro-RO" smtClean="0"/>
-              <a:t>26.10.2022</a:t>
+              <a:t>02.11.2022</a:t>
             </a:fld>
             <a:endParaRPr lang="ro-RO"/>
           </a:p>
@@ -3507,7 +3512,7 @@
         </p:nvSpPr>
         <p:spPr>
           <a:xfrm>
-            <a:off x="2245033" y="1168400"/>
+            <a:off x="2376413" y="1386465"/>
             <a:ext cx="1845139" cy="1417368"/>
           </a:xfrm>
           <a:prstGeom prst="rect">
@@ -3794,7 +3799,7 @@
         <p:spPr>
           <a:xfrm flipH="1" flipV="1">
             <a:off x="1270000" y="939800"/>
-            <a:ext cx="1897603" cy="228600"/>
+            <a:ext cx="2028983" cy="446665"/>
           </a:xfrm>
           <a:prstGeom prst="straightConnector1">
             <a:avLst/>
@@ -3876,8 +3881,8 @@
         </p:nvSpPr>
         <p:spPr>
           <a:xfrm>
-            <a:off x="9495365" y="237067"/>
-            <a:ext cx="2027767" cy="1278467"/>
+            <a:off x="9621580" y="138112"/>
+            <a:ext cx="2027767" cy="1456266"/>
           </a:xfrm>
           <a:prstGeom prst="rect">
             <a:avLst/>
@@ -3956,7 +3961,41 @@
               <a:rPr lang="en-US" dirty="0"/>
               <a:t>: Stack</a:t>
             </a:r>
-            <a:endParaRPr lang="ro-RO" dirty="0"/>
+          </a:p>
+          <a:p>
+            <a:pPr marL="285750" indent="-285750" algn="ctr">
+              <a:buFontTx/>
+              <a:buChar char="-"/>
+            </a:pPr>
+            <a:r>
+              <a:rPr lang="en-US" dirty="0" err="1">
+                <a:highlight>
+                  <a:srgbClr val="FF0000"/>
+                </a:highlight>
+              </a:rPr>
+              <a:t>fileTable</a:t>
+            </a:r>
+            <a:r>
+              <a:rPr lang="en-US" dirty="0">
+                <a:highlight>
+                  <a:srgbClr val="FF0000"/>
+                </a:highlight>
+              </a:rPr>
+              <a:t>: </a:t>
+            </a:r>
+            <a:r>
+              <a:rPr lang="en-US" dirty="0" err="1">
+                <a:highlight>
+                  <a:srgbClr val="FF0000"/>
+                </a:highlight>
+              </a:rPr>
+              <a:t>Dict</a:t>
+            </a:r>
+            <a:endParaRPr lang="ro-RO" dirty="0">
+              <a:highlight>
+                <a:srgbClr val="FF0000"/>
+              </a:highlight>
+            </a:endParaRPr>
           </a:p>
         </p:txBody>
       </p:sp>
@@ -4010,7 +4049,7 @@
         </p:nvSpPr>
         <p:spPr>
           <a:xfrm>
-            <a:off x="1930400" y="4776331"/>
+            <a:off x="372581" y="2782103"/>
             <a:ext cx="343364" cy="369332"/>
           </a:xfrm>
           <a:prstGeom prst="rect">
@@ -4103,8 +4142,8 @@
         </p:nvSpPr>
         <p:spPr>
           <a:xfrm>
-            <a:off x="4612834" y="1417935"/>
-            <a:ext cx="1818977" cy="1417368"/>
+            <a:off x="4767961" y="1417935"/>
+            <a:ext cx="1271472" cy="753648"/>
           </a:xfrm>
           <a:prstGeom prst="rect">
             <a:avLst/>
@@ -4137,21 +4176,13 @@
             </a:r>
             <a:r>
               <a:rPr lang="en-US" dirty="0"/>
-              <a:t> (ex. a, </a:t>
-            </a:r>
-            <a:r>
-              <a:rPr lang="en-US" dirty="0" err="1"/>
-              <a:t>valoare</a:t>
-            </a:r>
-            <a:r>
-              <a:rPr lang="en-US" dirty="0"/>
-              <a:t>, x…)</a:t>
-            </a:r>
-          </a:p>
-          <a:p>
-            <a:pPr algn="ctr"/>
-            <a:r>
-              <a:rPr lang="en-US" dirty="0"/>
+              <a:t> </a:t>
+            </a:r>
+          </a:p>
+          <a:p>
+            <a:pPr algn="ctr"/>
+            <a:r>
+              <a:rPr lang="en-US" sz="1100" dirty="0"/>
               <a:t>-String id</a:t>
             </a:r>
           </a:p>
@@ -4179,8 +4210,8 @@
         </p:nvSpPr>
         <p:spPr>
           <a:xfrm>
-            <a:off x="7944467" y="1577081"/>
-            <a:ext cx="1527340" cy="1140719"/>
+            <a:off x="8486709" y="1444602"/>
+            <a:ext cx="948942" cy="730422"/>
           </a:xfrm>
           <a:prstGeom prst="rect">
             <a:avLst/>
@@ -4211,15 +4242,12 @@
               <a:rPr lang="en-US" dirty="0" err="1"/>
               <a:t>ValExp</a:t>
             </a:r>
-            <a:r>
-              <a:rPr lang="en-US" dirty="0"/>
-              <a:t> (true, 2, 0…)</a:t>
-            </a:r>
-          </a:p>
-          <a:p>
-            <a:pPr algn="ctr"/>
-            <a:r>
-              <a:rPr lang="en-US" dirty="0"/>
+            <a:endParaRPr lang="en-US" dirty="0"/>
+          </a:p>
+          <a:p>
+            <a:pPr algn="ctr"/>
+            <a:r>
+              <a:rPr lang="en-US" sz="1000" dirty="0"/>
               <a:t>-Value</a:t>
             </a:r>
           </a:p>
@@ -4247,8 +4275,8 @@
         </p:nvSpPr>
         <p:spPr>
           <a:xfrm>
-            <a:off x="6052166" y="2863097"/>
-            <a:ext cx="2033499" cy="1652834"/>
+            <a:off x="6147085" y="1853510"/>
+            <a:ext cx="1470594" cy="1165963"/>
           </a:xfrm>
           <a:prstGeom prst="rect">
             <a:avLst/>
@@ -4279,29 +4307,26 @@
               <a:rPr lang="en-US" dirty="0" err="1"/>
               <a:t>ArithExp</a:t>
             </a:r>
-            <a:r>
-              <a:rPr lang="en-US" dirty="0"/>
-              <a:t> ((2*3)+a…)</a:t>
-            </a:r>
-          </a:p>
-          <a:p>
-            <a:pPr algn="ctr"/>
-            <a:r>
-              <a:rPr lang="en-US" dirty="0"/>
+            <a:endParaRPr lang="en-US" dirty="0"/>
+          </a:p>
+          <a:p>
+            <a:pPr algn="ctr"/>
+            <a:r>
+              <a:rPr lang="en-US" sz="1100" dirty="0"/>
               <a:t>-Exp</a:t>
             </a:r>
           </a:p>
           <a:p>
             <a:pPr algn="ctr"/>
             <a:r>
-              <a:rPr lang="en-US" dirty="0"/>
+              <a:rPr lang="en-US" sz="1100" dirty="0"/>
               <a:t>-Exp</a:t>
             </a:r>
           </a:p>
           <a:p>
             <a:pPr algn="ctr"/>
             <a:r>
-              <a:rPr lang="en-US" dirty="0"/>
+              <a:rPr lang="en-US" sz="1100" dirty="0"/>
               <a:t>-type: Int (+, -, *, /)</a:t>
             </a:r>
           </a:p>
@@ -4329,8 +4354,8 @@
         </p:nvSpPr>
         <p:spPr>
           <a:xfrm>
-            <a:off x="8221156" y="2961501"/>
-            <a:ext cx="1735666" cy="1652834"/>
+            <a:off x="7744046" y="2400790"/>
+            <a:ext cx="1320800" cy="1017832"/>
           </a:xfrm>
           <a:prstGeom prst="rect">
             <a:avLst/>
@@ -4361,29 +4386,26 @@
               <a:rPr lang="en-US" dirty="0" err="1"/>
               <a:t>LogicExp</a:t>
             </a:r>
-            <a:r>
-              <a:rPr lang="en-US" dirty="0"/>
-              <a:t> (a||true...)</a:t>
-            </a:r>
-          </a:p>
-          <a:p>
-            <a:pPr algn="ctr"/>
-            <a:r>
-              <a:rPr lang="en-US" dirty="0"/>
+            <a:endParaRPr lang="en-US" dirty="0"/>
+          </a:p>
+          <a:p>
+            <a:pPr algn="ctr"/>
+            <a:r>
+              <a:rPr lang="en-US" sz="1100" dirty="0"/>
               <a:t>-Exp</a:t>
             </a:r>
           </a:p>
           <a:p>
             <a:pPr algn="ctr"/>
             <a:r>
-              <a:rPr lang="en-US" dirty="0"/>
+              <a:rPr lang="en-US" sz="1100" dirty="0"/>
               <a:t>-Exp</a:t>
             </a:r>
           </a:p>
           <a:p>
             <a:pPr algn="ctr"/>
             <a:r>
-              <a:rPr lang="en-US" dirty="0"/>
+              <a:rPr lang="en-US" sz="1100" dirty="0"/>
               <a:t>-type: Int (&amp;, |)</a:t>
             </a:r>
           </a:p>
@@ -4415,8 +4437,8 @@
         </p:nvCxnSpPr>
         <p:spPr>
           <a:xfrm flipV="1">
-            <a:off x="5522323" y="1327202"/>
-            <a:ext cx="1824493" cy="90733"/>
+            <a:off x="5403697" y="1327202"/>
+            <a:ext cx="1943119" cy="90733"/>
           </a:xfrm>
           <a:prstGeom prst="straightConnector1">
             <a:avLst/>
@@ -4458,8 +4480,8 @@
         </p:nvCxnSpPr>
         <p:spPr>
           <a:xfrm flipV="1">
-            <a:off x="7068916" y="1327202"/>
-            <a:ext cx="277900" cy="1535895"/>
+            <a:off x="6882382" y="1327202"/>
+            <a:ext cx="464434" cy="526308"/>
           </a:xfrm>
           <a:prstGeom prst="straightConnector1">
             <a:avLst/>
@@ -4502,7 +4524,7 @@
         <p:spPr>
           <a:xfrm flipH="1" flipV="1">
             <a:off x="7346816" y="1327202"/>
-            <a:ext cx="1742173" cy="1634299"/>
+            <a:ext cx="1057630" cy="1073588"/>
           </a:xfrm>
           <a:prstGeom prst="straightConnector1">
             <a:avLst/>
@@ -4545,7 +4567,7 @@
         <p:spPr>
           <a:xfrm flipH="1" flipV="1">
             <a:off x="7346816" y="1327202"/>
-            <a:ext cx="1361321" cy="249879"/>
+            <a:ext cx="1614364" cy="117400"/>
           </a:xfrm>
           <a:prstGeom prst="straightConnector1">
             <a:avLst/>
@@ -4616,6 +4638,25 @@
               <a:t>Type</a:t>
             </a:r>
           </a:p>
+          <a:p>
+            <a:pPr algn="ctr"/>
+            <a:r>
+              <a:rPr lang="en-US" sz="1000" dirty="0" err="1">
+                <a:highlight>
+                  <a:srgbClr val="FF0000"/>
+                </a:highlight>
+              </a:rPr>
+              <a:t>getDefaultValue</a:t>
+            </a:r>
+            <a:r>
+              <a:rPr lang="en-US" sz="1000" dirty="0">
+                <a:highlight>
+                  <a:srgbClr val="FF0000"/>
+                </a:highlight>
+              </a:rPr>
+              <a:t>()</a:t>
+            </a:r>
+          </a:p>
         </p:txBody>
       </p:sp>
       <p:sp>
@@ -4632,7 +4673,7 @@
         </p:nvSpPr>
         <p:spPr>
           <a:xfrm>
-            <a:off x="3990658" y="5207446"/>
+            <a:off x="4278526" y="5207446"/>
             <a:ext cx="1040670" cy="702733"/>
           </a:xfrm>
           <a:prstGeom prst="rect">
@@ -4690,7 +4731,7 @@
         </p:nvSpPr>
         <p:spPr>
           <a:xfrm>
-            <a:off x="5212006" y="5207445"/>
+            <a:off x="5499874" y="5207445"/>
             <a:ext cx="1150718" cy="702733"/>
           </a:xfrm>
           <a:prstGeom prst="rect">
@@ -4751,8 +4792,8 @@
         </p:nvCxnSpPr>
         <p:spPr>
           <a:xfrm flipV="1">
-            <a:off x="4510993" y="4792133"/>
-            <a:ext cx="390456" cy="415313"/>
+            <a:off x="4798861" y="4792133"/>
+            <a:ext cx="102588" cy="415313"/>
           </a:xfrm>
           <a:prstGeom prst="straightConnector1">
             <a:avLst/>
@@ -4794,7 +4835,7 @@
         <p:spPr>
           <a:xfrm flipH="1" flipV="1">
             <a:off x="4901449" y="4792133"/>
-            <a:ext cx="885916" cy="415312"/>
+            <a:ext cx="1173784" cy="415312"/>
           </a:xfrm>
           <a:prstGeom prst="straightConnector1">
             <a:avLst/>
@@ -4832,7 +4873,7 @@
         </p:nvSpPr>
         <p:spPr>
           <a:xfrm>
-            <a:off x="7542673" y="4960997"/>
+            <a:off x="8533273" y="5003331"/>
             <a:ext cx="1320800" cy="492901"/>
           </a:xfrm>
           <a:prstGeom prst="rect">
@@ -4881,8 +4922,8 @@
         </p:nvSpPr>
         <p:spPr>
           <a:xfrm>
-            <a:off x="6712567" y="5869211"/>
-            <a:ext cx="1620385" cy="839562"/>
+            <a:off x="6712567" y="5869210"/>
+            <a:ext cx="1620385" cy="921057"/>
           </a:xfrm>
           <a:prstGeom prst="rect">
             <a:avLst/>
@@ -4918,7 +4959,7 @@
           <a:p>
             <a:pPr algn="ctr"/>
             <a:r>
-              <a:rPr lang="en-US" dirty="0"/>
+              <a:rPr lang="en-US" sz="1100" dirty="0"/>
               <a:t>-value: Int</a:t>
             </a:r>
           </a:p>
@@ -4932,7 +4973,22 @@
               <a:rPr lang="en-US" dirty="0"/>
               <a:t>()</a:t>
             </a:r>
-            <a:endParaRPr lang="ro-RO" dirty="0"/>
+          </a:p>
+          <a:p>
+            <a:pPr algn="ctr"/>
+            <a:r>
+              <a:rPr lang="en-US" dirty="0">
+                <a:highlight>
+                  <a:srgbClr val="FF0000"/>
+                </a:highlight>
+              </a:rPr>
+              <a:t>equals()</a:t>
+            </a:r>
+            <a:endParaRPr lang="ro-RO" dirty="0">
+              <a:highlight>
+                <a:srgbClr val="FF0000"/>
+              </a:highlight>
+            </a:endParaRPr>
           </a:p>
         </p:txBody>
       </p:sp>
@@ -4950,8 +5006,8 @@
         </p:nvSpPr>
         <p:spPr>
           <a:xfrm>
-            <a:off x="8513630" y="5869210"/>
-            <a:ext cx="2152642" cy="921057"/>
+            <a:off x="8384754" y="5828463"/>
+            <a:ext cx="1620385" cy="921057"/>
           </a:xfrm>
           <a:prstGeom prst="rect">
             <a:avLst/>
@@ -4987,7 +5043,7 @@
           <a:p>
             <a:pPr algn="ctr"/>
             <a:r>
-              <a:rPr lang="en-US" dirty="0"/>
+              <a:rPr lang="en-US" sz="1100" dirty="0"/>
               <a:t>-value: Bool</a:t>
             </a:r>
           </a:p>
@@ -5001,7 +5057,22 @@
               <a:rPr lang="en-US" dirty="0"/>
               <a:t>()</a:t>
             </a:r>
-            <a:endParaRPr lang="ro-RO" dirty="0"/>
+          </a:p>
+          <a:p>
+            <a:pPr algn="ctr"/>
+            <a:r>
+              <a:rPr lang="en-US" dirty="0">
+                <a:highlight>
+                  <a:srgbClr val="FF0000"/>
+                </a:highlight>
+              </a:rPr>
+              <a:t>equals()</a:t>
+            </a:r>
+            <a:endParaRPr lang="ro-RO" dirty="0">
+              <a:highlight>
+                <a:srgbClr val="FF0000"/>
+              </a:highlight>
+            </a:endParaRPr>
           </a:p>
         </p:txBody>
       </p:sp>
@@ -5023,8 +5094,8 @@
         </p:nvCxnSpPr>
         <p:spPr>
           <a:xfrm flipV="1">
-            <a:off x="7522760" y="5453898"/>
-            <a:ext cx="680313" cy="415313"/>
+            <a:off x="7522760" y="5496232"/>
+            <a:ext cx="1670913" cy="372978"/>
           </a:xfrm>
           <a:prstGeom prst="straightConnector1">
             <a:avLst/>
@@ -5066,8 +5137,8 @@
         </p:nvCxnSpPr>
         <p:spPr>
           <a:xfrm flipH="1" flipV="1">
-            <a:off x="8203073" y="5453898"/>
-            <a:ext cx="1386878" cy="415312"/>
+            <a:off x="9193673" y="5496232"/>
+            <a:ext cx="1274" cy="332231"/>
           </a:xfrm>
           <a:prstGeom prst="straightConnector1">
             <a:avLst/>
@@ -5105,7 +5176,7 @@
         </p:nvSpPr>
         <p:spPr>
           <a:xfrm>
-            <a:off x="10363199" y="1763583"/>
+            <a:off x="10337165" y="1761866"/>
             <a:ext cx="1320801" cy="1008543"/>
           </a:xfrm>
           <a:prstGeom prst="rect">
@@ -5264,9 +5335,9 @@
           <p:nvPr/>
         </p:nvCxnSpPr>
         <p:spPr>
-          <a:xfrm flipV="1">
-            <a:off x="11023600" y="2772126"/>
-            <a:ext cx="0" cy="361143"/>
+          <a:xfrm flipH="1" flipV="1">
+            <a:off x="10997566" y="2770409"/>
+            <a:ext cx="26034" cy="362860"/>
           </a:xfrm>
           <a:prstGeom prst="straightConnector1">
             <a:avLst/>
@@ -5290,6 +5361,572 @@
           </a:fontRef>
         </p:style>
       </p:cxnSp>
+      <p:sp>
+        <p:nvSpPr>
+          <p:cNvPr id="2" name="Rectangle 1">
+            <a:extLst>
+              <a:ext uri="{FF2B5EF4-FFF2-40B4-BE49-F238E27FC236}">
+                <a16:creationId xmlns:a16="http://schemas.microsoft.com/office/drawing/2014/main" id="{FAF638FE-8AC1-8F8A-91B5-BD3697FEFE85}"/>
+              </a:ext>
+            </a:extLst>
+          </p:cNvPr>
+          <p:cNvSpPr/>
+          <p:nvPr/>
+        </p:nvSpPr>
+        <p:spPr>
+          <a:xfrm>
+            <a:off x="10098639" y="5828462"/>
+            <a:ext cx="1620385" cy="921057"/>
+          </a:xfrm>
+          <a:prstGeom prst="rect">
+            <a:avLst/>
+          </a:prstGeom>
+        </p:spPr>
+        <p:style>
+          <a:lnRef idx="2">
+            <a:schemeClr val="accent1">
+              <a:shade val="50000"/>
+            </a:schemeClr>
+          </a:lnRef>
+          <a:fillRef idx="1">
+            <a:schemeClr val="accent1"/>
+          </a:fillRef>
+          <a:effectRef idx="0">
+            <a:schemeClr val="accent1"/>
+          </a:effectRef>
+          <a:fontRef idx="minor">
+            <a:schemeClr val="lt1"/>
+          </a:fontRef>
+        </p:style>
+        <p:txBody>
+          <a:bodyPr rtlCol="0" anchor="ctr"/>
+          <a:lstStyle/>
+          <a:p>
+            <a:pPr algn="ctr"/>
+            <a:r>
+              <a:rPr lang="en-US" dirty="0" err="1">
+                <a:highlight>
+                  <a:srgbClr val="FF0000"/>
+                </a:highlight>
+              </a:rPr>
+              <a:t>StringValue</a:t>
+            </a:r>
+            <a:endParaRPr lang="en-US" dirty="0">
+              <a:highlight>
+                <a:srgbClr val="FF0000"/>
+              </a:highlight>
+            </a:endParaRPr>
+          </a:p>
+          <a:p>
+            <a:pPr algn="ctr"/>
+            <a:r>
+              <a:rPr lang="en-US" sz="1100" dirty="0">
+                <a:highlight>
+                  <a:srgbClr val="FF0000"/>
+                </a:highlight>
+              </a:rPr>
+              <a:t>-value: String</a:t>
+            </a:r>
+          </a:p>
+          <a:p>
+            <a:pPr algn="ctr"/>
+            <a:r>
+              <a:rPr lang="en-US" dirty="0" err="1">
+                <a:highlight>
+                  <a:srgbClr val="FF0000"/>
+                </a:highlight>
+              </a:rPr>
+              <a:t>getType</a:t>
+            </a:r>
+            <a:r>
+              <a:rPr lang="en-US" dirty="0">
+                <a:highlight>
+                  <a:srgbClr val="FF0000"/>
+                </a:highlight>
+              </a:rPr>
+              <a:t>()</a:t>
+            </a:r>
+          </a:p>
+          <a:p>
+            <a:pPr algn="ctr"/>
+            <a:r>
+              <a:rPr lang="en-US" dirty="0">
+                <a:highlight>
+                  <a:srgbClr val="FF0000"/>
+                </a:highlight>
+              </a:rPr>
+              <a:t>equals()</a:t>
+            </a:r>
+            <a:endParaRPr lang="ro-RO" dirty="0">
+              <a:highlight>
+                <a:srgbClr val="FF0000"/>
+              </a:highlight>
+            </a:endParaRPr>
+          </a:p>
+        </p:txBody>
+      </p:sp>
+      <p:sp>
+        <p:nvSpPr>
+          <p:cNvPr id="5" name="Rectangle 4">
+            <a:extLst>
+              <a:ext uri="{FF2B5EF4-FFF2-40B4-BE49-F238E27FC236}">
+                <a16:creationId xmlns:a16="http://schemas.microsoft.com/office/drawing/2014/main" id="{835867CA-C41C-711E-E013-333AABA2456F}"/>
+              </a:ext>
+            </a:extLst>
+          </p:cNvPr>
+          <p:cNvSpPr/>
+          <p:nvPr/>
+        </p:nvSpPr>
+        <p:spPr>
+          <a:xfrm>
+            <a:off x="2958350" y="5202374"/>
+            <a:ext cx="1229336" cy="702733"/>
+          </a:xfrm>
+          <a:prstGeom prst="rect">
+            <a:avLst/>
+          </a:prstGeom>
+        </p:spPr>
+        <p:style>
+          <a:lnRef idx="2">
+            <a:schemeClr val="accent1">
+              <a:shade val="50000"/>
+            </a:schemeClr>
+          </a:lnRef>
+          <a:fillRef idx="1">
+            <a:schemeClr val="accent1"/>
+          </a:fillRef>
+          <a:effectRef idx="0">
+            <a:schemeClr val="accent1"/>
+          </a:effectRef>
+          <a:fontRef idx="minor">
+            <a:schemeClr val="lt1"/>
+          </a:fontRef>
+        </p:style>
+        <p:txBody>
+          <a:bodyPr rtlCol="0" anchor="ctr"/>
+          <a:lstStyle/>
+          <a:p>
+            <a:pPr algn="ctr"/>
+            <a:r>
+              <a:rPr lang="en-US" dirty="0" err="1">
+                <a:highlight>
+                  <a:srgbClr val="FF0000"/>
+                </a:highlight>
+              </a:rPr>
+              <a:t>StringType</a:t>
+            </a:r>
+            <a:endParaRPr lang="en-US" dirty="0">
+              <a:highlight>
+                <a:srgbClr val="FF0000"/>
+              </a:highlight>
+            </a:endParaRPr>
+          </a:p>
+          <a:p>
+            <a:pPr algn="ctr"/>
+            <a:r>
+              <a:rPr lang="en-US" dirty="0">
+                <a:highlight>
+                  <a:srgbClr val="FF0000"/>
+                </a:highlight>
+              </a:rPr>
+              <a:t>equals()</a:t>
+            </a:r>
+            <a:endParaRPr lang="ro-RO" dirty="0">
+              <a:highlight>
+                <a:srgbClr val="FF0000"/>
+              </a:highlight>
+            </a:endParaRPr>
+          </a:p>
+        </p:txBody>
+      </p:sp>
+      <p:cxnSp>
+        <p:nvCxnSpPr>
+          <p:cNvPr id="12" name="Straight Arrow Connector 11">
+            <a:extLst>
+              <a:ext uri="{FF2B5EF4-FFF2-40B4-BE49-F238E27FC236}">
+                <a16:creationId xmlns:a16="http://schemas.microsoft.com/office/drawing/2014/main" id="{AB8B79C8-AC4E-94F9-72EC-4A34077C86AB}"/>
+              </a:ext>
+            </a:extLst>
+          </p:cNvPr>
+          <p:cNvCxnSpPr>
+            <a:stCxn id="5" idx="0"/>
+            <a:endCxn id="54" idx="2"/>
+          </p:cNvCxnSpPr>
+          <p:nvPr/>
+        </p:nvCxnSpPr>
+        <p:spPr>
+          <a:xfrm flipV="1">
+            <a:off x="3573018" y="4792133"/>
+            <a:ext cx="1328431" cy="410241"/>
+          </a:xfrm>
+          <a:prstGeom prst="straightConnector1">
+            <a:avLst/>
+          </a:prstGeom>
+          <a:ln>
+            <a:tailEnd type="triangle"/>
+          </a:ln>
+        </p:spPr>
+        <p:style>
+          <a:lnRef idx="1">
+            <a:schemeClr val="accent1"/>
+          </a:lnRef>
+          <a:fillRef idx="0">
+            <a:schemeClr val="accent1"/>
+          </a:fillRef>
+          <a:effectRef idx="0">
+            <a:schemeClr val="accent1"/>
+          </a:effectRef>
+          <a:fontRef idx="minor">
+            <a:schemeClr val="tx1"/>
+          </a:fontRef>
+        </p:style>
+      </p:cxnSp>
+      <p:cxnSp>
+        <p:nvCxnSpPr>
+          <p:cNvPr id="17" name="Straight Arrow Connector 16">
+            <a:extLst>
+              <a:ext uri="{FF2B5EF4-FFF2-40B4-BE49-F238E27FC236}">
+                <a16:creationId xmlns:a16="http://schemas.microsoft.com/office/drawing/2014/main" id="{29F4CBEF-9E43-A632-F132-04A30021A41F}"/>
+              </a:ext>
+            </a:extLst>
+          </p:cNvPr>
+          <p:cNvCxnSpPr>
+            <a:stCxn id="2" idx="0"/>
+            <a:endCxn id="61" idx="2"/>
+          </p:cNvCxnSpPr>
+          <p:nvPr/>
+        </p:nvCxnSpPr>
+        <p:spPr>
+          <a:xfrm flipH="1" flipV="1">
+            <a:off x="9193673" y="5496232"/>
+            <a:ext cx="1715159" cy="332230"/>
+          </a:xfrm>
+          <a:prstGeom prst="straightConnector1">
+            <a:avLst/>
+          </a:prstGeom>
+          <a:ln>
+            <a:tailEnd type="triangle"/>
+          </a:ln>
+        </p:spPr>
+        <p:style>
+          <a:lnRef idx="1">
+            <a:schemeClr val="accent1"/>
+          </a:lnRef>
+          <a:fillRef idx="0">
+            <a:schemeClr val="accent1"/>
+          </a:fillRef>
+          <a:effectRef idx="0">
+            <a:schemeClr val="accent1"/>
+          </a:effectRef>
+          <a:fontRef idx="minor">
+            <a:schemeClr val="tx1"/>
+          </a:fontRef>
+        </p:style>
+      </p:cxnSp>
+      <p:sp>
+        <p:nvSpPr>
+          <p:cNvPr id="20" name="Rectangle 19">
+            <a:extLst>
+              <a:ext uri="{FF2B5EF4-FFF2-40B4-BE49-F238E27FC236}">
+                <a16:creationId xmlns:a16="http://schemas.microsoft.com/office/drawing/2014/main" id="{128A0D57-6C19-F1AB-515C-11BCBE32AA8C}"/>
+              </a:ext>
+            </a:extLst>
+          </p:cNvPr>
+          <p:cNvSpPr/>
+          <p:nvPr/>
+        </p:nvSpPr>
+        <p:spPr>
+          <a:xfrm>
+            <a:off x="107837" y="5178529"/>
+            <a:ext cx="1946821" cy="1299866"/>
+          </a:xfrm>
+          <a:prstGeom prst="rect">
+            <a:avLst/>
+          </a:prstGeom>
+        </p:spPr>
+        <p:style>
+          <a:lnRef idx="2">
+            <a:schemeClr val="accent1">
+              <a:shade val="50000"/>
+            </a:schemeClr>
+          </a:lnRef>
+          <a:fillRef idx="1">
+            <a:schemeClr val="accent1"/>
+          </a:fillRef>
+          <a:effectRef idx="0">
+            <a:schemeClr val="accent1"/>
+          </a:effectRef>
+          <a:fontRef idx="minor">
+            <a:schemeClr val="lt1"/>
+          </a:fontRef>
+        </p:style>
+        <p:txBody>
+          <a:bodyPr rtlCol="0" anchor="ctr"/>
+          <a:lstStyle/>
+          <a:p>
+            <a:pPr algn="ctr"/>
+            <a:r>
+              <a:rPr lang="en-US" dirty="0" err="1">
+                <a:highlight>
+                  <a:srgbClr val="FF0000"/>
+                </a:highlight>
+              </a:rPr>
+              <a:t>openRFile</a:t>
+            </a:r>
+            <a:r>
+              <a:rPr lang="en-US" dirty="0">
+                <a:highlight>
+                  <a:srgbClr val="FF0000"/>
+                </a:highlight>
+              </a:rPr>
+              <a:t>(exp)</a:t>
+            </a:r>
+          </a:p>
+          <a:p>
+            <a:pPr algn="ctr"/>
+            <a:r>
+              <a:rPr lang="en-US" dirty="0" err="1">
+                <a:highlight>
+                  <a:srgbClr val="FF0000"/>
+                </a:highlight>
+              </a:rPr>
+              <a:t>readFile</a:t>
+            </a:r>
+            <a:r>
+              <a:rPr lang="en-US" dirty="0">
+                <a:highlight>
+                  <a:srgbClr val="FF0000"/>
+                </a:highlight>
+              </a:rPr>
+              <a:t>(exp, var)</a:t>
+            </a:r>
+          </a:p>
+          <a:p>
+            <a:pPr algn="ctr"/>
+            <a:r>
+              <a:rPr lang="en-US" dirty="0" err="1">
+                <a:highlight>
+                  <a:srgbClr val="FF0000"/>
+                </a:highlight>
+              </a:rPr>
+              <a:t>closeRFile</a:t>
+            </a:r>
+            <a:r>
+              <a:rPr lang="en-US" dirty="0">
+                <a:highlight>
+                  <a:srgbClr val="FF0000"/>
+                </a:highlight>
+              </a:rPr>
+              <a:t>(exp)</a:t>
+            </a:r>
+            <a:endParaRPr lang="ro-RO" dirty="0">
+              <a:highlight>
+                <a:srgbClr val="FF0000"/>
+              </a:highlight>
+            </a:endParaRPr>
+          </a:p>
+        </p:txBody>
+      </p:sp>
+      <p:cxnSp>
+        <p:nvCxnSpPr>
+          <p:cNvPr id="22" name="Straight Arrow Connector 21">
+            <a:extLst>
+              <a:ext uri="{FF2B5EF4-FFF2-40B4-BE49-F238E27FC236}">
+                <a16:creationId xmlns:a16="http://schemas.microsoft.com/office/drawing/2014/main" id="{46D4BDDB-EF1F-9EBA-AE7C-7848EFE42720}"/>
+              </a:ext>
+            </a:extLst>
+          </p:cNvPr>
+          <p:cNvCxnSpPr>
+            <a:stCxn id="20" idx="0"/>
+            <a:endCxn id="16" idx="2"/>
+          </p:cNvCxnSpPr>
+          <p:nvPr/>
+        </p:nvCxnSpPr>
+        <p:spPr>
+          <a:xfrm flipV="1">
+            <a:off x="1081248" y="993801"/>
+            <a:ext cx="232319" cy="4184728"/>
+          </a:xfrm>
+          <a:prstGeom prst="straightConnector1">
+            <a:avLst/>
+          </a:prstGeom>
+          <a:ln>
+            <a:tailEnd type="triangle"/>
+          </a:ln>
+        </p:spPr>
+        <p:style>
+          <a:lnRef idx="1">
+            <a:schemeClr val="accent1"/>
+          </a:lnRef>
+          <a:fillRef idx="0">
+            <a:schemeClr val="accent1"/>
+          </a:fillRef>
+          <a:effectRef idx="0">
+            <a:schemeClr val="accent1"/>
+          </a:effectRef>
+          <a:fontRef idx="minor">
+            <a:schemeClr val="tx1"/>
+          </a:fontRef>
+        </p:style>
+      </p:cxnSp>
+      <p:sp>
+        <p:nvSpPr>
+          <p:cNvPr id="23" name="Rectangle 22">
+            <a:extLst>
+              <a:ext uri="{FF2B5EF4-FFF2-40B4-BE49-F238E27FC236}">
+                <a16:creationId xmlns:a16="http://schemas.microsoft.com/office/drawing/2014/main" id="{79B7F1D9-2CF2-1FCD-028A-42A7BF79F9F3}"/>
+              </a:ext>
+            </a:extLst>
+          </p:cNvPr>
+          <p:cNvSpPr/>
+          <p:nvPr/>
+        </p:nvSpPr>
+        <p:spPr>
+          <a:xfrm>
+            <a:off x="6786575" y="3579753"/>
+            <a:ext cx="1914942" cy="702733"/>
+          </a:xfrm>
+          <a:prstGeom prst="rect">
+            <a:avLst/>
+          </a:prstGeom>
+        </p:spPr>
+        <p:style>
+          <a:lnRef idx="2">
+            <a:schemeClr val="accent1">
+              <a:shade val="50000"/>
+            </a:schemeClr>
+          </a:lnRef>
+          <a:fillRef idx="1">
+            <a:schemeClr val="accent1"/>
+          </a:fillRef>
+          <a:effectRef idx="0">
+            <a:schemeClr val="accent1"/>
+          </a:effectRef>
+          <a:fontRef idx="minor">
+            <a:schemeClr val="lt1"/>
+          </a:fontRef>
+        </p:style>
+        <p:txBody>
+          <a:bodyPr rtlCol="0" anchor="ctr"/>
+          <a:lstStyle/>
+          <a:p>
+            <a:pPr algn="ctr"/>
+            <a:r>
+              <a:rPr lang="en-US" dirty="0">
+                <a:highlight>
+                  <a:srgbClr val="FF0000"/>
+                </a:highlight>
+              </a:rPr>
+              <a:t>Relational exp </a:t>
+            </a:r>
+            <a:r>
+              <a:rPr lang="en-US" sz="1200" dirty="0">
+                <a:highlight>
+                  <a:srgbClr val="FF0000"/>
+                </a:highlight>
+              </a:rPr>
+              <a:t>(exp1&lt;/&lt;=/==/!=/&gt;/&gt;=exp2)</a:t>
+            </a:r>
+            <a:endParaRPr lang="ro-RO" sz="1200" dirty="0">
+              <a:highlight>
+                <a:srgbClr val="FF0000"/>
+              </a:highlight>
+            </a:endParaRPr>
+          </a:p>
+        </p:txBody>
+      </p:sp>
+      <p:cxnSp>
+        <p:nvCxnSpPr>
+          <p:cNvPr id="48" name="Straight Arrow Connector 47">
+            <a:extLst>
+              <a:ext uri="{FF2B5EF4-FFF2-40B4-BE49-F238E27FC236}">
+                <a16:creationId xmlns:a16="http://schemas.microsoft.com/office/drawing/2014/main" id="{98044F1F-49DC-0E8C-2F76-A06F1CDBBD02}"/>
+              </a:ext>
+            </a:extLst>
+          </p:cNvPr>
+          <p:cNvCxnSpPr>
+            <a:stCxn id="23" idx="0"/>
+            <a:endCxn id="31" idx="2"/>
+          </p:cNvCxnSpPr>
+          <p:nvPr/>
+        </p:nvCxnSpPr>
+        <p:spPr>
+          <a:xfrm flipH="1" flipV="1">
+            <a:off x="7346816" y="1327202"/>
+            <a:ext cx="397230" cy="2252551"/>
+          </a:xfrm>
+          <a:prstGeom prst="straightConnector1">
+            <a:avLst/>
+          </a:prstGeom>
+          <a:ln>
+            <a:tailEnd type="triangle"/>
+          </a:ln>
+        </p:spPr>
+        <p:style>
+          <a:lnRef idx="1">
+            <a:schemeClr val="accent1"/>
+          </a:lnRef>
+          <a:fillRef idx="0">
+            <a:schemeClr val="accent1"/>
+          </a:fillRef>
+          <a:effectRef idx="0">
+            <a:schemeClr val="accent1"/>
+          </a:effectRef>
+          <a:fontRef idx="minor">
+            <a:schemeClr val="tx1"/>
+          </a:fontRef>
+        </p:style>
+      </p:cxnSp>
+      <p:sp>
+        <p:nvSpPr>
+          <p:cNvPr id="50" name="TextBox 49">
+            <a:extLst>
+              <a:ext uri="{FF2B5EF4-FFF2-40B4-BE49-F238E27FC236}">
+                <a16:creationId xmlns:a16="http://schemas.microsoft.com/office/drawing/2014/main" id="{005A4BBA-578D-7152-0F57-622BBE96886F}"/>
+              </a:ext>
+            </a:extLst>
+          </p:cNvPr>
+          <p:cNvSpPr txBox="1"/>
+          <p:nvPr/>
+        </p:nvSpPr>
+        <p:spPr>
+          <a:xfrm>
+            <a:off x="2936174" y="412802"/>
+            <a:ext cx="1675459" cy="369332"/>
+          </a:xfrm>
+          <a:prstGeom prst="rect">
+            <a:avLst/>
+          </a:prstGeom>
+          <a:noFill/>
+        </p:spPr>
+        <p:txBody>
+          <a:bodyPr wrap="none" rtlCol="0">
+            <a:spAutoFit/>
+          </a:bodyPr>
+          <a:lstStyle/>
+          <a:p>
+            <a:r>
+              <a:rPr lang="en-US" dirty="0">
+                <a:solidFill>
+                  <a:schemeClr val="bg1"/>
+                </a:solidFill>
+                <a:highlight>
+                  <a:srgbClr val="FF0000"/>
+                </a:highlight>
+              </a:rPr>
+              <a:t>ASSIGNMENT 3</a:t>
+            </a:r>
+            <a:endParaRPr lang="ro-RO" dirty="0">
+              <a:solidFill>
+                <a:schemeClr val="bg1"/>
+              </a:solidFill>
+              <a:highlight>
+                <a:srgbClr val="FF0000"/>
+              </a:highlight>
+            </a:endParaRPr>
+          </a:p>
+        </p:txBody>
+      </p:sp>
     </p:spTree>
     <p:extLst>
       <p:ext uri="{BB962C8B-B14F-4D97-AF65-F5344CB8AC3E}">
@@ -5334,7 +5971,7 @@
         </p:nvSpPr>
         <p:spPr>
           <a:xfrm>
-            <a:off x="5021198" y="1245738"/>
+            <a:off x="6982603" y="1079022"/>
             <a:ext cx="1320800" cy="2437263"/>
           </a:xfrm>
           <a:prstGeom prst="rect">
@@ -5417,7 +6054,7 @@
         </p:nvSpPr>
         <p:spPr>
           <a:xfrm>
-            <a:off x="4903338" y="539355"/>
+            <a:off x="6926876" y="539355"/>
             <a:ext cx="1447127" cy="369332"/>
           </a:xfrm>
           <a:prstGeom prst="rect">
@@ -5453,8 +6090,8 @@
         </p:nvSpPr>
         <p:spPr>
           <a:xfrm>
-            <a:off x="7699747" y="1101804"/>
-            <a:ext cx="1786002" cy="2437263"/>
+            <a:off x="9723285" y="1101804"/>
+            <a:ext cx="1943786" cy="2437263"/>
           </a:xfrm>
           <a:prstGeom prst="rect">
             <a:avLst/>
@@ -5526,6 +6163,25 @@
               <a:t>remove()</a:t>
             </a:r>
           </a:p>
+          <a:p>
+            <a:pPr algn="ctr"/>
+            <a:r>
+              <a:rPr lang="en-US" dirty="0" err="1">
+                <a:highlight>
+                  <a:srgbClr val="FF0000"/>
+                </a:highlight>
+              </a:rPr>
+              <a:t>logPrgStateExec</a:t>
+            </a:r>
+            <a:r>
+              <a:rPr lang="en-US" dirty="0">
+                <a:highlight>
+                  <a:srgbClr val="FF0000"/>
+                </a:highlight>
+              </a:rPr>
+              <a:t>()</a:t>
+            </a:r>
+          </a:p>
         </p:txBody>
       </p:sp>
       <p:sp>
@@ -5542,7 +6198,7 @@
         </p:nvSpPr>
         <p:spPr>
           <a:xfrm>
-            <a:off x="7900539" y="530888"/>
+            <a:off x="9924077" y="530888"/>
             <a:ext cx="1384418" cy="369332"/>
           </a:xfrm>
           <a:prstGeom prst="rect">
@@ -5578,8 +6234,8 @@
         </p:nvSpPr>
         <p:spPr>
           <a:xfrm>
-            <a:off x="1500624" y="1127204"/>
-            <a:ext cx="1786001" cy="2437263"/>
+            <a:off x="3197540" y="981824"/>
+            <a:ext cx="1786001" cy="846976"/>
           </a:xfrm>
           <a:prstGeom prst="rect">
             <a:avLst/>
@@ -5608,58 +6264,28 @@
             <a:pPr algn="ctr"/>
             <a:r>
               <a:rPr lang="en-US" dirty="0"/>
-              <a:t>View</a:t>
+              <a:t>Command</a:t>
+            </a:r>
+          </a:p>
+          <a:p>
+            <a:pPr algn="ctr"/>
+            <a:r>
+              <a:rPr lang="en-US" sz="1100" dirty="0"/>
+              <a:t>-key</a:t>
+            </a:r>
+          </a:p>
+          <a:p>
+            <a:pPr algn="ctr"/>
+            <a:r>
+              <a:rPr lang="en-US" sz="1100" dirty="0"/>
+              <a:t>-description</a:t>
             </a:r>
           </a:p>
           <a:p>
             <a:pPr algn="ctr"/>
             <a:r>
               <a:rPr lang="en-US" dirty="0"/>
-              <a:t>-controller</a:t>
-            </a:r>
-          </a:p>
-          <a:p>
-            <a:pPr algn="ctr"/>
-            <a:r>
-              <a:rPr lang="en-US" dirty="0" err="1"/>
-              <a:t>showMenu</a:t>
-            </a:r>
-            <a:r>
-              <a:rPr lang="en-US" dirty="0"/>
-              <a:t>()</a:t>
-            </a:r>
-          </a:p>
-          <a:p>
-            <a:pPr algn="ctr"/>
-            <a:r>
-              <a:rPr lang="en-US" dirty="0" err="1"/>
-              <a:t>oneStep</a:t>
-            </a:r>
-            <a:r>
-              <a:rPr lang="en-US" dirty="0"/>
-              <a:t>()</a:t>
-            </a:r>
-          </a:p>
-          <a:p>
-            <a:pPr algn="ctr"/>
-            <a:r>
-              <a:rPr lang="en-US" dirty="0" err="1"/>
-              <a:t>fullRun</a:t>
-            </a:r>
-            <a:r>
-              <a:rPr lang="en-US" dirty="0"/>
-              <a:t>()</a:t>
-            </a:r>
-          </a:p>
-          <a:p>
-            <a:pPr algn="ctr"/>
-            <a:r>
-              <a:rPr lang="en-US" dirty="0" err="1"/>
-              <a:t>loadCode</a:t>
-            </a:r>
-            <a:r>
-              <a:rPr lang="en-US" dirty="0"/>
-              <a:t>()</a:t>
+              <a:t>execute()</a:t>
             </a:r>
           </a:p>
         </p:txBody>
@@ -5678,7 +6304,7 @@
         </p:nvSpPr>
         <p:spPr>
           <a:xfrm>
-            <a:off x="2041606" y="715554"/>
+            <a:off x="3029836" y="439037"/>
             <a:ext cx="704039" cy="369332"/>
           </a:xfrm>
           <a:prstGeom prst="rect">
@@ -6187,6 +6813,328 @@
               <a:t>…</a:t>
             </a:r>
             <a:endParaRPr lang="ro-RO" b="1" dirty="0"/>
+          </a:p>
+        </p:txBody>
+      </p:sp>
+      <p:sp>
+        <p:nvSpPr>
+          <p:cNvPr id="7" name="Rectangle 6">
+            <a:extLst>
+              <a:ext uri="{FF2B5EF4-FFF2-40B4-BE49-F238E27FC236}">
+                <a16:creationId xmlns:a16="http://schemas.microsoft.com/office/drawing/2014/main" id="{F2ABCF05-EB27-59DD-E6E1-BE5A0025FF6E}"/>
+              </a:ext>
+            </a:extLst>
+          </p:cNvPr>
+          <p:cNvSpPr/>
+          <p:nvPr/>
+        </p:nvSpPr>
+        <p:spPr>
+          <a:xfrm>
+            <a:off x="524929" y="981824"/>
+            <a:ext cx="1786001" cy="1437658"/>
+          </a:xfrm>
+          <a:prstGeom prst="rect">
+            <a:avLst/>
+          </a:prstGeom>
+        </p:spPr>
+        <p:style>
+          <a:lnRef idx="2">
+            <a:schemeClr val="accent1">
+              <a:shade val="50000"/>
+            </a:schemeClr>
+          </a:lnRef>
+          <a:fillRef idx="1">
+            <a:schemeClr val="accent1"/>
+          </a:fillRef>
+          <a:effectRef idx="0">
+            <a:schemeClr val="accent1"/>
+          </a:effectRef>
+          <a:fontRef idx="minor">
+            <a:schemeClr val="lt1"/>
+          </a:fontRef>
+        </p:style>
+        <p:txBody>
+          <a:bodyPr rtlCol="0" anchor="ctr"/>
+          <a:lstStyle/>
+          <a:p>
+            <a:pPr algn="ctr"/>
+            <a:r>
+              <a:rPr lang="en-US" dirty="0" err="1"/>
+              <a:t>TextMenu</a:t>
+            </a:r>
+            <a:endParaRPr lang="en-US" dirty="0"/>
+          </a:p>
+          <a:p>
+            <a:pPr algn="ctr"/>
+            <a:r>
+              <a:rPr lang="en-US" dirty="0"/>
+              <a:t>-commands</a:t>
+            </a:r>
+          </a:p>
+          <a:p>
+            <a:pPr algn="ctr"/>
+            <a:r>
+              <a:rPr lang="en-US" dirty="0" err="1"/>
+              <a:t>addCommand</a:t>
+            </a:r>
+            <a:r>
+              <a:rPr lang="en-US" dirty="0"/>
+              <a:t>()</a:t>
+            </a:r>
+          </a:p>
+          <a:p>
+            <a:pPr algn="ctr"/>
+            <a:r>
+              <a:rPr lang="en-US" dirty="0" err="1"/>
+              <a:t>printMenu</a:t>
+            </a:r>
+            <a:r>
+              <a:rPr lang="en-US" dirty="0"/>
+              <a:t>()</a:t>
+            </a:r>
+          </a:p>
+          <a:p>
+            <a:pPr algn="ctr"/>
+            <a:r>
+              <a:rPr lang="en-US" dirty="0"/>
+              <a:t>show()</a:t>
+            </a:r>
+          </a:p>
+        </p:txBody>
+      </p:sp>
+      <p:sp>
+        <p:nvSpPr>
+          <p:cNvPr id="8" name="Rectangle 7">
+            <a:extLst>
+              <a:ext uri="{FF2B5EF4-FFF2-40B4-BE49-F238E27FC236}">
+                <a16:creationId xmlns:a16="http://schemas.microsoft.com/office/drawing/2014/main" id="{0859994F-114D-E38B-0351-11D9BE5A43B5}"/>
+              </a:ext>
+            </a:extLst>
+          </p:cNvPr>
+          <p:cNvSpPr/>
+          <p:nvPr/>
+        </p:nvSpPr>
+        <p:spPr>
+          <a:xfrm>
+            <a:off x="2879752" y="2056270"/>
+            <a:ext cx="1302069" cy="667960"/>
+          </a:xfrm>
+          <a:prstGeom prst="rect">
+            <a:avLst/>
+          </a:prstGeom>
+        </p:spPr>
+        <p:style>
+          <a:lnRef idx="2">
+            <a:schemeClr val="accent1">
+              <a:shade val="50000"/>
+            </a:schemeClr>
+          </a:lnRef>
+          <a:fillRef idx="1">
+            <a:schemeClr val="accent1"/>
+          </a:fillRef>
+          <a:effectRef idx="0">
+            <a:schemeClr val="accent1"/>
+          </a:effectRef>
+          <a:fontRef idx="minor">
+            <a:schemeClr val="lt1"/>
+          </a:fontRef>
+        </p:style>
+        <p:txBody>
+          <a:bodyPr rtlCol="0" anchor="ctr"/>
+          <a:lstStyle/>
+          <a:p>
+            <a:pPr algn="ctr"/>
+            <a:r>
+              <a:rPr lang="en-US" dirty="0" err="1"/>
+              <a:t>ExitCmd</a:t>
+            </a:r>
+            <a:endParaRPr lang="en-US" dirty="0"/>
+          </a:p>
+        </p:txBody>
+      </p:sp>
+      <p:sp>
+        <p:nvSpPr>
+          <p:cNvPr id="9" name="Rectangle 8">
+            <a:extLst>
+              <a:ext uri="{FF2B5EF4-FFF2-40B4-BE49-F238E27FC236}">
+                <a16:creationId xmlns:a16="http://schemas.microsoft.com/office/drawing/2014/main" id="{9E25E2F4-3C0E-1469-F7AD-60B3C533818C}"/>
+              </a:ext>
+            </a:extLst>
+          </p:cNvPr>
+          <p:cNvSpPr/>
+          <p:nvPr/>
+        </p:nvSpPr>
+        <p:spPr>
+          <a:xfrm>
+            <a:off x="4458027" y="2056270"/>
+            <a:ext cx="1143676" cy="667960"/>
+          </a:xfrm>
+          <a:prstGeom prst="rect">
+            <a:avLst/>
+          </a:prstGeom>
+        </p:spPr>
+        <p:style>
+          <a:lnRef idx="2">
+            <a:schemeClr val="accent1">
+              <a:shade val="50000"/>
+            </a:schemeClr>
+          </a:lnRef>
+          <a:fillRef idx="1">
+            <a:schemeClr val="accent1"/>
+          </a:fillRef>
+          <a:effectRef idx="0">
+            <a:schemeClr val="accent1"/>
+          </a:effectRef>
+          <a:fontRef idx="minor">
+            <a:schemeClr val="lt1"/>
+          </a:fontRef>
+        </p:style>
+        <p:txBody>
+          <a:bodyPr rtlCol="0" anchor="ctr"/>
+          <a:lstStyle/>
+          <a:p>
+            <a:pPr algn="ctr"/>
+            <a:r>
+              <a:rPr lang="en-US" dirty="0" err="1"/>
+              <a:t>RunCmd</a:t>
+            </a:r>
+            <a:endParaRPr lang="en-US" dirty="0"/>
+          </a:p>
+        </p:txBody>
+      </p:sp>
+      <p:cxnSp>
+        <p:nvCxnSpPr>
+          <p:cNvPr id="13" name="Straight Arrow Connector 12">
+            <a:extLst>
+              <a:ext uri="{FF2B5EF4-FFF2-40B4-BE49-F238E27FC236}">
+                <a16:creationId xmlns:a16="http://schemas.microsoft.com/office/drawing/2014/main" id="{B8E5E59F-4C28-7E03-1C72-829D5762AE1C}"/>
+              </a:ext>
+            </a:extLst>
+          </p:cNvPr>
+          <p:cNvCxnSpPr>
+            <a:stCxn id="8" idx="0"/>
+            <a:endCxn id="4" idx="2"/>
+          </p:cNvCxnSpPr>
+          <p:nvPr/>
+        </p:nvCxnSpPr>
+        <p:spPr>
+          <a:xfrm flipV="1">
+            <a:off x="3530787" y="1828800"/>
+            <a:ext cx="559754" cy="227470"/>
+          </a:xfrm>
+          <a:prstGeom prst="straightConnector1">
+            <a:avLst/>
+          </a:prstGeom>
+          <a:ln>
+            <a:tailEnd type="triangle"/>
+          </a:ln>
+        </p:spPr>
+        <p:style>
+          <a:lnRef idx="1">
+            <a:schemeClr val="accent1"/>
+          </a:lnRef>
+          <a:fillRef idx="0">
+            <a:schemeClr val="accent1"/>
+          </a:fillRef>
+          <a:effectRef idx="0">
+            <a:schemeClr val="accent1"/>
+          </a:effectRef>
+          <a:fontRef idx="minor">
+            <a:schemeClr val="tx1"/>
+          </a:fontRef>
+        </p:style>
+      </p:cxnSp>
+      <p:cxnSp>
+        <p:nvCxnSpPr>
+          <p:cNvPr id="16" name="Straight Arrow Connector 15">
+            <a:extLst>
+              <a:ext uri="{FF2B5EF4-FFF2-40B4-BE49-F238E27FC236}">
+                <a16:creationId xmlns:a16="http://schemas.microsoft.com/office/drawing/2014/main" id="{7686B918-6F7D-CAE2-B870-35B5D67E0227}"/>
+              </a:ext>
+            </a:extLst>
+          </p:cNvPr>
+          <p:cNvCxnSpPr>
+            <a:stCxn id="9" idx="0"/>
+            <a:endCxn id="4" idx="2"/>
+          </p:cNvCxnSpPr>
+          <p:nvPr/>
+        </p:nvCxnSpPr>
+        <p:spPr>
+          <a:xfrm flipH="1" flipV="1">
+            <a:off x="4090541" y="1828800"/>
+            <a:ext cx="939324" cy="227470"/>
+          </a:xfrm>
+          <a:prstGeom prst="straightConnector1">
+            <a:avLst/>
+          </a:prstGeom>
+          <a:ln>
+            <a:tailEnd type="triangle"/>
+          </a:ln>
+        </p:spPr>
+        <p:style>
+          <a:lnRef idx="1">
+            <a:schemeClr val="accent1"/>
+          </a:lnRef>
+          <a:fillRef idx="0">
+            <a:schemeClr val="accent1"/>
+          </a:fillRef>
+          <a:effectRef idx="0">
+            <a:schemeClr val="accent1"/>
+          </a:effectRef>
+          <a:fontRef idx="minor">
+            <a:schemeClr val="tx1"/>
+          </a:fontRef>
+        </p:style>
+      </p:cxnSp>
+      <p:sp>
+        <p:nvSpPr>
+          <p:cNvPr id="19" name="Rectangle 18">
+            <a:extLst>
+              <a:ext uri="{FF2B5EF4-FFF2-40B4-BE49-F238E27FC236}">
+                <a16:creationId xmlns:a16="http://schemas.microsoft.com/office/drawing/2014/main" id="{A06E7A89-0E1B-AF7E-794B-00C08B9BFD78}"/>
+              </a:ext>
+            </a:extLst>
+          </p:cNvPr>
+          <p:cNvSpPr/>
+          <p:nvPr/>
+        </p:nvSpPr>
+        <p:spPr>
+          <a:xfrm>
+            <a:off x="237067" y="321734"/>
+            <a:ext cx="5655733" cy="2997200"/>
+          </a:xfrm>
+          <a:prstGeom prst="rect">
+            <a:avLst/>
+          </a:prstGeom>
+          <a:noFill/>
+          <a:ln w="76200">
+            <a:solidFill>
+              <a:srgbClr val="FF0000"/>
+            </a:solidFill>
+          </a:ln>
+        </p:spPr>
+        <p:style>
+          <a:lnRef idx="2">
+            <a:schemeClr val="accent1">
+              <a:shade val="50000"/>
+            </a:schemeClr>
+          </a:lnRef>
+          <a:fillRef idx="1">
+            <a:schemeClr val="accent1"/>
+          </a:fillRef>
+          <a:effectRef idx="0">
+            <a:schemeClr val="accent1"/>
+          </a:effectRef>
+          <a:fontRef idx="minor">
+            <a:schemeClr val="lt1"/>
+          </a:fontRef>
+        </p:style>
+        <p:txBody>
+          <a:bodyPr rtlCol="0" anchor="ctr"/>
+          <a:lstStyle/>
+          <a:p>
+            <a:pPr algn="ctr"/>
+            <a:endParaRPr lang="ro-RO"/>
           </a:p>
         </p:txBody>
       </p:sp>

--- a/interpreter_project_structure.pptx
+++ b/interpreter_project_structure.pptx
@@ -262,7 +262,7 @@
           <a:p>
             <a:fld id="{B4F30407-742D-4F8B-AD3E-C3D7980839F8}" type="datetimeFigureOut">
               <a:rPr lang="ro-RO" smtClean="0"/>
-              <a:t>02.11.2022</a:t>
+              <a:t>16.11.2022</a:t>
             </a:fld>
             <a:endParaRPr lang="ro-RO"/>
           </a:p>
@@ -462,7 +462,7 @@
           <a:p>
             <a:fld id="{B4F30407-742D-4F8B-AD3E-C3D7980839F8}" type="datetimeFigureOut">
               <a:rPr lang="ro-RO" smtClean="0"/>
-              <a:t>02.11.2022</a:t>
+              <a:t>16.11.2022</a:t>
             </a:fld>
             <a:endParaRPr lang="ro-RO"/>
           </a:p>
@@ -672,7 +672,7 @@
           <a:p>
             <a:fld id="{B4F30407-742D-4F8B-AD3E-C3D7980839F8}" type="datetimeFigureOut">
               <a:rPr lang="ro-RO" smtClean="0"/>
-              <a:t>02.11.2022</a:t>
+              <a:t>16.11.2022</a:t>
             </a:fld>
             <a:endParaRPr lang="ro-RO"/>
           </a:p>
@@ -872,7 +872,7 @@
           <a:p>
             <a:fld id="{B4F30407-742D-4F8B-AD3E-C3D7980839F8}" type="datetimeFigureOut">
               <a:rPr lang="ro-RO" smtClean="0"/>
-              <a:t>02.11.2022</a:t>
+              <a:t>16.11.2022</a:t>
             </a:fld>
             <a:endParaRPr lang="ro-RO"/>
           </a:p>
@@ -1148,7 +1148,7 @@
           <a:p>
             <a:fld id="{B4F30407-742D-4F8B-AD3E-C3D7980839F8}" type="datetimeFigureOut">
               <a:rPr lang="ro-RO" smtClean="0"/>
-              <a:t>02.11.2022</a:t>
+              <a:t>16.11.2022</a:t>
             </a:fld>
             <a:endParaRPr lang="ro-RO"/>
           </a:p>
@@ -1416,7 +1416,7 @@
           <a:p>
             <a:fld id="{B4F30407-742D-4F8B-AD3E-C3D7980839F8}" type="datetimeFigureOut">
               <a:rPr lang="ro-RO" smtClean="0"/>
-              <a:t>02.11.2022</a:t>
+              <a:t>16.11.2022</a:t>
             </a:fld>
             <a:endParaRPr lang="ro-RO"/>
           </a:p>
@@ -1831,7 +1831,7 @@
           <a:p>
             <a:fld id="{B4F30407-742D-4F8B-AD3E-C3D7980839F8}" type="datetimeFigureOut">
               <a:rPr lang="ro-RO" smtClean="0"/>
-              <a:t>02.11.2022</a:t>
+              <a:t>16.11.2022</a:t>
             </a:fld>
             <a:endParaRPr lang="ro-RO"/>
           </a:p>
@@ -1973,7 +1973,7 @@
           <a:p>
             <a:fld id="{B4F30407-742D-4F8B-AD3E-C3D7980839F8}" type="datetimeFigureOut">
               <a:rPr lang="ro-RO" smtClean="0"/>
-              <a:t>02.11.2022</a:t>
+              <a:t>16.11.2022</a:t>
             </a:fld>
             <a:endParaRPr lang="ro-RO"/>
           </a:p>
@@ -2086,7 +2086,7 @@
           <a:p>
             <a:fld id="{B4F30407-742D-4F8B-AD3E-C3D7980839F8}" type="datetimeFigureOut">
               <a:rPr lang="ro-RO" smtClean="0"/>
-              <a:t>02.11.2022</a:t>
+              <a:t>16.11.2022</a:t>
             </a:fld>
             <a:endParaRPr lang="ro-RO"/>
           </a:p>
@@ -2399,7 +2399,7 @@
           <a:p>
             <a:fld id="{B4F30407-742D-4F8B-AD3E-C3D7980839F8}" type="datetimeFigureOut">
               <a:rPr lang="ro-RO" smtClean="0"/>
-              <a:t>02.11.2022</a:t>
+              <a:t>16.11.2022</a:t>
             </a:fld>
             <a:endParaRPr lang="ro-RO"/>
           </a:p>
@@ -2688,7 +2688,7 @@
           <a:p>
             <a:fld id="{B4F30407-742D-4F8B-AD3E-C3D7980839F8}" type="datetimeFigureOut">
               <a:rPr lang="ro-RO" smtClean="0"/>
-              <a:t>02.11.2022</a:t>
+              <a:t>16.11.2022</a:t>
             </a:fld>
             <a:endParaRPr lang="ro-RO"/>
           </a:p>
@@ -2931,7 +2931,7 @@
           <a:p>
             <a:fld id="{B4F30407-742D-4F8B-AD3E-C3D7980839F8}" type="datetimeFigureOut">
               <a:rPr lang="ro-RO" smtClean="0"/>
-              <a:t>02.11.2022</a:t>
+              <a:t>16.11.2022</a:t>
             </a:fld>
             <a:endParaRPr lang="ro-RO"/>
           </a:p>
@@ -3498,12 +3498,99 @@
           </a:p>
         </p:txBody>
       </p:sp>
-      <p:sp>
-        <p:nvSpPr>
-          <p:cNvPr id="8" name="Rectangle 7">
-            <a:extLst>
-              <a:ext uri="{FF2B5EF4-FFF2-40B4-BE49-F238E27FC236}">
-                <a16:creationId xmlns:a16="http://schemas.microsoft.com/office/drawing/2014/main" id="{7B8874AE-8795-1C63-32F5-7AA1597B9A42}"/>
+      <p:cxnSp>
+        <p:nvCxnSpPr>
+          <p:cNvPr id="11" name="Straight Arrow Connector 10">
+            <a:extLst>
+              <a:ext uri="{FF2B5EF4-FFF2-40B4-BE49-F238E27FC236}">
+                <a16:creationId xmlns:a16="http://schemas.microsoft.com/office/drawing/2014/main" id="{F8102F4A-42B5-75DC-F58B-E19105686B62}"/>
+              </a:ext>
+            </a:extLst>
+          </p:cNvPr>
+          <p:cNvCxnSpPr>
+            <a:cxnSpLocks/>
+            <a:stCxn id="7" idx="0"/>
+            <a:endCxn id="6" idx="2"/>
+          </p:cNvCxnSpPr>
+          <p:nvPr/>
+        </p:nvCxnSpPr>
+        <p:spPr>
+          <a:xfrm flipV="1">
+            <a:off x="1017645" y="939800"/>
+            <a:ext cx="252355" cy="478135"/>
+          </a:xfrm>
+          <a:prstGeom prst="straightConnector1">
+            <a:avLst/>
+          </a:prstGeom>
+          <a:ln>
+            <a:tailEnd type="triangle"/>
+          </a:ln>
+        </p:spPr>
+        <p:style>
+          <a:lnRef idx="1">
+            <a:schemeClr val="accent1"/>
+          </a:lnRef>
+          <a:fillRef idx="0">
+            <a:schemeClr val="accent1"/>
+          </a:fillRef>
+          <a:effectRef idx="0">
+            <a:schemeClr val="accent1"/>
+          </a:effectRef>
+          <a:fontRef idx="minor">
+            <a:schemeClr val="tx1"/>
+          </a:fontRef>
+        </p:style>
+      </p:cxnSp>
+      <p:sp>
+        <p:nvSpPr>
+          <p:cNvPr id="16" name="TextBox 15">
+            <a:extLst>
+              <a:ext uri="{FF2B5EF4-FFF2-40B4-BE49-F238E27FC236}">
+                <a16:creationId xmlns:a16="http://schemas.microsoft.com/office/drawing/2014/main" id="{418A3C9F-B025-D76D-C3C2-166BCA619D13}"/>
+              </a:ext>
+            </a:extLst>
+          </p:cNvPr>
+          <p:cNvSpPr txBox="1"/>
+          <p:nvPr/>
+        </p:nvSpPr>
+        <p:spPr>
+          <a:xfrm>
+            <a:off x="785634" y="624469"/>
+            <a:ext cx="1055866" cy="369332"/>
+          </a:xfrm>
+          <a:prstGeom prst="rect">
+            <a:avLst/>
+          </a:prstGeom>
+          <a:noFill/>
+        </p:spPr>
+        <p:txBody>
+          <a:bodyPr wrap="none" rtlCol="0">
+            <a:spAutoFit/>
+          </a:bodyPr>
+          <a:lstStyle/>
+          <a:p>
+            <a:r>
+              <a:rPr lang="en-US" dirty="0">
+                <a:solidFill>
+                  <a:schemeClr val="bg1"/>
+                </a:solidFill>
+              </a:rPr>
+              <a:t>execute()</a:t>
+            </a:r>
+            <a:endParaRPr lang="ro-RO" dirty="0">
+              <a:solidFill>
+                <a:schemeClr val="bg1"/>
+              </a:solidFill>
+            </a:endParaRPr>
+          </a:p>
+        </p:txBody>
+      </p:sp>
+      <p:sp>
+        <p:nvSpPr>
+          <p:cNvPr id="19" name="Rectangle 18">
+            <a:extLst>
+              <a:ext uri="{FF2B5EF4-FFF2-40B4-BE49-F238E27FC236}">
+                <a16:creationId xmlns:a16="http://schemas.microsoft.com/office/drawing/2014/main" id="{3E83DF00-DD61-289E-E4E3-E802EBD15D97}"/>
               </a:ext>
             </a:extLst>
           </p:cNvPr>
@@ -3512,8 +3599,8 @@
         </p:nvSpPr>
         <p:spPr>
           <a:xfrm>
-            <a:off x="2376413" y="1386465"/>
-            <a:ext cx="1845139" cy="1417368"/>
+            <a:off x="9781565" y="109421"/>
+            <a:ext cx="2027767" cy="1732828"/>
           </a:xfrm>
           <a:prstGeom prst="rect">
             <a:avLst/>
@@ -3536,74 +3623,189 @@
           </a:fontRef>
         </p:style>
         <p:txBody>
-          <a:bodyPr rtlCol="0" anchor="ctr"/>
+          <a:bodyPr rtlCol="0" anchor="t"/>
           <a:lstStyle/>
           <a:p>
             <a:pPr algn="ctr"/>
             <a:r>
               <a:rPr lang="en-US" dirty="0" err="1"/>
-              <a:t>DeclStmt</a:t>
+              <a:t>PrgState</a:t>
             </a:r>
             <a:endParaRPr lang="en-US" dirty="0"/>
           </a:p>
           <a:p>
-            <a:pPr algn="ctr"/>
+            <a:pPr marL="285750" indent="-285750" algn="ctr">
+              <a:buFontTx/>
+              <a:buChar char="-"/>
+            </a:pPr>
+            <a:r>
+              <a:rPr lang="en-US" dirty="0" err="1"/>
+              <a:t>SymbTbl</a:t>
+            </a:r>
             <a:r>
               <a:rPr lang="en-US" dirty="0"/>
-              <a:t>-type</a:t>
-            </a:r>
-          </a:p>
-          <a:p>
-            <a:pPr algn="ctr"/>
+              <a:t>: </a:t>
+            </a:r>
+            <a:r>
+              <a:rPr lang="en-US" dirty="0" err="1"/>
+              <a:t>Dict</a:t>
+            </a:r>
+            <a:endParaRPr lang="en-US" dirty="0"/>
+          </a:p>
+          <a:p>
+            <a:pPr marL="285750" indent="-285750" algn="ctr">
+              <a:buFontTx/>
+              <a:buChar char="-"/>
+            </a:pPr>
+            <a:r>
+              <a:rPr lang="en-US" dirty="0" err="1"/>
+              <a:t>outputList</a:t>
+            </a:r>
             <a:r>
               <a:rPr lang="en-US" dirty="0"/>
-              <a:t>-String</a:t>
-            </a:r>
-          </a:p>
-          <a:p>
-            <a:pPr algn="ctr"/>
+              <a:t>: List</a:t>
+            </a:r>
+          </a:p>
+          <a:p>
+            <a:pPr marL="285750" indent="-285750" algn="ctr">
+              <a:buFontTx/>
+              <a:buChar char="-"/>
+            </a:pPr>
+            <a:r>
+              <a:rPr lang="en-US" dirty="0" err="1"/>
+              <a:t>exeStack</a:t>
+            </a:r>
+            <a:r>
+              <a:rPr lang="en-US" dirty="0"/>
+              <a:t>: Stack</a:t>
+            </a:r>
+          </a:p>
+          <a:p>
+            <a:pPr marL="285750" indent="-285750" algn="ctr">
+              <a:buFontTx/>
+              <a:buChar char="-"/>
+            </a:pPr>
+            <a:r>
+              <a:rPr lang="en-US" dirty="0" err="1"/>
+              <a:t>fileTable</a:t>
+            </a:r>
+            <a:r>
+              <a:rPr lang="en-US" dirty="0"/>
+              <a:t>: </a:t>
+            </a:r>
+            <a:r>
+              <a:rPr lang="en-US" dirty="0" err="1"/>
+              <a:t>Dict</a:t>
+            </a:r>
+            <a:endParaRPr lang="en-US" dirty="0"/>
+          </a:p>
+          <a:p>
+            <a:pPr marL="285750" indent="-285750" algn="ctr">
+              <a:buFontTx/>
+              <a:buChar char="-"/>
+            </a:pPr>
             <a:r>
               <a:rPr lang="en-US" dirty="0">
-                <a:solidFill>
-                  <a:schemeClr val="bg1"/>
-                </a:solidFill>
+                <a:highlight>
+                  <a:srgbClr val="FF0000"/>
+                </a:highlight>
               </a:rPr>
-              <a:t>execute(</a:t>
+              <a:t>heap: </a:t>
             </a:r>
             <a:r>
               <a:rPr lang="en-US" dirty="0" err="1">
-                <a:solidFill>
-                  <a:schemeClr val="bg1"/>
-                </a:solidFill>
+                <a:highlight>
+                  <a:srgbClr val="FF0000"/>
+                </a:highlight>
               </a:rPr>
-              <a:t>prgState</a:t>
-            </a:r>
-            <a:r>
-              <a:rPr lang="en-US" dirty="0">
-                <a:solidFill>
-                  <a:schemeClr val="bg1"/>
-                </a:solidFill>
-              </a:rPr>
-              <a:t>)</a:t>
+              <a:t>Dict</a:t>
             </a:r>
             <a:endParaRPr lang="ro-RO" dirty="0">
-              <a:solidFill>
-                <a:schemeClr val="bg1"/>
-              </a:solidFill>
+              <a:highlight>
+                <a:srgbClr val="FF0000"/>
+              </a:highlight>
             </a:endParaRPr>
           </a:p>
-          <a:p>
-            <a:pPr algn="ctr"/>
+        </p:txBody>
+      </p:sp>
+      <p:sp>
+        <p:nvSpPr>
+          <p:cNvPr id="29" name="TextBox 28">
+            <a:extLst>
+              <a:ext uri="{FF2B5EF4-FFF2-40B4-BE49-F238E27FC236}">
+                <a16:creationId xmlns:a16="http://schemas.microsoft.com/office/drawing/2014/main" id="{FB16D549-1BF4-2AF4-3FF6-2C2052605387}"/>
+              </a:ext>
+            </a:extLst>
+          </p:cNvPr>
+          <p:cNvSpPr txBox="1"/>
+          <p:nvPr/>
+        </p:nvSpPr>
+        <p:spPr>
+          <a:xfrm>
+            <a:off x="5250472" y="14421"/>
+            <a:ext cx="1040670" cy="369332"/>
+          </a:xfrm>
+          <a:prstGeom prst="rect">
+            <a:avLst/>
+          </a:prstGeom>
+          <a:noFill/>
+        </p:spPr>
+        <p:txBody>
+          <a:bodyPr wrap="none" rtlCol="0">
+            <a:spAutoFit/>
+          </a:bodyPr>
+          <a:lstStyle/>
+          <a:p>
+            <a:r>
+              <a:rPr lang="en-US" b="1" u="sng" dirty="0"/>
+              <a:t>DOMAIN</a:t>
+            </a:r>
+            <a:endParaRPr lang="ro-RO" b="1" u="sng" dirty="0"/>
+          </a:p>
+        </p:txBody>
+      </p:sp>
+      <p:sp>
+        <p:nvSpPr>
+          <p:cNvPr id="30" name="TextBox 29">
+            <a:extLst>
+              <a:ext uri="{FF2B5EF4-FFF2-40B4-BE49-F238E27FC236}">
+                <a16:creationId xmlns:a16="http://schemas.microsoft.com/office/drawing/2014/main" id="{5CC6A6A5-D5BF-7D14-DDE2-7B0F84DA3C9C}"/>
+              </a:ext>
+            </a:extLst>
+          </p:cNvPr>
+          <p:cNvSpPr txBox="1"/>
+          <p:nvPr/>
+        </p:nvSpPr>
+        <p:spPr>
+          <a:xfrm>
+            <a:off x="372581" y="2782103"/>
+            <a:ext cx="343364" cy="369332"/>
+          </a:xfrm>
+          <a:prstGeom prst="rect">
+            <a:avLst/>
+          </a:prstGeom>
+          <a:noFill/>
+        </p:spPr>
+        <p:txBody>
+          <a:bodyPr wrap="none" rtlCol="0">
+            <a:spAutoFit/>
+          </a:bodyPr>
+          <a:lstStyle/>
+          <a:p>
+            <a:r>
+              <a:rPr lang="en-US" dirty="0"/>
+              <a:t>…</a:t>
+            </a:r>
             <a:endParaRPr lang="ro-RO" dirty="0"/>
           </a:p>
         </p:txBody>
       </p:sp>
       <p:sp>
         <p:nvSpPr>
-          <p:cNvPr id="9" name="Rectangle 8">
-            <a:extLst>
-              <a:ext uri="{FF2B5EF4-FFF2-40B4-BE49-F238E27FC236}">
-                <a16:creationId xmlns:a16="http://schemas.microsoft.com/office/drawing/2014/main" id="{535D3936-F7AA-98A6-FA4D-5A0103EC3371}"/>
+          <p:cNvPr id="31" name="Rectangle 30">
+            <a:extLst>
+              <a:ext uri="{FF2B5EF4-FFF2-40B4-BE49-F238E27FC236}">
+                <a16:creationId xmlns:a16="http://schemas.microsoft.com/office/drawing/2014/main" id="{893EA48B-190B-5491-AD72-AC9BEEF38E49}"/>
               </a:ext>
             </a:extLst>
           </p:cNvPr>
@@ -3612,8 +3814,8 @@
         </p:nvSpPr>
         <p:spPr>
           <a:xfrm>
-            <a:off x="1070067" y="3083468"/>
-            <a:ext cx="2297467" cy="1577665"/>
+            <a:off x="6686416" y="624469"/>
+            <a:ext cx="1622560" cy="702733"/>
           </a:xfrm>
           <a:prstGeom prst="rect">
             <a:avLst/>
@@ -3641,238 +3843,46 @@
           <a:p>
             <a:pPr algn="ctr"/>
             <a:r>
-              <a:rPr lang="en-US" dirty="0" err="1"/>
-              <a:t>AssignStmt</a:t>
-            </a:r>
-            <a:endParaRPr lang="en-US" dirty="0"/>
-          </a:p>
-          <a:p>
-            <a:pPr algn="ctr"/>
-            <a:r>
               <a:rPr lang="en-US" dirty="0"/>
-              <a:t>-String id</a:t>
-            </a:r>
-          </a:p>
-          <a:p>
-            <a:pPr algn="ctr"/>
-            <a:r>
-              <a:rPr lang="en-US" dirty="0"/>
-              <a:t>-Exp</a:t>
-            </a:r>
-          </a:p>
-          <a:p>
-            <a:pPr algn="ctr"/>
-            <a:r>
-              <a:rPr lang="en-US" dirty="0">
-                <a:solidFill>
-                  <a:schemeClr val="bg1"/>
-                </a:solidFill>
+              <a:t>Exp</a:t>
+            </a:r>
+          </a:p>
+          <a:p>
+            <a:pPr algn="ctr"/>
+            <a:r>
+              <a:rPr lang="en-US" sz="1400" dirty="0"/>
+              <a:t>eval(</a:t>
+            </a:r>
+            <a:r>
+              <a:rPr lang="en-US" sz="1400" dirty="0" err="1"/>
+              <a:t>smbTbl</a:t>
+            </a:r>
+            <a:r>
+              <a:rPr lang="en-US" sz="1400" dirty="0"/>
+              <a:t>, </a:t>
+            </a:r>
+            <a:r>
+              <a:rPr lang="en-US" sz="1400" dirty="0">
+                <a:highlight>
+                  <a:srgbClr val="FF0000"/>
+                </a:highlight>
               </a:rPr>
-              <a:t>execute(</a:t>
-            </a:r>
-            <a:r>
-              <a:rPr lang="en-US" dirty="0" err="1">
-                <a:solidFill>
-                  <a:schemeClr val="bg1"/>
-                </a:solidFill>
-              </a:rPr>
-              <a:t>prgState</a:t>
-            </a:r>
-            <a:r>
-              <a:rPr lang="en-US" dirty="0">
-                <a:solidFill>
-                  <a:schemeClr val="bg1"/>
-                </a:solidFill>
-              </a:rPr>
+              <a:t>heap</a:t>
+            </a:r>
+            <a:r>
+              <a:rPr lang="en-US" sz="1400" dirty="0"/>
               <a:t>)</a:t>
             </a:r>
-            <a:endParaRPr lang="ro-RO" dirty="0">
-              <a:solidFill>
-                <a:schemeClr val="bg1"/>
-              </a:solidFill>
-            </a:endParaRPr>
-          </a:p>
-        </p:txBody>
-      </p:sp>
-      <p:cxnSp>
-        <p:nvCxnSpPr>
-          <p:cNvPr id="11" name="Straight Arrow Connector 10">
-            <a:extLst>
-              <a:ext uri="{FF2B5EF4-FFF2-40B4-BE49-F238E27FC236}">
-                <a16:creationId xmlns:a16="http://schemas.microsoft.com/office/drawing/2014/main" id="{F8102F4A-42B5-75DC-F58B-E19105686B62}"/>
-              </a:ext>
-            </a:extLst>
-          </p:cNvPr>
-          <p:cNvCxnSpPr>
-            <a:cxnSpLocks/>
-            <a:stCxn id="7" idx="0"/>
-            <a:endCxn id="6" idx="2"/>
-          </p:cNvCxnSpPr>
-          <p:nvPr/>
-        </p:nvCxnSpPr>
-        <p:spPr>
-          <a:xfrm flipV="1">
-            <a:off x="1017645" y="939800"/>
-            <a:ext cx="252355" cy="478135"/>
-          </a:xfrm>
-          <a:prstGeom prst="straightConnector1">
-            <a:avLst/>
-          </a:prstGeom>
-          <a:ln>
-            <a:tailEnd type="triangle"/>
-          </a:ln>
-        </p:spPr>
-        <p:style>
-          <a:lnRef idx="1">
-            <a:schemeClr val="accent1"/>
-          </a:lnRef>
-          <a:fillRef idx="0">
-            <a:schemeClr val="accent1"/>
-          </a:fillRef>
-          <a:effectRef idx="0">
-            <a:schemeClr val="accent1"/>
-          </a:effectRef>
-          <a:fontRef idx="minor">
-            <a:schemeClr val="tx1"/>
-          </a:fontRef>
-        </p:style>
-      </p:cxnSp>
-      <p:cxnSp>
-        <p:nvCxnSpPr>
-          <p:cNvPr id="13" name="Straight Arrow Connector 12">
-            <a:extLst>
-              <a:ext uri="{FF2B5EF4-FFF2-40B4-BE49-F238E27FC236}">
-                <a16:creationId xmlns:a16="http://schemas.microsoft.com/office/drawing/2014/main" id="{A7D742A3-8CC0-2397-B725-B34A9A754808}"/>
-              </a:ext>
-            </a:extLst>
-          </p:cNvPr>
-          <p:cNvCxnSpPr>
-            <a:cxnSpLocks/>
-            <a:stCxn id="9" idx="0"/>
-            <a:endCxn id="6" idx="2"/>
-          </p:cNvCxnSpPr>
-          <p:nvPr/>
-        </p:nvCxnSpPr>
-        <p:spPr>
-          <a:xfrm flipH="1" flipV="1">
-            <a:off x="1270000" y="939800"/>
-            <a:ext cx="948801" cy="2143668"/>
-          </a:xfrm>
-          <a:prstGeom prst="straightConnector1">
-            <a:avLst/>
-          </a:prstGeom>
-          <a:ln>
-            <a:tailEnd type="triangle"/>
-          </a:ln>
-        </p:spPr>
-        <p:style>
-          <a:lnRef idx="1">
-            <a:schemeClr val="accent1"/>
-          </a:lnRef>
-          <a:fillRef idx="0">
-            <a:schemeClr val="accent1"/>
-          </a:fillRef>
-          <a:effectRef idx="0">
-            <a:schemeClr val="accent1"/>
-          </a:effectRef>
-          <a:fontRef idx="minor">
-            <a:schemeClr val="tx1"/>
-          </a:fontRef>
-        </p:style>
-      </p:cxnSp>
-      <p:cxnSp>
-        <p:nvCxnSpPr>
-          <p:cNvPr id="15" name="Straight Arrow Connector 14">
-            <a:extLst>
-              <a:ext uri="{FF2B5EF4-FFF2-40B4-BE49-F238E27FC236}">
-                <a16:creationId xmlns:a16="http://schemas.microsoft.com/office/drawing/2014/main" id="{4F23C573-12CE-86D5-1D8A-A524AE665B9B}"/>
-              </a:ext>
-            </a:extLst>
-          </p:cNvPr>
-          <p:cNvCxnSpPr>
-            <a:cxnSpLocks/>
-            <a:stCxn id="8" idx="0"/>
-            <a:endCxn id="6" idx="2"/>
-          </p:cNvCxnSpPr>
-          <p:nvPr/>
-        </p:nvCxnSpPr>
-        <p:spPr>
-          <a:xfrm flipH="1" flipV="1">
-            <a:off x="1270000" y="939800"/>
-            <a:ext cx="2028983" cy="446665"/>
-          </a:xfrm>
-          <a:prstGeom prst="straightConnector1">
-            <a:avLst/>
-          </a:prstGeom>
-          <a:ln>
-            <a:tailEnd type="triangle"/>
-          </a:ln>
-        </p:spPr>
-        <p:style>
-          <a:lnRef idx="1">
-            <a:schemeClr val="accent1"/>
-          </a:lnRef>
-          <a:fillRef idx="0">
-            <a:schemeClr val="accent1"/>
-          </a:fillRef>
-          <a:effectRef idx="0">
-            <a:schemeClr val="accent1"/>
-          </a:effectRef>
-          <a:fontRef idx="minor">
-            <a:schemeClr val="tx1"/>
-          </a:fontRef>
-        </p:style>
-      </p:cxnSp>
-      <p:sp>
-        <p:nvSpPr>
-          <p:cNvPr id="16" name="TextBox 15">
-            <a:extLst>
-              <a:ext uri="{FF2B5EF4-FFF2-40B4-BE49-F238E27FC236}">
-                <a16:creationId xmlns:a16="http://schemas.microsoft.com/office/drawing/2014/main" id="{418A3C9F-B025-D76D-C3C2-166BCA619D13}"/>
-              </a:ext>
-            </a:extLst>
-          </p:cNvPr>
-          <p:cNvSpPr txBox="1"/>
-          <p:nvPr/>
-        </p:nvSpPr>
-        <p:spPr>
-          <a:xfrm>
-            <a:off x="785634" y="624469"/>
-            <a:ext cx="1055866" cy="369332"/>
-          </a:xfrm>
-          <a:prstGeom prst="rect">
-            <a:avLst/>
-          </a:prstGeom>
-          <a:noFill/>
-        </p:spPr>
-        <p:txBody>
-          <a:bodyPr wrap="none" rtlCol="0">
-            <a:spAutoFit/>
-          </a:bodyPr>
-          <a:lstStyle/>
-          <a:p>
-            <a:r>
-              <a:rPr lang="en-US" dirty="0">
-                <a:solidFill>
-                  <a:schemeClr val="bg1"/>
-                </a:solidFill>
-              </a:rPr>
-              <a:t>execute()</a:t>
-            </a:r>
-            <a:endParaRPr lang="ro-RO" dirty="0">
-              <a:solidFill>
-                <a:schemeClr val="bg1"/>
-              </a:solidFill>
-            </a:endParaRPr>
-          </a:p>
-        </p:txBody>
-      </p:sp>
-      <p:sp>
-        <p:nvSpPr>
-          <p:cNvPr id="19" name="Rectangle 18">
-            <a:extLst>
-              <a:ext uri="{FF2B5EF4-FFF2-40B4-BE49-F238E27FC236}">
-                <a16:creationId xmlns:a16="http://schemas.microsoft.com/office/drawing/2014/main" id="{3E83DF00-DD61-289E-E4E3-E802EBD15D97}"/>
+            <a:endParaRPr lang="ro-RO" sz="1400" dirty="0"/>
+          </a:p>
+        </p:txBody>
+      </p:sp>
+      <p:sp>
+        <p:nvSpPr>
+          <p:cNvPr id="32" name="Rectangle 31">
+            <a:extLst>
+              <a:ext uri="{FF2B5EF4-FFF2-40B4-BE49-F238E27FC236}">
+                <a16:creationId xmlns:a16="http://schemas.microsoft.com/office/drawing/2014/main" id="{876D0871-EA25-40D6-471C-D362A0791666}"/>
               </a:ext>
             </a:extLst>
           </p:cNvPr>
@@ -3881,8 +3891,8 @@
         </p:nvSpPr>
         <p:spPr>
           <a:xfrm>
-            <a:off x="9621580" y="138112"/>
-            <a:ext cx="2027767" cy="1456266"/>
+            <a:off x="4690904" y="1021141"/>
+            <a:ext cx="1271472" cy="753648"/>
           </a:xfrm>
           <a:prstGeom prst="rect">
             <a:avLst/>
@@ -3905,167 +3915,31 @@
           </a:fontRef>
         </p:style>
         <p:txBody>
-          <a:bodyPr rtlCol="0" anchor="t"/>
+          <a:bodyPr rtlCol="0" anchor="ctr"/>
           <a:lstStyle/>
           <a:p>
             <a:pPr algn="ctr"/>
             <a:r>
               <a:rPr lang="en-US" dirty="0" err="1"/>
-              <a:t>PrgState</a:t>
-            </a:r>
-            <a:endParaRPr lang="en-US" dirty="0"/>
-          </a:p>
-          <a:p>
-            <a:pPr marL="285750" indent="-285750" algn="ctr">
-              <a:buFontTx/>
-              <a:buChar char="-"/>
-            </a:pPr>
-            <a:r>
-              <a:rPr lang="en-US" dirty="0" err="1"/>
-              <a:t>SymbTbl</a:t>
+              <a:t>VarExp</a:t>
             </a:r>
             <a:r>
               <a:rPr lang="en-US" dirty="0"/>
-              <a:t>: </a:t>
-            </a:r>
-            <a:r>
-              <a:rPr lang="en-US" dirty="0" err="1"/>
-              <a:t>Dict</a:t>
-            </a:r>
-            <a:endParaRPr lang="en-US" dirty="0"/>
-          </a:p>
-          <a:p>
-            <a:pPr marL="285750" indent="-285750" algn="ctr">
-              <a:buFontTx/>
-              <a:buChar char="-"/>
-            </a:pPr>
-            <a:r>
-              <a:rPr lang="en-US" dirty="0" err="1"/>
-              <a:t>outputList</a:t>
-            </a:r>
+              <a:t> </a:t>
+            </a:r>
+          </a:p>
+          <a:p>
+            <a:pPr algn="ctr"/>
+            <a:r>
+              <a:rPr lang="en-US" sz="1100" dirty="0"/>
+              <a:t>-String id</a:t>
+            </a:r>
+          </a:p>
+          <a:p>
+            <a:pPr algn="ctr"/>
             <a:r>
               <a:rPr lang="en-US" dirty="0"/>
-              <a:t>: List</a:t>
-            </a:r>
-          </a:p>
-          <a:p>
-            <a:pPr marL="285750" indent="-285750" algn="ctr">
-              <a:buFontTx/>
-              <a:buChar char="-"/>
-            </a:pPr>
-            <a:r>
-              <a:rPr lang="en-US" dirty="0" err="1"/>
-              <a:t>exeStack</a:t>
-            </a:r>
-            <a:r>
-              <a:rPr lang="en-US" dirty="0"/>
-              <a:t>: Stack</a:t>
-            </a:r>
-          </a:p>
-          <a:p>
-            <a:pPr marL="285750" indent="-285750" algn="ctr">
-              <a:buFontTx/>
-              <a:buChar char="-"/>
-            </a:pPr>
-            <a:r>
-              <a:rPr lang="en-US" dirty="0" err="1">
-                <a:highlight>
-                  <a:srgbClr val="FF0000"/>
-                </a:highlight>
-              </a:rPr>
-              <a:t>fileTable</a:t>
-            </a:r>
-            <a:r>
-              <a:rPr lang="en-US" dirty="0">
-                <a:highlight>
-                  <a:srgbClr val="FF0000"/>
-                </a:highlight>
-              </a:rPr>
-              <a:t>: </a:t>
-            </a:r>
-            <a:r>
-              <a:rPr lang="en-US" dirty="0" err="1">
-                <a:highlight>
-                  <a:srgbClr val="FF0000"/>
-                </a:highlight>
-              </a:rPr>
-              <a:t>Dict</a:t>
-            </a:r>
-            <a:endParaRPr lang="ro-RO" dirty="0">
-              <a:highlight>
-                <a:srgbClr val="FF0000"/>
-              </a:highlight>
-            </a:endParaRPr>
-          </a:p>
-        </p:txBody>
-      </p:sp>
-      <p:sp>
-        <p:nvSpPr>
-          <p:cNvPr id="29" name="TextBox 28">
-            <a:extLst>
-              <a:ext uri="{FF2B5EF4-FFF2-40B4-BE49-F238E27FC236}">
-                <a16:creationId xmlns:a16="http://schemas.microsoft.com/office/drawing/2014/main" id="{FB16D549-1BF4-2AF4-3FF6-2C2052605387}"/>
-              </a:ext>
-            </a:extLst>
-          </p:cNvPr>
-          <p:cNvSpPr txBox="1"/>
-          <p:nvPr/>
-        </p:nvSpPr>
-        <p:spPr>
-          <a:xfrm>
-            <a:off x="5250472" y="14421"/>
-            <a:ext cx="1040670" cy="369332"/>
-          </a:xfrm>
-          <a:prstGeom prst="rect">
-            <a:avLst/>
-          </a:prstGeom>
-          <a:noFill/>
-        </p:spPr>
-        <p:txBody>
-          <a:bodyPr wrap="none" rtlCol="0">
-            <a:spAutoFit/>
-          </a:bodyPr>
-          <a:lstStyle/>
-          <a:p>
-            <a:r>
-              <a:rPr lang="en-US" b="1" u="sng" dirty="0"/>
-              <a:t>DOMAIN</a:t>
-            </a:r>
-            <a:endParaRPr lang="ro-RO" b="1" u="sng" dirty="0"/>
-          </a:p>
-        </p:txBody>
-      </p:sp>
-      <p:sp>
-        <p:nvSpPr>
-          <p:cNvPr id="30" name="TextBox 29">
-            <a:extLst>
-              <a:ext uri="{FF2B5EF4-FFF2-40B4-BE49-F238E27FC236}">
-                <a16:creationId xmlns:a16="http://schemas.microsoft.com/office/drawing/2014/main" id="{5CC6A6A5-D5BF-7D14-DDE2-7B0F84DA3C9C}"/>
-              </a:ext>
-            </a:extLst>
-          </p:cNvPr>
-          <p:cNvSpPr txBox="1"/>
-          <p:nvPr/>
-        </p:nvSpPr>
-        <p:spPr>
-          <a:xfrm>
-            <a:off x="372581" y="2782103"/>
-            <a:ext cx="343364" cy="369332"/>
-          </a:xfrm>
-          <a:prstGeom prst="rect">
-            <a:avLst/>
-          </a:prstGeom>
-          <a:noFill/>
-        </p:spPr>
-        <p:txBody>
-          <a:bodyPr wrap="none" rtlCol="0">
-            <a:spAutoFit/>
-          </a:bodyPr>
-          <a:lstStyle/>
-          <a:p>
-            <a:r>
-              <a:rPr lang="en-US" dirty="0"/>
-              <a:t>…</a:t>
+              <a:t>Value eval()</a:t>
             </a:r>
             <a:endParaRPr lang="ro-RO" dirty="0"/>
           </a:p>
@@ -4073,10 +3947,10 @@
       </p:sp>
       <p:sp>
         <p:nvSpPr>
-          <p:cNvPr id="31" name="Rectangle 30">
-            <a:extLst>
-              <a:ext uri="{FF2B5EF4-FFF2-40B4-BE49-F238E27FC236}">
-                <a16:creationId xmlns:a16="http://schemas.microsoft.com/office/drawing/2014/main" id="{893EA48B-190B-5491-AD72-AC9BEEF38E49}"/>
+          <p:cNvPr id="33" name="Rectangle 32">
+            <a:extLst>
+              <a:ext uri="{FF2B5EF4-FFF2-40B4-BE49-F238E27FC236}">
+                <a16:creationId xmlns:a16="http://schemas.microsoft.com/office/drawing/2014/main" id="{C3562564-70C4-0A71-1848-E29DF7EACEBA}"/>
               </a:ext>
             </a:extLst>
           </p:cNvPr>
@@ -4085,8 +3959,8 @@
         </p:nvSpPr>
         <p:spPr>
           <a:xfrm>
-            <a:off x="6686416" y="624469"/>
-            <a:ext cx="1320800" cy="702733"/>
+            <a:off x="8486709" y="1444602"/>
+            <a:ext cx="948942" cy="730422"/>
           </a:xfrm>
           <a:prstGeom prst="rect">
             <a:avLst/>
@@ -4114,8 +3988,16 @@
           <a:p>
             <a:pPr algn="ctr"/>
             <a:r>
-              <a:rPr lang="en-US" dirty="0"/>
-              <a:t>Exp</a:t>
+              <a:rPr lang="en-US" dirty="0" err="1"/>
+              <a:t>ValExp</a:t>
+            </a:r>
+            <a:endParaRPr lang="en-US" dirty="0"/>
+          </a:p>
+          <a:p>
+            <a:pPr algn="ctr"/>
+            <a:r>
+              <a:rPr lang="en-US" sz="1000" dirty="0"/>
+              <a:t>-Value</a:t>
             </a:r>
           </a:p>
           <a:p>
@@ -4130,10 +4012,10 @@
       </p:sp>
       <p:sp>
         <p:nvSpPr>
-          <p:cNvPr id="32" name="Rectangle 31">
-            <a:extLst>
-              <a:ext uri="{FF2B5EF4-FFF2-40B4-BE49-F238E27FC236}">
-                <a16:creationId xmlns:a16="http://schemas.microsoft.com/office/drawing/2014/main" id="{876D0871-EA25-40D6-471C-D362A0791666}"/>
+          <p:cNvPr id="34" name="Rectangle 33">
+            <a:extLst>
+              <a:ext uri="{FF2B5EF4-FFF2-40B4-BE49-F238E27FC236}">
+                <a16:creationId xmlns:a16="http://schemas.microsoft.com/office/drawing/2014/main" id="{DB6ED156-906E-75A8-7F15-9212B1F67E4C}"/>
               </a:ext>
             </a:extLst>
           </p:cNvPr>
@@ -4142,8 +4024,8 @@
         </p:nvSpPr>
         <p:spPr>
           <a:xfrm>
-            <a:off x="4767961" y="1417935"/>
-            <a:ext cx="1271472" cy="753648"/>
+            <a:off x="5164710" y="1842249"/>
+            <a:ext cx="1470594" cy="1165963"/>
           </a:xfrm>
           <a:prstGeom prst="rect">
             <a:avLst/>
@@ -4172,18 +4054,29 @@
             <a:pPr algn="ctr"/>
             <a:r>
               <a:rPr lang="en-US" dirty="0" err="1"/>
-              <a:t>VarExp</a:t>
-            </a:r>
-            <a:r>
-              <a:rPr lang="en-US" dirty="0"/>
-              <a:t> </a:t>
-            </a:r>
+              <a:t>ArithExp</a:t>
+            </a:r>
+            <a:endParaRPr lang="en-US" dirty="0"/>
           </a:p>
           <a:p>
             <a:pPr algn="ctr"/>
             <a:r>
               <a:rPr lang="en-US" sz="1100" dirty="0"/>
-              <a:t>-String id</a:t>
+              <a:t>-Exp</a:t>
+            </a:r>
+          </a:p>
+          <a:p>
+            <a:pPr algn="ctr"/>
+            <a:r>
+              <a:rPr lang="en-US" sz="1100" dirty="0"/>
+              <a:t>-Exp</a:t>
+            </a:r>
+          </a:p>
+          <a:p>
+            <a:pPr algn="ctr"/>
+            <a:r>
+              <a:rPr lang="en-US" sz="1100" dirty="0"/>
+              <a:t>-type: Int (+, -, *, /)</a:t>
             </a:r>
           </a:p>
           <a:p>
@@ -4198,10 +4091,10 @@
       </p:sp>
       <p:sp>
         <p:nvSpPr>
-          <p:cNvPr id="33" name="Rectangle 32">
-            <a:extLst>
-              <a:ext uri="{FF2B5EF4-FFF2-40B4-BE49-F238E27FC236}">
-                <a16:creationId xmlns:a16="http://schemas.microsoft.com/office/drawing/2014/main" id="{C3562564-70C4-0A71-1848-E29DF7EACEBA}"/>
+          <p:cNvPr id="35" name="Rectangle 34">
+            <a:extLst>
+              <a:ext uri="{FF2B5EF4-FFF2-40B4-BE49-F238E27FC236}">
+                <a16:creationId xmlns:a16="http://schemas.microsoft.com/office/drawing/2014/main" id="{47FDE4B8-17A6-D0A0-381E-19299C77C06E}"/>
               </a:ext>
             </a:extLst>
           </p:cNvPr>
@@ -4210,8 +4103,8 @@
         </p:nvSpPr>
         <p:spPr>
           <a:xfrm>
-            <a:off x="8486709" y="1444602"/>
-            <a:ext cx="948942" cy="730422"/>
+            <a:off x="6772526" y="2069489"/>
+            <a:ext cx="1320800" cy="1017832"/>
           </a:xfrm>
           <a:prstGeom prst="rect">
             <a:avLst/>
@@ -4240,150 +4133,6 @@
             <a:pPr algn="ctr"/>
             <a:r>
               <a:rPr lang="en-US" dirty="0" err="1"/>
-              <a:t>ValExp</a:t>
-            </a:r>
-            <a:endParaRPr lang="en-US" dirty="0"/>
-          </a:p>
-          <a:p>
-            <a:pPr algn="ctr"/>
-            <a:r>
-              <a:rPr lang="en-US" sz="1000" dirty="0"/>
-              <a:t>-Value</a:t>
-            </a:r>
-          </a:p>
-          <a:p>
-            <a:pPr algn="ctr"/>
-            <a:r>
-              <a:rPr lang="en-US" dirty="0"/>
-              <a:t>eval()</a:t>
-            </a:r>
-            <a:endParaRPr lang="ro-RO" dirty="0"/>
-          </a:p>
-        </p:txBody>
-      </p:sp>
-      <p:sp>
-        <p:nvSpPr>
-          <p:cNvPr id="34" name="Rectangle 33">
-            <a:extLst>
-              <a:ext uri="{FF2B5EF4-FFF2-40B4-BE49-F238E27FC236}">
-                <a16:creationId xmlns:a16="http://schemas.microsoft.com/office/drawing/2014/main" id="{DB6ED156-906E-75A8-7F15-9212B1F67E4C}"/>
-              </a:ext>
-            </a:extLst>
-          </p:cNvPr>
-          <p:cNvSpPr/>
-          <p:nvPr/>
-        </p:nvSpPr>
-        <p:spPr>
-          <a:xfrm>
-            <a:off x="6147085" y="1853510"/>
-            <a:ext cx="1470594" cy="1165963"/>
-          </a:xfrm>
-          <a:prstGeom prst="rect">
-            <a:avLst/>
-          </a:prstGeom>
-        </p:spPr>
-        <p:style>
-          <a:lnRef idx="2">
-            <a:schemeClr val="accent1">
-              <a:shade val="50000"/>
-            </a:schemeClr>
-          </a:lnRef>
-          <a:fillRef idx="1">
-            <a:schemeClr val="accent1"/>
-          </a:fillRef>
-          <a:effectRef idx="0">
-            <a:schemeClr val="accent1"/>
-          </a:effectRef>
-          <a:fontRef idx="minor">
-            <a:schemeClr val="lt1"/>
-          </a:fontRef>
-        </p:style>
-        <p:txBody>
-          <a:bodyPr rtlCol="0" anchor="ctr"/>
-          <a:lstStyle/>
-          <a:p>
-            <a:pPr algn="ctr"/>
-            <a:r>
-              <a:rPr lang="en-US" dirty="0" err="1"/>
-              <a:t>ArithExp</a:t>
-            </a:r>
-            <a:endParaRPr lang="en-US" dirty="0"/>
-          </a:p>
-          <a:p>
-            <a:pPr algn="ctr"/>
-            <a:r>
-              <a:rPr lang="en-US" sz="1100" dirty="0"/>
-              <a:t>-Exp</a:t>
-            </a:r>
-          </a:p>
-          <a:p>
-            <a:pPr algn="ctr"/>
-            <a:r>
-              <a:rPr lang="en-US" sz="1100" dirty="0"/>
-              <a:t>-Exp</a:t>
-            </a:r>
-          </a:p>
-          <a:p>
-            <a:pPr algn="ctr"/>
-            <a:r>
-              <a:rPr lang="en-US" sz="1100" dirty="0"/>
-              <a:t>-type: Int (+, -, *, /)</a:t>
-            </a:r>
-          </a:p>
-          <a:p>
-            <a:pPr algn="ctr"/>
-            <a:r>
-              <a:rPr lang="en-US" dirty="0"/>
-              <a:t>Value eval()</a:t>
-            </a:r>
-            <a:endParaRPr lang="ro-RO" dirty="0"/>
-          </a:p>
-        </p:txBody>
-      </p:sp>
-      <p:sp>
-        <p:nvSpPr>
-          <p:cNvPr id="35" name="Rectangle 34">
-            <a:extLst>
-              <a:ext uri="{FF2B5EF4-FFF2-40B4-BE49-F238E27FC236}">
-                <a16:creationId xmlns:a16="http://schemas.microsoft.com/office/drawing/2014/main" id="{47FDE4B8-17A6-D0A0-381E-19299C77C06E}"/>
-              </a:ext>
-            </a:extLst>
-          </p:cNvPr>
-          <p:cNvSpPr/>
-          <p:nvPr/>
-        </p:nvSpPr>
-        <p:spPr>
-          <a:xfrm>
-            <a:off x="7744046" y="2400790"/>
-            <a:ext cx="1320800" cy="1017832"/>
-          </a:xfrm>
-          <a:prstGeom prst="rect">
-            <a:avLst/>
-          </a:prstGeom>
-        </p:spPr>
-        <p:style>
-          <a:lnRef idx="2">
-            <a:schemeClr val="accent1">
-              <a:shade val="50000"/>
-            </a:schemeClr>
-          </a:lnRef>
-          <a:fillRef idx="1">
-            <a:schemeClr val="accent1"/>
-          </a:fillRef>
-          <a:effectRef idx="0">
-            <a:schemeClr val="accent1"/>
-          </a:effectRef>
-          <a:fontRef idx="minor">
-            <a:schemeClr val="lt1"/>
-          </a:fontRef>
-        </p:style>
-        <p:txBody>
-          <a:bodyPr rtlCol="0" anchor="ctr"/>
-          <a:lstStyle/>
-          <a:p>
-            <a:pPr algn="ctr"/>
-            <a:r>
-              <a:rPr lang="en-US" dirty="0" err="1"/>
               <a:t>LogicExp</a:t>
             </a:r>
             <a:endParaRPr lang="en-US" dirty="0"/>
@@ -4436,9 +4185,9 @@
           <p:nvPr/>
         </p:nvCxnSpPr>
         <p:spPr>
-          <a:xfrm flipV="1">
-            <a:off x="5403697" y="1327202"/>
-            <a:ext cx="1943119" cy="90733"/>
+          <a:xfrm>
+            <a:off x="5326640" y="1021141"/>
+            <a:ext cx="2171056" cy="306061"/>
           </a:xfrm>
           <a:prstGeom prst="straightConnector1">
             <a:avLst/>
@@ -4480,8 +4229,8 @@
         </p:nvCxnSpPr>
         <p:spPr>
           <a:xfrm flipV="1">
-            <a:off x="6882382" y="1327202"/>
-            <a:ext cx="464434" cy="526308"/>
+            <a:off x="5900007" y="1327202"/>
+            <a:ext cx="1597689" cy="515047"/>
           </a:xfrm>
           <a:prstGeom prst="straightConnector1">
             <a:avLst/>
@@ -4522,9 +4271,9 @@
           <p:nvPr/>
         </p:nvCxnSpPr>
         <p:spPr>
-          <a:xfrm flipH="1" flipV="1">
-            <a:off x="7346816" y="1327202"/>
-            <a:ext cx="1057630" cy="1073588"/>
+          <a:xfrm flipV="1">
+            <a:off x="7432926" y="1327202"/>
+            <a:ext cx="64770" cy="742287"/>
           </a:xfrm>
           <a:prstGeom prst="straightConnector1">
             <a:avLst/>
@@ -4566,8 +4315,8 @@
         </p:nvCxnSpPr>
         <p:spPr>
           <a:xfrm flipH="1" flipV="1">
-            <a:off x="7346816" y="1327202"/>
-            <a:ext cx="1614364" cy="117400"/>
+            <a:off x="7497696" y="1327202"/>
+            <a:ext cx="1463484" cy="117400"/>
           </a:xfrm>
           <a:prstGeom prst="straightConnector1">
             <a:avLst/>
@@ -4641,19 +4390,11 @@
           <a:p>
             <a:pPr algn="ctr"/>
             <a:r>
-              <a:rPr lang="en-US" sz="1000" dirty="0" err="1">
-                <a:highlight>
-                  <a:srgbClr val="FF0000"/>
-                </a:highlight>
-              </a:rPr>
+              <a:rPr lang="en-US" sz="1000" dirty="0" err="1"/>
               <a:t>getDefaultValue</a:t>
             </a:r>
             <a:r>
-              <a:rPr lang="en-US" sz="1000" dirty="0">
-                <a:highlight>
-                  <a:srgbClr val="FF0000"/>
-                </a:highlight>
-              </a:rPr>
+              <a:rPr lang="en-US" sz="1000" dirty="0"/>
               <a:t>()</a:t>
             </a:r>
           </a:p>
@@ -4977,18 +4718,10 @@
           <a:p>
             <a:pPr algn="ctr"/>
             <a:r>
-              <a:rPr lang="en-US" dirty="0">
-                <a:highlight>
-                  <a:srgbClr val="FF0000"/>
-                </a:highlight>
-              </a:rPr>
+              <a:rPr lang="en-US" dirty="0"/>
               <a:t>equals()</a:t>
             </a:r>
-            <a:endParaRPr lang="ro-RO" dirty="0">
-              <a:highlight>
-                <a:srgbClr val="FF0000"/>
-              </a:highlight>
-            </a:endParaRPr>
+            <a:endParaRPr lang="ro-RO" dirty="0"/>
           </a:p>
         </p:txBody>
       </p:sp>
@@ -5061,18 +4794,10 @@
           <a:p>
             <a:pPr algn="ctr"/>
             <a:r>
-              <a:rPr lang="en-US" dirty="0">
-                <a:highlight>
-                  <a:srgbClr val="FF0000"/>
-                </a:highlight>
-              </a:rPr>
+              <a:rPr lang="en-US" dirty="0"/>
               <a:t>equals()</a:t>
             </a:r>
-            <a:endParaRPr lang="ro-RO" dirty="0">
-              <a:highlight>
-                <a:srgbClr val="FF0000"/>
-              </a:highlight>
-            </a:endParaRPr>
+            <a:endParaRPr lang="ro-RO" dirty="0"/>
           </a:p>
         </p:txBody>
       </p:sp>
@@ -5176,7 +4901,7 @@
         </p:nvSpPr>
         <p:spPr>
           <a:xfrm>
-            <a:off x="10337165" y="1761866"/>
+            <a:off x="10337165" y="1973870"/>
             <a:ext cx="1320801" cy="1008543"/>
           </a:xfrm>
           <a:prstGeom prst="rect">
@@ -5336,8 +5061,8 @@
         </p:nvCxnSpPr>
         <p:spPr>
           <a:xfrm flipH="1" flipV="1">
-            <a:off x="10997566" y="2770409"/>
-            <a:ext cx="26034" cy="362860"/>
+            <a:off x="10997566" y="2982413"/>
+            <a:ext cx="26034" cy="150856"/>
           </a:xfrm>
           <a:prstGeom prst="straightConnector1">
             <a:avLst/>
@@ -5404,64 +5129,36 @@
           <a:p>
             <a:pPr algn="ctr"/>
             <a:r>
-              <a:rPr lang="en-US" dirty="0" err="1">
-                <a:highlight>
-                  <a:srgbClr val="FF0000"/>
-                </a:highlight>
-              </a:rPr>
+              <a:rPr lang="en-US" dirty="0" err="1"/>
               <a:t>StringValue</a:t>
             </a:r>
-            <a:endParaRPr lang="en-US" dirty="0">
-              <a:highlight>
-                <a:srgbClr val="FF0000"/>
-              </a:highlight>
-            </a:endParaRPr>
-          </a:p>
-          <a:p>
-            <a:pPr algn="ctr"/>
-            <a:r>
-              <a:rPr lang="en-US" sz="1100" dirty="0">
-                <a:highlight>
-                  <a:srgbClr val="FF0000"/>
-                </a:highlight>
-              </a:rPr>
+            <a:endParaRPr lang="en-US" dirty="0"/>
+          </a:p>
+          <a:p>
+            <a:pPr algn="ctr"/>
+            <a:r>
+              <a:rPr lang="en-US" sz="1100" dirty="0"/>
               <a:t>-value: String</a:t>
             </a:r>
           </a:p>
           <a:p>
             <a:pPr algn="ctr"/>
             <a:r>
-              <a:rPr lang="en-US" dirty="0" err="1">
-                <a:highlight>
-                  <a:srgbClr val="FF0000"/>
-                </a:highlight>
-              </a:rPr>
+              <a:rPr lang="en-US" dirty="0" err="1"/>
               <a:t>getType</a:t>
             </a:r>
             <a:r>
-              <a:rPr lang="en-US" dirty="0">
-                <a:highlight>
-                  <a:srgbClr val="FF0000"/>
-                </a:highlight>
-              </a:rPr>
+              <a:rPr lang="en-US" dirty="0"/>
               <a:t>()</a:t>
             </a:r>
           </a:p>
           <a:p>
             <a:pPr algn="ctr"/>
             <a:r>
-              <a:rPr lang="en-US" dirty="0">
-                <a:highlight>
-                  <a:srgbClr val="FF0000"/>
-                </a:highlight>
-              </a:rPr>
+              <a:rPr lang="en-US" dirty="0"/>
               <a:t>equals()</a:t>
             </a:r>
-            <a:endParaRPr lang="ro-RO" dirty="0">
-              <a:highlight>
-                <a:srgbClr val="FF0000"/>
-              </a:highlight>
-            </a:endParaRPr>
+            <a:endParaRPr lang="ro-RO" dirty="0"/>
           </a:p>
         </p:txBody>
       </p:sp>
@@ -5508,34 +5205,18 @@
           <a:p>
             <a:pPr algn="ctr"/>
             <a:r>
-              <a:rPr lang="en-US" dirty="0" err="1">
-                <a:highlight>
-                  <a:srgbClr val="FF0000"/>
-                </a:highlight>
-              </a:rPr>
+              <a:rPr lang="en-US" dirty="0" err="1"/>
               <a:t>StringType</a:t>
             </a:r>
-            <a:endParaRPr lang="en-US" dirty="0">
-              <a:highlight>
-                <a:srgbClr val="FF0000"/>
-              </a:highlight>
-            </a:endParaRPr>
-          </a:p>
-          <a:p>
-            <a:pPr algn="ctr"/>
-            <a:r>
-              <a:rPr lang="en-US" dirty="0">
-                <a:highlight>
-                  <a:srgbClr val="FF0000"/>
-                </a:highlight>
-              </a:rPr>
+            <a:endParaRPr lang="en-US" dirty="0"/>
+          </a:p>
+          <a:p>
+            <a:pPr algn="ctr"/>
+            <a:r>
+              <a:rPr lang="en-US" dirty="0"/>
               <a:t>equals()</a:t>
             </a:r>
-            <a:endParaRPr lang="ro-RO" dirty="0">
-              <a:highlight>
-                <a:srgbClr val="FF0000"/>
-              </a:highlight>
-            </a:endParaRPr>
+            <a:endParaRPr lang="ro-RO" dirty="0"/>
           </a:p>
         </p:txBody>
       </p:sp>
@@ -5666,64 +5347,36 @@
           <a:p>
             <a:pPr algn="ctr"/>
             <a:r>
-              <a:rPr lang="en-US" dirty="0" err="1">
-                <a:highlight>
-                  <a:srgbClr val="FF0000"/>
-                </a:highlight>
-              </a:rPr>
+              <a:rPr lang="en-US" dirty="0" err="1"/>
               <a:t>openRFile</a:t>
             </a:r>
             <a:r>
-              <a:rPr lang="en-US" dirty="0">
-                <a:highlight>
-                  <a:srgbClr val="FF0000"/>
-                </a:highlight>
-              </a:rPr>
+              <a:rPr lang="en-US" dirty="0"/>
               <a:t>(exp)</a:t>
             </a:r>
           </a:p>
           <a:p>
             <a:pPr algn="ctr"/>
             <a:r>
-              <a:rPr lang="en-US" dirty="0" err="1">
-                <a:highlight>
-                  <a:srgbClr val="FF0000"/>
-                </a:highlight>
-              </a:rPr>
+              <a:rPr lang="en-US" dirty="0" err="1"/>
               <a:t>readFile</a:t>
             </a:r>
             <a:r>
-              <a:rPr lang="en-US" dirty="0">
-                <a:highlight>
-                  <a:srgbClr val="FF0000"/>
-                </a:highlight>
-              </a:rPr>
+              <a:rPr lang="en-US" dirty="0"/>
               <a:t>(exp, var)</a:t>
             </a:r>
           </a:p>
           <a:p>
             <a:pPr algn="ctr"/>
             <a:r>
-              <a:rPr lang="en-US" dirty="0" err="1">
-                <a:highlight>
-                  <a:srgbClr val="FF0000"/>
-                </a:highlight>
-              </a:rPr>
+              <a:rPr lang="en-US" dirty="0" err="1"/>
               <a:t>closeRFile</a:t>
             </a:r>
             <a:r>
-              <a:rPr lang="en-US" dirty="0">
-                <a:highlight>
-                  <a:srgbClr val="FF0000"/>
-                </a:highlight>
-              </a:rPr>
+              <a:rPr lang="en-US" dirty="0"/>
               <a:t>(exp)</a:t>
             </a:r>
-            <a:endParaRPr lang="ro-RO" dirty="0">
-              <a:highlight>
-                <a:srgbClr val="FF0000"/>
-              </a:highlight>
-            </a:endParaRPr>
+            <a:endParaRPr lang="ro-RO" dirty="0"/>
           </a:p>
         </p:txBody>
       </p:sp>
@@ -5812,26 +5465,14 @@
           <a:p>
             <a:pPr algn="ctr"/>
             <a:r>
-              <a:rPr lang="en-US" dirty="0">
-                <a:highlight>
-                  <a:srgbClr val="FF0000"/>
-                </a:highlight>
-              </a:rPr>
+              <a:rPr lang="en-US" dirty="0"/>
               <a:t>Relational exp </a:t>
             </a:r>
             <a:r>
-              <a:rPr lang="en-US" sz="1200" dirty="0">
-                <a:highlight>
-                  <a:srgbClr val="FF0000"/>
-                </a:highlight>
-              </a:rPr>
+              <a:rPr lang="en-US" sz="1200" dirty="0"/>
               <a:t>(exp1&lt;/&lt;=/==/!=/&gt;/&gt;=exp2)</a:t>
             </a:r>
-            <a:endParaRPr lang="ro-RO" sz="1200" dirty="0">
-              <a:highlight>
-                <a:srgbClr val="FF0000"/>
-              </a:highlight>
-            </a:endParaRPr>
+            <a:endParaRPr lang="ro-RO" sz="1200" dirty="0"/>
           </a:p>
         </p:txBody>
       </p:sp>
@@ -5845,6 +5486,7 @@
             </a:extLst>
           </p:cNvPr>
           <p:cNvCxnSpPr>
+            <a:cxnSpLocks/>
             <a:stCxn id="23" idx="0"/>
             <a:endCxn id="31" idx="2"/>
           </p:cNvCxnSpPr>
@@ -5852,8 +5494,8 @@
         </p:nvCxnSpPr>
         <p:spPr>
           <a:xfrm flipH="1" flipV="1">
-            <a:off x="7346816" y="1327202"/>
-            <a:ext cx="397230" cy="2252551"/>
+            <a:off x="7497696" y="1327202"/>
+            <a:ext cx="246350" cy="2252551"/>
           </a:xfrm>
           <a:prstGeom prst="straightConnector1">
             <a:avLst/>
@@ -5892,7 +5534,7 @@
         <p:spPr>
           <a:xfrm>
             <a:off x="2936174" y="412802"/>
-            <a:ext cx="1675459" cy="369332"/>
+            <a:ext cx="1622560" cy="369332"/>
           </a:xfrm>
           <a:prstGeom prst="rect">
             <a:avLst/>
@@ -5914,7 +5556,7 @@
                   <a:srgbClr val="FF0000"/>
                 </a:highlight>
               </a:rPr>
-              <a:t>ASSIGNMENT 3</a:t>
+              <a:t>ASSIGNMENT 4</a:t>
             </a:r>
             <a:endParaRPr lang="ro-RO" dirty="0">
               <a:solidFill>
@@ -5927,6 +5569,629 @@
           </a:p>
         </p:txBody>
       </p:sp>
+      <p:sp>
+        <p:nvSpPr>
+          <p:cNvPr id="3" name="Rectangle 2">
+            <a:extLst>
+              <a:ext uri="{FF2B5EF4-FFF2-40B4-BE49-F238E27FC236}">
+                <a16:creationId xmlns:a16="http://schemas.microsoft.com/office/drawing/2014/main" id="{A2C48700-5351-600E-1CC8-17C48AAA9F32}"/>
+              </a:ext>
+            </a:extLst>
+          </p:cNvPr>
+          <p:cNvSpPr/>
+          <p:nvPr/>
+        </p:nvSpPr>
+        <p:spPr>
+          <a:xfrm>
+            <a:off x="10519138" y="4860339"/>
+            <a:ext cx="1320800" cy="739246"/>
+          </a:xfrm>
+          <a:prstGeom prst="rect">
+            <a:avLst/>
+          </a:prstGeom>
+        </p:spPr>
+        <p:style>
+          <a:lnRef idx="2">
+            <a:schemeClr val="accent1">
+              <a:shade val="50000"/>
+            </a:schemeClr>
+          </a:lnRef>
+          <a:fillRef idx="1">
+            <a:schemeClr val="accent1"/>
+          </a:fillRef>
+          <a:effectRef idx="0">
+            <a:schemeClr val="accent1"/>
+          </a:effectRef>
+          <a:fontRef idx="minor">
+            <a:schemeClr val="lt1"/>
+          </a:fontRef>
+        </p:style>
+        <p:txBody>
+          <a:bodyPr rtlCol="0" anchor="ctr"/>
+          <a:lstStyle/>
+          <a:p>
+            <a:pPr algn="ctr"/>
+            <a:r>
+              <a:rPr lang="en-US" dirty="0" err="1">
+                <a:highlight>
+                  <a:srgbClr val="FF0000"/>
+                </a:highlight>
+              </a:rPr>
+              <a:t>RefValue</a:t>
+            </a:r>
+            <a:endParaRPr lang="en-US" dirty="0">
+              <a:highlight>
+                <a:srgbClr val="FF0000"/>
+              </a:highlight>
+            </a:endParaRPr>
+          </a:p>
+          <a:p>
+            <a:pPr algn="ctr"/>
+            <a:r>
+              <a:rPr lang="en-US" sz="1100" dirty="0">
+                <a:highlight>
+                  <a:srgbClr val="FF0000"/>
+                </a:highlight>
+              </a:rPr>
+              <a:t>-address: Int</a:t>
+            </a:r>
+          </a:p>
+          <a:p>
+            <a:pPr algn="ctr"/>
+            <a:r>
+              <a:rPr lang="en-US" sz="1100" dirty="0">
+                <a:highlight>
+                  <a:srgbClr val="FF0000"/>
+                </a:highlight>
+              </a:rPr>
+              <a:t>-</a:t>
+            </a:r>
+            <a:r>
+              <a:rPr lang="en-US" sz="1100" dirty="0" err="1">
+                <a:highlight>
+                  <a:srgbClr val="FF0000"/>
+                </a:highlight>
+              </a:rPr>
+              <a:t>locationType</a:t>
+            </a:r>
+            <a:r>
+              <a:rPr lang="en-US" sz="1100" dirty="0">
+                <a:highlight>
+                  <a:srgbClr val="FF0000"/>
+                </a:highlight>
+              </a:rPr>
+              <a:t>: Type</a:t>
+            </a:r>
+          </a:p>
+        </p:txBody>
+      </p:sp>
+      <p:sp>
+        <p:nvSpPr>
+          <p:cNvPr id="4" name="Rectangle 3">
+            <a:extLst>
+              <a:ext uri="{FF2B5EF4-FFF2-40B4-BE49-F238E27FC236}">
+                <a16:creationId xmlns:a16="http://schemas.microsoft.com/office/drawing/2014/main" id="{47319470-EE2E-C836-0FFA-FB108E7B5557}"/>
+              </a:ext>
+            </a:extLst>
+          </p:cNvPr>
+          <p:cNvSpPr/>
+          <p:nvPr/>
+        </p:nvSpPr>
+        <p:spPr>
+          <a:xfrm>
+            <a:off x="5935028" y="4373114"/>
+            <a:ext cx="1150718" cy="702733"/>
+          </a:xfrm>
+          <a:prstGeom prst="rect">
+            <a:avLst/>
+          </a:prstGeom>
+        </p:spPr>
+        <p:style>
+          <a:lnRef idx="2">
+            <a:schemeClr val="accent1">
+              <a:shade val="50000"/>
+            </a:schemeClr>
+          </a:lnRef>
+          <a:fillRef idx="1">
+            <a:schemeClr val="accent1"/>
+          </a:fillRef>
+          <a:effectRef idx="0">
+            <a:schemeClr val="accent1"/>
+          </a:effectRef>
+          <a:fontRef idx="minor">
+            <a:schemeClr val="lt1"/>
+          </a:fontRef>
+        </p:style>
+        <p:txBody>
+          <a:bodyPr rtlCol="0" anchor="ctr"/>
+          <a:lstStyle/>
+          <a:p>
+            <a:pPr algn="ctr"/>
+            <a:r>
+              <a:rPr lang="en-US" dirty="0" err="1">
+                <a:highlight>
+                  <a:srgbClr val="FF0000"/>
+                </a:highlight>
+              </a:rPr>
+              <a:t>RefType</a:t>
+            </a:r>
+            <a:endParaRPr lang="en-US" dirty="0">
+              <a:highlight>
+                <a:srgbClr val="FF0000"/>
+              </a:highlight>
+            </a:endParaRPr>
+          </a:p>
+          <a:p>
+            <a:pPr algn="ctr"/>
+            <a:r>
+              <a:rPr lang="en-US" sz="1100" dirty="0">
+                <a:highlight>
+                  <a:srgbClr val="FF0000"/>
+                </a:highlight>
+              </a:rPr>
+              <a:t>- inner: Type</a:t>
+            </a:r>
+          </a:p>
+        </p:txBody>
+      </p:sp>
+      <p:cxnSp>
+        <p:nvCxnSpPr>
+          <p:cNvPr id="14" name="Straight Arrow Connector 13">
+            <a:extLst>
+              <a:ext uri="{FF2B5EF4-FFF2-40B4-BE49-F238E27FC236}">
+                <a16:creationId xmlns:a16="http://schemas.microsoft.com/office/drawing/2014/main" id="{B3621577-6610-AA5D-E73C-2E8A1B150D1E}"/>
+              </a:ext>
+            </a:extLst>
+          </p:cNvPr>
+          <p:cNvCxnSpPr>
+            <a:stCxn id="3" idx="1"/>
+            <a:endCxn id="61" idx="3"/>
+          </p:cNvCxnSpPr>
+          <p:nvPr/>
+        </p:nvCxnSpPr>
+        <p:spPr>
+          <a:xfrm flipH="1">
+            <a:off x="9854073" y="5229962"/>
+            <a:ext cx="665065" cy="19820"/>
+          </a:xfrm>
+          <a:prstGeom prst="straightConnector1">
+            <a:avLst/>
+          </a:prstGeom>
+          <a:ln>
+            <a:tailEnd type="triangle"/>
+          </a:ln>
+        </p:spPr>
+        <p:style>
+          <a:lnRef idx="1">
+            <a:schemeClr val="accent1"/>
+          </a:lnRef>
+          <a:fillRef idx="0">
+            <a:schemeClr val="accent1"/>
+          </a:fillRef>
+          <a:effectRef idx="0">
+            <a:schemeClr val="accent1"/>
+          </a:effectRef>
+          <a:fontRef idx="minor">
+            <a:schemeClr val="tx1"/>
+          </a:fontRef>
+        </p:style>
+      </p:cxnSp>
+      <p:cxnSp>
+        <p:nvCxnSpPr>
+          <p:cNvPr id="21" name="Straight Arrow Connector 20">
+            <a:extLst>
+              <a:ext uri="{FF2B5EF4-FFF2-40B4-BE49-F238E27FC236}">
+                <a16:creationId xmlns:a16="http://schemas.microsoft.com/office/drawing/2014/main" id="{A0D97807-9DDC-E6F3-DF5D-6AFDB8DA4390}"/>
+              </a:ext>
+            </a:extLst>
+          </p:cNvPr>
+          <p:cNvCxnSpPr>
+            <a:cxnSpLocks/>
+            <a:stCxn id="4" idx="1"/>
+            <a:endCxn id="54" idx="3"/>
+          </p:cNvCxnSpPr>
+          <p:nvPr/>
+        </p:nvCxnSpPr>
+        <p:spPr>
+          <a:xfrm flipH="1" flipV="1">
+            <a:off x="5561849" y="4545683"/>
+            <a:ext cx="373179" cy="178798"/>
+          </a:xfrm>
+          <a:prstGeom prst="straightConnector1">
+            <a:avLst/>
+          </a:prstGeom>
+          <a:ln>
+            <a:tailEnd type="triangle"/>
+          </a:ln>
+        </p:spPr>
+        <p:style>
+          <a:lnRef idx="1">
+            <a:schemeClr val="accent1"/>
+          </a:lnRef>
+          <a:fillRef idx="0">
+            <a:schemeClr val="accent1"/>
+          </a:fillRef>
+          <a:effectRef idx="0">
+            <a:schemeClr val="accent1"/>
+          </a:effectRef>
+          <a:fontRef idx="minor">
+            <a:schemeClr val="tx1"/>
+          </a:fontRef>
+        </p:style>
+      </p:cxnSp>
+      <p:sp>
+        <p:nvSpPr>
+          <p:cNvPr id="40" name="Rectangle 39">
+            <a:extLst>
+              <a:ext uri="{FF2B5EF4-FFF2-40B4-BE49-F238E27FC236}">
+                <a16:creationId xmlns:a16="http://schemas.microsoft.com/office/drawing/2014/main" id="{0A041C1B-8E8A-26C3-8BCF-6EC4517BCCA9}"/>
+              </a:ext>
+            </a:extLst>
+          </p:cNvPr>
+          <p:cNvSpPr/>
+          <p:nvPr/>
+        </p:nvSpPr>
+        <p:spPr>
+          <a:xfrm>
+            <a:off x="1626197" y="3108505"/>
+            <a:ext cx="1946821" cy="1299866"/>
+          </a:xfrm>
+          <a:prstGeom prst="rect">
+            <a:avLst/>
+          </a:prstGeom>
+        </p:spPr>
+        <p:style>
+          <a:lnRef idx="2">
+            <a:schemeClr val="accent1">
+              <a:shade val="50000"/>
+            </a:schemeClr>
+          </a:lnRef>
+          <a:fillRef idx="1">
+            <a:schemeClr val="accent1"/>
+          </a:fillRef>
+          <a:effectRef idx="0">
+            <a:schemeClr val="accent1"/>
+          </a:effectRef>
+          <a:fontRef idx="minor">
+            <a:schemeClr val="lt1"/>
+          </a:fontRef>
+        </p:style>
+        <p:txBody>
+          <a:bodyPr rtlCol="0" anchor="ctr"/>
+          <a:lstStyle/>
+          <a:p>
+            <a:pPr algn="ctr"/>
+            <a:r>
+              <a:rPr lang="en-US" dirty="0">
+                <a:highlight>
+                  <a:srgbClr val="FF0000"/>
+                </a:highlight>
+              </a:rPr>
+              <a:t>new(var, exp)</a:t>
+            </a:r>
+          </a:p>
+          <a:p>
+            <a:pPr algn="ctr"/>
+            <a:r>
+              <a:rPr lang="en-US" dirty="0" err="1">
+                <a:highlight>
+                  <a:srgbClr val="FF0000"/>
+                </a:highlight>
+              </a:rPr>
+              <a:t>wH</a:t>
+            </a:r>
+            <a:r>
+              <a:rPr lang="en-US" dirty="0">
+                <a:highlight>
+                  <a:srgbClr val="FF0000"/>
+                </a:highlight>
+              </a:rPr>
+              <a:t>(var, exp)</a:t>
+            </a:r>
+            <a:endParaRPr lang="ro-RO" dirty="0">
+              <a:highlight>
+                <a:srgbClr val="FF0000"/>
+              </a:highlight>
+            </a:endParaRPr>
+          </a:p>
+        </p:txBody>
+      </p:sp>
+      <p:sp>
+        <p:nvSpPr>
+          <p:cNvPr id="42" name="Rectangle 41">
+            <a:extLst>
+              <a:ext uri="{FF2B5EF4-FFF2-40B4-BE49-F238E27FC236}">
+                <a16:creationId xmlns:a16="http://schemas.microsoft.com/office/drawing/2014/main" id="{E9ADBC5A-FB4B-893B-9F6B-FF018E1A004A}"/>
+              </a:ext>
+            </a:extLst>
+          </p:cNvPr>
+          <p:cNvSpPr/>
+          <p:nvPr/>
+        </p:nvSpPr>
+        <p:spPr>
+          <a:xfrm>
+            <a:off x="2326550" y="1483508"/>
+            <a:ext cx="1234852" cy="948788"/>
+          </a:xfrm>
+          <a:prstGeom prst="rect">
+            <a:avLst/>
+          </a:prstGeom>
+        </p:spPr>
+        <p:style>
+          <a:lnRef idx="2">
+            <a:schemeClr val="accent1">
+              <a:shade val="50000"/>
+            </a:schemeClr>
+          </a:lnRef>
+          <a:fillRef idx="1">
+            <a:schemeClr val="accent1"/>
+          </a:fillRef>
+          <a:effectRef idx="0">
+            <a:schemeClr val="accent1"/>
+          </a:effectRef>
+          <a:fontRef idx="minor">
+            <a:schemeClr val="lt1"/>
+          </a:fontRef>
+        </p:style>
+        <p:txBody>
+          <a:bodyPr rtlCol="0" anchor="ctr"/>
+          <a:lstStyle/>
+          <a:p>
+            <a:pPr algn="ctr"/>
+            <a:r>
+              <a:rPr lang="en-US" dirty="0" err="1">
+                <a:highlight>
+                  <a:srgbClr val="FF0000"/>
+                </a:highlight>
+              </a:rPr>
+              <a:t>WhileStmt</a:t>
+            </a:r>
+            <a:endParaRPr lang="en-US" dirty="0">
+              <a:highlight>
+                <a:srgbClr val="FF0000"/>
+              </a:highlight>
+            </a:endParaRPr>
+          </a:p>
+          <a:p>
+            <a:pPr algn="ctr"/>
+            <a:r>
+              <a:rPr lang="en-US" sz="1100" dirty="0">
+                <a:highlight>
+                  <a:srgbClr val="FF0000"/>
+                </a:highlight>
+              </a:rPr>
+              <a:t>-Exp</a:t>
+            </a:r>
+          </a:p>
+          <a:p>
+            <a:pPr algn="ctr"/>
+            <a:r>
+              <a:rPr lang="en-US" sz="1100" dirty="0">
+                <a:highlight>
+                  <a:srgbClr val="FF0000"/>
+                </a:highlight>
+              </a:rPr>
+              <a:t>-</a:t>
+            </a:r>
+            <a:r>
+              <a:rPr lang="en-US" sz="1100" dirty="0" err="1">
+                <a:highlight>
+                  <a:srgbClr val="FF0000"/>
+                </a:highlight>
+              </a:rPr>
+              <a:t>Istmt</a:t>
+            </a:r>
+            <a:endParaRPr lang="en-US" sz="1100" dirty="0">
+              <a:highlight>
+                <a:srgbClr val="FF0000"/>
+              </a:highlight>
+            </a:endParaRPr>
+          </a:p>
+          <a:p>
+            <a:pPr algn="ctr"/>
+            <a:r>
+              <a:rPr lang="en-US" dirty="0">
+                <a:highlight>
+                  <a:srgbClr val="FF0000"/>
+                </a:highlight>
+              </a:rPr>
+              <a:t>execute()</a:t>
+            </a:r>
+            <a:endParaRPr lang="ro-RO" dirty="0">
+              <a:highlight>
+                <a:srgbClr val="FF0000"/>
+              </a:highlight>
+            </a:endParaRPr>
+          </a:p>
+        </p:txBody>
+      </p:sp>
+      <p:cxnSp>
+        <p:nvCxnSpPr>
+          <p:cNvPr id="52" name="Straight Arrow Connector 51">
+            <a:extLst>
+              <a:ext uri="{FF2B5EF4-FFF2-40B4-BE49-F238E27FC236}">
+                <a16:creationId xmlns:a16="http://schemas.microsoft.com/office/drawing/2014/main" id="{CA8476FB-987D-457A-5879-172A05B81468}"/>
+              </a:ext>
+            </a:extLst>
+          </p:cNvPr>
+          <p:cNvCxnSpPr>
+            <a:stCxn id="42" idx="0"/>
+            <a:endCxn id="16" idx="2"/>
+          </p:cNvCxnSpPr>
+          <p:nvPr/>
+        </p:nvCxnSpPr>
+        <p:spPr>
+          <a:xfrm flipH="1" flipV="1">
+            <a:off x="1313567" y="993801"/>
+            <a:ext cx="1630409" cy="489707"/>
+          </a:xfrm>
+          <a:prstGeom prst="straightConnector1">
+            <a:avLst/>
+          </a:prstGeom>
+          <a:ln>
+            <a:tailEnd type="triangle"/>
+          </a:ln>
+        </p:spPr>
+        <p:style>
+          <a:lnRef idx="1">
+            <a:schemeClr val="accent1"/>
+          </a:lnRef>
+          <a:fillRef idx="0">
+            <a:schemeClr val="accent1"/>
+          </a:fillRef>
+          <a:effectRef idx="0">
+            <a:schemeClr val="accent1"/>
+          </a:effectRef>
+          <a:fontRef idx="minor">
+            <a:schemeClr val="tx1"/>
+          </a:fontRef>
+        </p:style>
+      </p:cxnSp>
+      <p:cxnSp>
+        <p:nvCxnSpPr>
+          <p:cNvPr id="57" name="Straight Arrow Connector 56">
+            <a:extLst>
+              <a:ext uri="{FF2B5EF4-FFF2-40B4-BE49-F238E27FC236}">
+                <a16:creationId xmlns:a16="http://schemas.microsoft.com/office/drawing/2014/main" id="{9C2CBC39-C52E-165E-75B7-CBA45E64BE80}"/>
+              </a:ext>
+            </a:extLst>
+          </p:cNvPr>
+          <p:cNvCxnSpPr>
+            <a:stCxn id="40" idx="0"/>
+            <a:endCxn id="16" idx="2"/>
+          </p:cNvCxnSpPr>
+          <p:nvPr/>
+        </p:nvCxnSpPr>
+        <p:spPr>
+          <a:xfrm flipH="1" flipV="1">
+            <a:off x="1313567" y="993801"/>
+            <a:ext cx="1286041" cy="2114704"/>
+          </a:xfrm>
+          <a:prstGeom prst="straightConnector1">
+            <a:avLst/>
+          </a:prstGeom>
+          <a:ln>
+            <a:tailEnd type="triangle"/>
+          </a:ln>
+        </p:spPr>
+        <p:style>
+          <a:lnRef idx="1">
+            <a:schemeClr val="accent1"/>
+          </a:lnRef>
+          <a:fillRef idx="0">
+            <a:schemeClr val="accent1"/>
+          </a:fillRef>
+          <a:effectRef idx="0">
+            <a:schemeClr val="accent1"/>
+          </a:effectRef>
+          <a:fontRef idx="minor">
+            <a:schemeClr val="tx1"/>
+          </a:fontRef>
+        </p:style>
+      </p:cxnSp>
+      <p:sp>
+        <p:nvSpPr>
+          <p:cNvPr id="66" name="Rectangle 65">
+            <a:extLst>
+              <a:ext uri="{FF2B5EF4-FFF2-40B4-BE49-F238E27FC236}">
+                <a16:creationId xmlns:a16="http://schemas.microsoft.com/office/drawing/2014/main" id="{546439A5-D6E7-377D-F9CF-46BC6508A79B}"/>
+              </a:ext>
+            </a:extLst>
+          </p:cNvPr>
+          <p:cNvSpPr/>
+          <p:nvPr/>
+        </p:nvSpPr>
+        <p:spPr>
+          <a:xfrm>
+            <a:off x="8218872" y="2415149"/>
+            <a:ext cx="1151933" cy="548818"/>
+          </a:xfrm>
+          <a:prstGeom prst="rect">
+            <a:avLst/>
+          </a:prstGeom>
+        </p:spPr>
+        <p:style>
+          <a:lnRef idx="2">
+            <a:schemeClr val="accent1">
+              <a:shade val="50000"/>
+            </a:schemeClr>
+          </a:lnRef>
+          <a:fillRef idx="1">
+            <a:schemeClr val="accent1"/>
+          </a:fillRef>
+          <a:effectRef idx="0">
+            <a:schemeClr val="accent1"/>
+          </a:effectRef>
+          <a:fontRef idx="minor">
+            <a:schemeClr val="lt1"/>
+          </a:fontRef>
+        </p:style>
+        <p:txBody>
+          <a:bodyPr rtlCol="0" anchor="ctr"/>
+          <a:lstStyle/>
+          <a:p>
+            <a:pPr algn="ctr"/>
+            <a:r>
+              <a:rPr lang="en-US" dirty="0" err="1">
+                <a:highlight>
+                  <a:srgbClr val="FF0000"/>
+                </a:highlight>
+              </a:rPr>
+              <a:t>rH</a:t>
+            </a:r>
+            <a:r>
+              <a:rPr lang="en-US" dirty="0">
+                <a:highlight>
+                  <a:srgbClr val="FF0000"/>
+                </a:highlight>
+              </a:rPr>
+              <a:t>(exp)</a:t>
+            </a:r>
+          </a:p>
+        </p:txBody>
+      </p:sp>
+      <p:cxnSp>
+        <p:nvCxnSpPr>
+          <p:cNvPr id="75" name="Straight Arrow Connector 74">
+            <a:extLst>
+              <a:ext uri="{FF2B5EF4-FFF2-40B4-BE49-F238E27FC236}">
+                <a16:creationId xmlns:a16="http://schemas.microsoft.com/office/drawing/2014/main" id="{23FF514B-124F-D1E7-2FAA-7B67663DC5DB}"/>
+              </a:ext>
+            </a:extLst>
+          </p:cNvPr>
+          <p:cNvCxnSpPr>
+            <a:stCxn id="66" idx="0"/>
+            <a:endCxn id="31" idx="2"/>
+          </p:cNvCxnSpPr>
+          <p:nvPr/>
+        </p:nvCxnSpPr>
+        <p:spPr>
+          <a:xfrm flipH="1" flipV="1">
+            <a:off x="7497696" y="1327202"/>
+            <a:ext cx="1297143" cy="1087947"/>
+          </a:xfrm>
+          <a:prstGeom prst="straightConnector1">
+            <a:avLst/>
+          </a:prstGeom>
+          <a:ln>
+            <a:tailEnd type="triangle"/>
+          </a:ln>
+        </p:spPr>
+        <p:style>
+          <a:lnRef idx="1">
+            <a:schemeClr val="accent1"/>
+          </a:lnRef>
+          <a:fillRef idx="0">
+            <a:schemeClr val="accent1"/>
+          </a:fillRef>
+          <a:effectRef idx="0">
+            <a:schemeClr val="accent1"/>
+          </a:effectRef>
+          <a:fontRef idx="minor">
+            <a:schemeClr val="tx1"/>
+          </a:fontRef>
+        </p:style>
+      </p:cxnSp>
     </p:spTree>
     <p:extLst>
       <p:ext uri="{BB962C8B-B14F-4D97-AF65-F5344CB8AC3E}">
@@ -6166,19 +6431,11 @@
           <a:p>
             <a:pPr algn="ctr"/>
             <a:r>
-              <a:rPr lang="en-US" dirty="0" err="1">
-                <a:highlight>
-                  <a:srgbClr val="FF0000"/>
-                </a:highlight>
-              </a:rPr>
+              <a:rPr lang="en-US" dirty="0" err="1"/>
               <a:t>logPrgStateExec</a:t>
             </a:r>
             <a:r>
-              <a:rPr lang="en-US" dirty="0">
-                <a:highlight>
-                  <a:srgbClr val="FF0000"/>
-                </a:highlight>
-              </a:rPr>
+              <a:rPr lang="en-US" dirty="0"/>
               <a:t>()</a:t>
             </a:r>
           </a:p>
@@ -7088,10 +7345,10 @@
       </p:cxnSp>
       <p:sp>
         <p:nvSpPr>
-          <p:cNvPr id="19" name="Rectangle 18">
-            <a:extLst>
-              <a:ext uri="{FF2B5EF4-FFF2-40B4-BE49-F238E27FC236}">
-                <a16:creationId xmlns:a16="http://schemas.microsoft.com/office/drawing/2014/main" id="{A06E7A89-0E1B-AF7E-794B-00C08B9BFD78}"/>
+          <p:cNvPr id="11" name="Rectangle 10">
+            <a:extLst>
+              <a:ext uri="{FF2B5EF4-FFF2-40B4-BE49-F238E27FC236}">
+                <a16:creationId xmlns:a16="http://schemas.microsoft.com/office/drawing/2014/main" id="{FB9BBCBC-0EC4-99C2-13DD-FCF62830B202}"/>
               </a:ext>
             </a:extLst>
           </p:cNvPr>
@@ -7100,18 +7357,12 @@
         </p:nvSpPr>
         <p:spPr>
           <a:xfrm>
-            <a:off x="237067" y="321734"/>
-            <a:ext cx="5655733" cy="2997200"/>
+            <a:off x="6131400" y="4433679"/>
+            <a:ext cx="1946821" cy="602473"/>
           </a:xfrm>
           <a:prstGeom prst="rect">
             <a:avLst/>
           </a:prstGeom>
-          <a:noFill/>
-          <a:ln w="76200">
-            <a:solidFill>
-              <a:srgbClr val="FF0000"/>
-            </a:solidFill>
-          </a:ln>
         </p:spPr>
         <p:style>
           <a:lnRef idx="2">
@@ -7134,7 +7385,27 @@
           <a:lstStyle/>
           <a:p>
             <a:pPr algn="ctr"/>
-            <a:endParaRPr lang="ro-RO"/>
+            <a:r>
+              <a:rPr lang="en-US" dirty="0" err="1">
+                <a:highlight>
+                  <a:srgbClr val="FF0000"/>
+                </a:highlight>
+              </a:rPr>
+              <a:t>garbageCollector</a:t>
+            </a:r>
+            <a:r>
+              <a:rPr lang="en-US" dirty="0">
+                <a:highlight>
+                  <a:srgbClr val="FF0000"/>
+                </a:highlight>
+              </a:rPr>
+              <a:t>()</a:t>
+            </a:r>
+            <a:endParaRPr lang="ro-RO" dirty="0">
+              <a:highlight>
+                <a:srgbClr val="FF0000"/>
+              </a:highlight>
+            </a:endParaRPr>
           </a:p>
         </p:txBody>
       </p:sp>

--- a/interpreter_project_structure.pptx
+++ b/interpreter_project_structure.pptx
@@ -262,7 +262,7 @@
           <a:p>
             <a:fld id="{B4F30407-742D-4F8B-AD3E-C3D7980839F8}" type="datetimeFigureOut">
               <a:rPr lang="ro-RO" smtClean="0"/>
-              <a:t>01.11.2023</a:t>
+              <a:t>15.11.2023</a:t>
             </a:fld>
             <a:endParaRPr lang="ro-RO"/>
           </a:p>
@@ -462,7 +462,7 @@
           <a:p>
             <a:fld id="{B4F30407-742D-4F8B-AD3E-C3D7980839F8}" type="datetimeFigureOut">
               <a:rPr lang="ro-RO" smtClean="0"/>
-              <a:t>01.11.2023</a:t>
+              <a:t>15.11.2023</a:t>
             </a:fld>
             <a:endParaRPr lang="ro-RO"/>
           </a:p>
@@ -672,7 +672,7 @@
           <a:p>
             <a:fld id="{B4F30407-742D-4F8B-AD3E-C3D7980839F8}" type="datetimeFigureOut">
               <a:rPr lang="ro-RO" smtClean="0"/>
-              <a:t>01.11.2023</a:t>
+              <a:t>15.11.2023</a:t>
             </a:fld>
             <a:endParaRPr lang="ro-RO"/>
           </a:p>
@@ -872,7 +872,7 @@
           <a:p>
             <a:fld id="{B4F30407-742D-4F8B-AD3E-C3D7980839F8}" type="datetimeFigureOut">
               <a:rPr lang="ro-RO" smtClean="0"/>
-              <a:t>01.11.2023</a:t>
+              <a:t>15.11.2023</a:t>
             </a:fld>
             <a:endParaRPr lang="ro-RO"/>
           </a:p>
@@ -1148,7 +1148,7 @@
           <a:p>
             <a:fld id="{B4F30407-742D-4F8B-AD3E-C3D7980839F8}" type="datetimeFigureOut">
               <a:rPr lang="ro-RO" smtClean="0"/>
-              <a:t>01.11.2023</a:t>
+              <a:t>15.11.2023</a:t>
             </a:fld>
             <a:endParaRPr lang="ro-RO"/>
           </a:p>
@@ -1416,7 +1416,7 @@
           <a:p>
             <a:fld id="{B4F30407-742D-4F8B-AD3E-C3D7980839F8}" type="datetimeFigureOut">
               <a:rPr lang="ro-RO" smtClean="0"/>
-              <a:t>01.11.2023</a:t>
+              <a:t>15.11.2023</a:t>
             </a:fld>
             <a:endParaRPr lang="ro-RO"/>
           </a:p>
@@ -1831,7 +1831,7 @@
           <a:p>
             <a:fld id="{B4F30407-742D-4F8B-AD3E-C3D7980839F8}" type="datetimeFigureOut">
               <a:rPr lang="ro-RO" smtClean="0"/>
-              <a:t>01.11.2023</a:t>
+              <a:t>15.11.2023</a:t>
             </a:fld>
             <a:endParaRPr lang="ro-RO"/>
           </a:p>
@@ -1973,7 +1973,7 @@
           <a:p>
             <a:fld id="{B4F30407-742D-4F8B-AD3E-C3D7980839F8}" type="datetimeFigureOut">
               <a:rPr lang="ro-RO" smtClean="0"/>
-              <a:t>01.11.2023</a:t>
+              <a:t>15.11.2023</a:t>
             </a:fld>
             <a:endParaRPr lang="ro-RO"/>
           </a:p>
@@ -2086,7 +2086,7 @@
           <a:p>
             <a:fld id="{B4F30407-742D-4F8B-AD3E-C3D7980839F8}" type="datetimeFigureOut">
               <a:rPr lang="ro-RO" smtClean="0"/>
-              <a:t>01.11.2023</a:t>
+              <a:t>15.11.2023</a:t>
             </a:fld>
             <a:endParaRPr lang="ro-RO"/>
           </a:p>
@@ -2399,7 +2399,7 @@
           <a:p>
             <a:fld id="{B4F30407-742D-4F8B-AD3E-C3D7980839F8}" type="datetimeFigureOut">
               <a:rPr lang="ro-RO" smtClean="0"/>
-              <a:t>01.11.2023</a:t>
+              <a:t>15.11.2023</a:t>
             </a:fld>
             <a:endParaRPr lang="ro-RO"/>
           </a:p>
@@ -2688,7 +2688,7 @@
           <a:p>
             <a:fld id="{B4F30407-742D-4F8B-AD3E-C3D7980839F8}" type="datetimeFigureOut">
               <a:rPr lang="ro-RO" smtClean="0"/>
-              <a:t>01.11.2023</a:t>
+              <a:t>15.11.2023</a:t>
             </a:fld>
             <a:endParaRPr lang="ro-RO"/>
           </a:p>
@@ -2931,7 +2931,7 @@
           <a:p>
             <a:fld id="{B4F30407-742D-4F8B-AD3E-C3D7980839F8}" type="datetimeFigureOut">
               <a:rPr lang="ro-RO" smtClean="0"/>
-              <a:t>01.11.2023</a:t>
+              <a:t>15.11.2023</a:t>
             </a:fld>
             <a:endParaRPr lang="ro-RO"/>
           </a:p>
@@ -3604,7 +3604,7 @@
         <p:spPr>
           <a:xfrm>
             <a:off x="9781565" y="109421"/>
-            <a:ext cx="2027767" cy="1495365"/>
+            <a:ext cx="2027767" cy="1789074"/>
           </a:xfrm>
           <a:prstGeom prst="rect">
             <a:avLst/>
@@ -3690,20 +3690,31 @@
               <a:buChar char="-"/>
             </a:pPr>
             <a:r>
-              <a:rPr lang="en-US" dirty="0" err="1">
-                <a:highlight>
-                  <a:srgbClr val="FF0000"/>
-                </a:highlight>
-              </a:rPr>
+              <a:rPr lang="en-US" dirty="0" err="1"/>
               <a:t>FileTable</a:t>
             </a:r>
+            <a:r>
+              <a:rPr lang="en-US" dirty="0"/>
+              <a:t>: </a:t>
+            </a:r>
+            <a:r>
+              <a:rPr lang="en-US" dirty="0" err="1"/>
+              <a:t>Dict</a:t>
+            </a:r>
+            <a:endParaRPr lang="en-US" dirty="0"/>
+          </a:p>
+          <a:p>
+            <a:pPr marL="285750" indent="-285750" algn="ctr">
+              <a:buFontTx/>
+              <a:buChar char="-"/>
+            </a:pPr>
             <a:r>
               <a:rPr lang="en-US" dirty="0">
                 <a:highlight>
                   <a:srgbClr val="FF0000"/>
                 </a:highlight>
               </a:rPr>
-              <a:t>: </a:t>
+              <a:t>- Heap: </a:t>
             </a:r>
             <a:r>
               <a:rPr lang="en-US" dirty="0" err="1">
@@ -3813,6 +3824,18 @@
             <a:r>
               <a:rPr lang="en-US" sz="1400" dirty="0" err="1"/>
               <a:t>smbTbl</a:t>
+            </a:r>
+            <a:r>
+              <a:rPr lang="en-US" sz="1400" dirty="0"/>
+              <a:t>, </a:t>
+            </a:r>
+            <a:r>
+              <a:rPr lang="en-US" sz="1400" dirty="0">
+                <a:highlight>
+                  <a:srgbClr val="FF0000"/>
+                </a:highlight>
+              </a:rPr>
+              <a:t>heap</a:t>
             </a:r>
             <a:r>
               <a:rPr lang="en-US" sz="1400" dirty="0"/>
@@ -4335,19 +4358,11 @@
           <a:p>
             <a:pPr algn="ctr"/>
             <a:r>
-              <a:rPr lang="en-US" sz="1000" dirty="0" err="1">
-                <a:highlight>
-                  <a:srgbClr val="FF0000"/>
-                </a:highlight>
-              </a:rPr>
+              <a:rPr lang="en-US" sz="1000" dirty="0" err="1"/>
               <a:t>getDefaultValue</a:t>
             </a:r>
             <a:r>
-              <a:rPr lang="en-US" sz="1000" dirty="0">
-                <a:highlight>
-                  <a:srgbClr val="FF0000"/>
-                </a:highlight>
-              </a:rPr>
+              <a:rPr lang="en-US" sz="1000" dirty="0"/>
               <a:t>()</a:t>
             </a:r>
           </a:p>
@@ -4567,7 +4582,7 @@
         </p:nvSpPr>
         <p:spPr>
           <a:xfrm>
-            <a:off x="6965029" y="4896991"/>
+            <a:off x="6812628" y="4896991"/>
             <a:ext cx="1320800" cy="492901"/>
           </a:xfrm>
           <a:prstGeom prst="rect">
@@ -4616,7 +4631,7 @@
         </p:nvSpPr>
         <p:spPr>
           <a:xfrm>
-            <a:off x="5285042" y="5638716"/>
+            <a:off x="5132641" y="5638716"/>
             <a:ext cx="1620385" cy="921057"/>
           </a:xfrm>
           <a:prstGeom prst="rect">
@@ -4671,18 +4686,10 @@
           <a:p>
             <a:pPr algn="ctr"/>
             <a:r>
-              <a:rPr lang="en-US" dirty="0">
-                <a:highlight>
-                  <a:srgbClr val="FF0000"/>
-                </a:highlight>
-              </a:rPr>
+              <a:rPr lang="en-US" dirty="0"/>
               <a:t>equals()</a:t>
             </a:r>
-            <a:endParaRPr lang="ro-RO" dirty="0">
-              <a:highlight>
-                <a:srgbClr val="FF0000"/>
-              </a:highlight>
-            </a:endParaRPr>
+            <a:endParaRPr lang="ro-RO" dirty="0"/>
           </a:p>
         </p:txBody>
       </p:sp>
@@ -4700,7 +4707,7 @@
         </p:nvSpPr>
         <p:spPr>
           <a:xfrm>
-            <a:off x="7045839" y="5645641"/>
+            <a:off x="6893438" y="5645641"/>
             <a:ext cx="1620385" cy="921057"/>
           </a:xfrm>
           <a:prstGeom prst="rect">
@@ -4755,18 +4762,10 @@
           <a:p>
             <a:pPr algn="ctr"/>
             <a:r>
-              <a:rPr lang="en-US" dirty="0">
-                <a:highlight>
-                  <a:srgbClr val="FF0000"/>
-                </a:highlight>
-              </a:rPr>
+              <a:rPr lang="en-US" dirty="0"/>
               <a:t>equals()</a:t>
             </a:r>
-            <a:endParaRPr lang="ro-RO" dirty="0">
-              <a:highlight>
-                <a:srgbClr val="FF0000"/>
-              </a:highlight>
-            </a:endParaRPr>
+            <a:endParaRPr lang="ro-RO" dirty="0"/>
           </a:p>
         </p:txBody>
       </p:sp>
@@ -4788,7 +4787,7 @@
         </p:nvCxnSpPr>
         <p:spPr>
           <a:xfrm flipV="1">
-            <a:off x="6095235" y="5389892"/>
+            <a:off x="5942834" y="5389892"/>
             <a:ext cx="1530194" cy="248824"/>
           </a:xfrm>
           <a:prstGeom prst="straightConnector1">
@@ -4831,7 +4830,7 @@
         </p:nvCxnSpPr>
         <p:spPr>
           <a:xfrm flipH="1" flipV="1">
-            <a:off x="7625429" y="5389892"/>
+            <a:off x="7473028" y="5389892"/>
             <a:ext cx="230603" cy="255749"/>
           </a:xfrm>
           <a:prstGeom prst="straightConnector1">
@@ -4870,7 +4869,7 @@
         </p:nvSpPr>
         <p:spPr>
           <a:xfrm>
-            <a:off x="10337165" y="1973870"/>
+            <a:off x="10395314" y="2710825"/>
             <a:ext cx="1320801" cy="1008543"/>
           </a:xfrm>
           <a:prstGeom prst="rect">
@@ -4942,7 +4941,7 @@
         </p:nvSpPr>
         <p:spPr>
           <a:xfrm>
-            <a:off x="10210799" y="3133269"/>
+            <a:off x="10242364" y="3875588"/>
             <a:ext cx="1625601" cy="1165963"/>
           </a:xfrm>
           <a:prstGeom prst="rect">
@@ -5029,9 +5028,9 @@
           <p:nvPr/>
         </p:nvCxnSpPr>
         <p:spPr>
-          <a:xfrm flipH="1" flipV="1">
-            <a:off x="10997566" y="2982413"/>
-            <a:ext cx="26034" cy="150856"/>
+          <a:xfrm flipV="1">
+            <a:off x="11055165" y="3719368"/>
+            <a:ext cx="550" cy="156220"/>
           </a:xfrm>
           <a:prstGeom prst="straightConnector1">
             <a:avLst/>
@@ -5069,8 +5068,8 @@
         </p:nvSpPr>
         <p:spPr>
           <a:xfrm>
-            <a:off x="2249312" y="1437100"/>
-            <a:ext cx="1946821" cy="2170406"/>
+            <a:off x="2249312" y="1437099"/>
+            <a:ext cx="1946821" cy="3113107"/>
           </a:xfrm>
           <a:prstGeom prst="rect">
             <a:avLst/>
@@ -5130,12 +5129,47 @@
           <a:p>
             <a:pPr algn="ctr"/>
             <a:r>
+              <a:rPr lang="en-US" u="sng" dirty="0" err="1"/>
+              <a:t>openRFile</a:t>
+            </a:r>
+            <a:endParaRPr lang="en-US" u="sng" dirty="0"/>
+          </a:p>
+          <a:p>
+            <a:pPr algn="ctr"/>
+            <a:r>
+              <a:rPr lang="en-US" u="sng" dirty="0" err="1"/>
+              <a:t>readFile</a:t>
+            </a:r>
+            <a:endParaRPr lang="en-US" u="sng" dirty="0"/>
+          </a:p>
+          <a:p>
+            <a:pPr algn="ctr"/>
+            <a:r>
+              <a:rPr lang="en-US" u="sng" dirty="0" err="1"/>
+              <a:t>closeRFile</a:t>
+            </a:r>
+            <a:endParaRPr lang="en-US" u="sng" dirty="0"/>
+          </a:p>
+          <a:p>
+            <a:pPr algn="ctr"/>
+            <a:r>
+              <a:rPr lang="en-US" u="sng" dirty="0">
+                <a:highlight>
+                  <a:srgbClr val="FF0000"/>
+                </a:highlight>
+              </a:rPr>
+              <a:t>new</a:t>
+            </a:r>
+          </a:p>
+          <a:p>
+            <a:pPr algn="ctr"/>
+            <a:r>
               <a:rPr lang="en-US" u="sng" dirty="0" err="1">
                 <a:highlight>
                   <a:srgbClr val="FF0000"/>
                 </a:highlight>
               </a:rPr>
-              <a:t>openRFile</a:t>
+              <a:t>readHeap</a:t>
             </a:r>
             <a:endParaRPr lang="en-US" u="sng" dirty="0">
               <a:highlight>
@@ -5151,7 +5185,7 @@
                   <a:srgbClr val="FF0000"/>
                 </a:highlight>
               </a:rPr>
-              <a:t>readFile</a:t>
+              <a:t>writeHeap</a:t>
             </a:r>
             <a:endParaRPr lang="en-US" u="sng" dirty="0">
               <a:highlight>
@@ -5167,7 +5201,7 @@
                   <a:srgbClr val="FF0000"/>
                 </a:highlight>
               </a:rPr>
-              <a:t>closeRFile</a:t>
+              <a:t>WhileStmt</a:t>
             </a:r>
             <a:endParaRPr lang="en-US" u="sng" dirty="0">
               <a:highlight>
@@ -5196,7 +5230,7 @@
         <p:spPr>
           <a:xfrm flipH="1" flipV="1">
             <a:off x="2306502" y="1002658"/>
-            <a:ext cx="916221" cy="434442"/>
+            <a:ext cx="916221" cy="434441"/>
           </a:xfrm>
           <a:prstGeom prst="straightConnector1">
             <a:avLst/>
@@ -5554,6 +5588,369 @@
           <a:xfrm>
             <a:off x="3357894" y="5638716"/>
             <a:ext cx="1277898" cy="702733"/>
+          </a:xfrm>
+          <a:prstGeom prst="rect">
+            <a:avLst/>
+          </a:prstGeom>
+          <a:solidFill>
+            <a:schemeClr val="accent1"/>
+          </a:solidFill>
+          <a:ln>
+            <a:solidFill>
+              <a:schemeClr val="accent1"/>
+            </a:solidFill>
+          </a:ln>
+        </p:spPr>
+        <p:style>
+          <a:lnRef idx="2">
+            <a:schemeClr val="accent1">
+              <a:shade val="50000"/>
+            </a:schemeClr>
+          </a:lnRef>
+          <a:fillRef idx="1">
+            <a:schemeClr val="accent1"/>
+          </a:fillRef>
+          <a:effectRef idx="0">
+            <a:schemeClr val="accent1"/>
+          </a:effectRef>
+          <a:fontRef idx="minor">
+            <a:schemeClr val="lt1"/>
+          </a:fontRef>
+        </p:style>
+        <p:txBody>
+          <a:bodyPr rtlCol="0" anchor="ctr"/>
+          <a:lstStyle/>
+          <a:p>
+            <a:pPr algn="ctr"/>
+            <a:r>
+              <a:rPr lang="en-US" u="sng" dirty="0" err="1"/>
+              <a:t>StringType</a:t>
+            </a:r>
+            <a:endParaRPr lang="en-US" u="sng" dirty="0"/>
+          </a:p>
+          <a:p>
+            <a:pPr algn="ctr"/>
+            <a:r>
+              <a:rPr lang="en-US" dirty="0"/>
+              <a:t>equals()</a:t>
+            </a:r>
+            <a:endParaRPr lang="ro-RO" dirty="0"/>
+          </a:p>
+        </p:txBody>
+      </p:sp>
+      <p:cxnSp>
+        <p:nvCxnSpPr>
+          <p:cNvPr id="27" name="Straight Arrow Connector 26">
+            <a:extLst>
+              <a:ext uri="{FF2B5EF4-FFF2-40B4-BE49-F238E27FC236}">
+                <a16:creationId xmlns:a16="http://schemas.microsoft.com/office/drawing/2014/main" id="{1B4FE989-EDBB-F837-CE4F-B1257E7C8EB3}"/>
+              </a:ext>
+            </a:extLst>
+          </p:cNvPr>
+          <p:cNvCxnSpPr>
+            <a:stCxn id="23" idx="0"/>
+            <a:endCxn id="54" idx="2"/>
+          </p:cNvCxnSpPr>
+          <p:nvPr/>
+        </p:nvCxnSpPr>
+        <p:spPr>
+          <a:xfrm flipH="1" flipV="1">
+            <a:off x="2616437" y="5351750"/>
+            <a:ext cx="1380406" cy="286966"/>
+          </a:xfrm>
+          <a:prstGeom prst="straightConnector1">
+            <a:avLst/>
+          </a:prstGeom>
+          <a:ln>
+            <a:tailEnd type="triangle"/>
+          </a:ln>
+        </p:spPr>
+        <p:style>
+          <a:lnRef idx="1">
+            <a:schemeClr val="accent1"/>
+          </a:lnRef>
+          <a:fillRef idx="0">
+            <a:schemeClr val="accent1"/>
+          </a:fillRef>
+          <a:effectRef idx="0">
+            <a:schemeClr val="accent1"/>
+          </a:effectRef>
+          <a:fontRef idx="minor">
+            <a:schemeClr val="tx1"/>
+          </a:fontRef>
+        </p:style>
+      </p:cxnSp>
+      <p:sp>
+        <p:nvSpPr>
+          <p:cNvPr id="38" name="Rectangle 37">
+            <a:extLst>
+              <a:ext uri="{FF2B5EF4-FFF2-40B4-BE49-F238E27FC236}">
+                <a16:creationId xmlns:a16="http://schemas.microsoft.com/office/drawing/2014/main" id="{77371652-3DF5-E997-870B-2707EDEF1868}"/>
+              </a:ext>
+            </a:extLst>
+          </p:cNvPr>
+          <p:cNvSpPr/>
+          <p:nvPr/>
+        </p:nvSpPr>
+        <p:spPr>
+          <a:xfrm>
+            <a:off x="8683787" y="5642865"/>
+            <a:ext cx="1620385" cy="921057"/>
+          </a:xfrm>
+          <a:prstGeom prst="rect">
+            <a:avLst/>
+          </a:prstGeom>
+          <a:solidFill>
+            <a:schemeClr val="accent1"/>
+          </a:solidFill>
+          <a:ln>
+            <a:solidFill>
+              <a:schemeClr val="accent1"/>
+            </a:solidFill>
+          </a:ln>
+        </p:spPr>
+        <p:style>
+          <a:lnRef idx="2">
+            <a:schemeClr val="accent1">
+              <a:shade val="50000"/>
+            </a:schemeClr>
+          </a:lnRef>
+          <a:fillRef idx="1">
+            <a:schemeClr val="accent1"/>
+          </a:fillRef>
+          <a:effectRef idx="0">
+            <a:schemeClr val="accent1"/>
+          </a:effectRef>
+          <a:fontRef idx="minor">
+            <a:schemeClr val="lt1"/>
+          </a:fontRef>
+        </p:style>
+        <p:txBody>
+          <a:bodyPr rtlCol="0" anchor="ctr"/>
+          <a:lstStyle/>
+          <a:p>
+            <a:pPr algn="ctr"/>
+            <a:r>
+              <a:rPr lang="en-US" u="sng" dirty="0" err="1"/>
+              <a:t>StringValue</a:t>
+            </a:r>
+            <a:endParaRPr lang="en-US" u="sng" dirty="0"/>
+          </a:p>
+          <a:p>
+            <a:pPr algn="ctr"/>
+            <a:r>
+              <a:rPr lang="en-US" sz="1100" dirty="0"/>
+              <a:t>-value: String</a:t>
+            </a:r>
+          </a:p>
+          <a:p>
+            <a:pPr algn="ctr"/>
+            <a:r>
+              <a:rPr lang="en-US" dirty="0" err="1"/>
+              <a:t>getType</a:t>
+            </a:r>
+            <a:r>
+              <a:rPr lang="en-US" dirty="0"/>
+              <a:t>()</a:t>
+            </a:r>
+          </a:p>
+          <a:p>
+            <a:pPr algn="ctr"/>
+            <a:r>
+              <a:rPr lang="en-US" dirty="0"/>
+              <a:t>equals()</a:t>
+            </a:r>
+            <a:endParaRPr lang="ro-RO" dirty="0"/>
+          </a:p>
+        </p:txBody>
+      </p:sp>
+      <p:cxnSp>
+        <p:nvCxnSpPr>
+          <p:cNvPr id="45" name="Straight Arrow Connector 44">
+            <a:extLst>
+              <a:ext uri="{FF2B5EF4-FFF2-40B4-BE49-F238E27FC236}">
+                <a16:creationId xmlns:a16="http://schemas.microsoft.com/office/drawing/2014/main" id="{60490848-8519-FB3D-7130-626389705380}"/>
+              </a:ext>
+            </a:extLst>
+          </p:cNvPr>
+          <p:cNvCxnSpPr>
+            <a:stCxn id="38" idx="0"/>
+            <a:endCxn id="61" idx="2"/>
+          </p:cNvCxnSpPr>
+          <p:nvPr/>
+        </p:nvCxnSpPr>
+        <p:spPr>
+          <a:xfrm flipH="1" flipV="1">
+            <a:off x="7473028" y="5389892"/>
+            <a:ext cx="2020952" cy="252973"/>
+          </a:xfrm>
+          <a:prstGeom prst="straightConnector1">
+            <a:avLst/>
+          </a:prstGeom>
+          <a:ln>
+            <a:tailEnd type="triangle"/>
+          </a:ln>
+        </p:spPr>
+        <p:style>
+          <a:lnRef idx="1">
+            <a:schemeClr val="accent1"/>
+          </a:lnRef>
+          <a:fillRef idx="0">
+            <a:schemeClr val="accent1"/>
+          </a:fillRef>
+          <a:effectRef idx="0">
+            <a:schemeClr val="accent1"/>
+          </a:effectRef>
+          <a:fontRef idx="minor">
+            <a:schemeClr val="tx1"/>
+          </a:fontRef>
+        </p:style>
+      </p:cxnSp>
+      <p:sp>
+        <p:nvSpPr>
+          <p:cNvPr id="47" name="Rectangle 46">
+            <a:extLst>
+              <a:ext uri="{FF2B5EF4-FFF2-40B4-BE49-F238E27FC236}">
+                <a16:creationId xmlns:a16="http://schemas.microsoft.com/office/drawing/2014/main" id="{7E2DC1F1-37F8-1E1B-361C-C592BDB9758D}"/>
+              </a:ext>
+            </a:extLst>
+          </p:cNvPr>
+          <p:cNvSpPr/>
+          <p:nvPr/>
+        </p:nvSpPr>
+        <p:spPr>
+          <a:xfrm>
+            <a:off x="4646958" y="1769662"/>
+            <a:ext cx="1620384" cy="1017832"/>
+          </a:xfrm>
+          <a:prstGeom prst="rect">
+            <a:avLst/>
+          </a:prstGeom>
+          <a:solidFill>
+            <a:schemeClr val="accent1"/>
+          </a:solidFill>
+          <a:ln>
+            <a:solidFill>
+              <a:schemeClr val="accent1"/>
+            </a:solidFill>
+          </a:ln>
+        </p:spPr>
+        <p:style>
+          <a:lnRef idx="2">
+            <a:schemeClr val="accent1">
+              <a:shade val="50000"/>
+            </a:schemeClr>
+          </a:lnRef>
+          <a:fillRef idx="1">
+            <a:schemeClr val="accent1"/>
+          </a:fillRef>
+          <a:effectRef idx="0">
+            <a:schemeClr val="accent1"/>
+          </a:effectRef>
+          <a:fontRef idx="minor">
+            <a:schemeClr val="lt1"/>
+          </a:fontRef>
+        </p:style>
+        <p:txBody>
+          <a:bodyPr rtlCol="0" anchor="ctr"/>
+          <a:lstStyle/>
+          <a:p>
+            <a:pPr algn="ctr"/>
+            <a:r>
+              <a:rPr lang="en-US" u="sng" dirty="0" err="1"/>
+              <a:t>RelationalExp</a:t>
+            </a:r>
+            <a:endParaRPr lang="en-US" u="sng" dirty="0"/>
+          </a:p>
+          <a:p>
+            <a:pPr algn="ctr"/>
+            <a:r>
+              <a:rPr lang="en-US" sz="1100" dirty="0"/>
+              <a:t>-Exp</a:t>
+            </a:r>
+          </a:p>
+          <a:p>
+            <a:pPr algn="ctr"/>
+            <a:r>
+              <a:rPr lang="en-US" sz="1100" dirty="0"/>
+              <a:t>-Exp</a:t>
+            </a:r>
+          </a:p>
+          <a:p>
+            <a:pPr algn="ctr"/>
+            <a:r>
+              <a:rPr lang="en-US" sz="1100" dirty="0"/>
+              <a:t>-type: String</a:t>
+            </a:r>
+          </a:p>
+          <a:p>
+            <a:pPr algn="ctr"/>
+            <a:r>
+              <a:rPr lang="en-US" dirty="0"/>
+              <a:t>eval()</a:t>
+            </a:r>
+            <a:endParaRPr lang="ro-RO" dirty="0"/>
+          </a:p>
+        </p:txBody>
+      </p:sp>
+      <p:cxnSp>
+        <p:nvCxnSpPr>
+          <p:cNvPr id="59" name="Straight Arrow Connector 58">
+            <a:extLst>
+              <a:ext uri="{FF2B5EF4-FFF2-40B4-BE49-F238E27FC236}">
+                <a16:creationId xmlns:a16="http://schemas.microsoft.com/office/drawing/2014/main" id="{2604D120-169C-DC4B-C59F-1B935B09147C}"/>
+              </a:ext>
+            </a:extLst>
+          </p:cNvPr>
+          <p:cNvCxnSpPr>
+            <a:stCxn id="47" idx="0"/>
+            <a:endCxn id="31" idx="2"/>
+          </p:cNvCxnSpPr>
+          <p:nvPr/>
+        </p:nvCxnSpPr>
+        <p:spPr>
+          <a:xfrm flipV="1">
+            <a:off x="5457150" y="1327202"/>
+            <a:ext cx="2040546" cy="442460"/>
+          </a:xfrm>
+          <a:prstGeom prst="straightConnector1">
+            <a:avLst/>
+          </a:prstGeom>
+          <a:ln>
+            <a:tailEnd type="triangle"/>
+          </a:ln>
+        </p:spPr>
+        <p:style>
+          <a:lnRef idx="1">
+            <a:schemeClr val="accent1"/>
+          </a:lnRef>
+          <a:fillRef idx="0">
+            <a:schemeClr val="accent1"/>
+          </a:fillRef>
+          <a:effectRef idx="0">
+            <a:schemeClr val="accent1"/>
+          </a:effectRef>
+          <a:fontRef idx="minor">
+            <a:schemeClr val="tx1"/>
+          </a:fontRef>
+        </p:style>
+      </p:cxnSp>
+      <p:sp>
+        <p:nvSpPr>
+          <p:cNvPr id="72" name="Rectangle 71">
+            <a:extLst>
+              <a:ext uri="{FF2B5EF4-FFF2-40B4-BE49-F238E27FC236}">
+                <a16:creationId xmlns:a16="http://schemas.microsoft.com/office/drawing/2014/main" id="{E9A38539-C2AC-F859-6E25-499714E91BD9}"/>
+              </a:ext>
+            </a:extLst>
+          </p:cNvPr>
+          <p:cNvSpPr/>
+          <p:nvPr/>
+        </p:nvSpPr>
+        <p:spPr>
+          <a:xfrm>
+            <a:off x="4624642" y="3595841"/>
+            <a:ext cx="1320800" cy="1165962"/>
           </a:xfrm>
           <a:prstGeom prst="rect">
             <a:avLst/>
@@ -5589,69 +5986,19 @@
           <a:p>
             <a:pPr algn="ctr"/>
             <a:r>
-              <a:rPr lang="en-US" u="sng" dirty="0" err="1"/>
-              <a:t>StringType</a:t>
-            </a:r>
-            <a:endParaRPr lang="en-US" u="sng" dirty="0"/>
-          </a:p>
-          <a:p>
-            <a:pPr algn="ctr"/>
-            <a:r>
-              <a:rPr lang="en-US" dirty="0"/>
-              <a:t>equals()</a:t>
+              <a:rPr lang="en-US" sz="4400" u="sng" dirty="0"/>
+              <a:t>A4</a:t>
             </a:r>
             <a:endParaRPr lang="ro-RO" dirty="0"/>
           </a:p>
         </p:txBody>
       </p:sp>
-      <p:cxnSp>
-        <p:nvCxnSpPr>
-          <p:cNvPr id="27" name="Straight Arrow Connector 26">
-            <a:extLst>
-              <a:ext uri="{FF2B5EF4-FFF2-40B4-BE49-F238E27FC236}">
-                <a16:creationId xmlns:a16="http://schemas.microsoft.com/office/drawing/2014/main" id="{1B4FE989-EDBB-F837-CE4F-B1257E7C8EB3}"/>
-              </a:ext>
-            </a:extLst>
-          </p:cNvPr>
-          <p:cNvCxnSpPr>
-            <a:stCxn id="23" idx="0"/>
-            <a:endCxn id="54" idx="2"/>
-          </p:cNvCxnSpPr>
-          <p:nvPr/>
-        </p:nvCxnSpPr>
-        <p:spPr>
-          <a:xfrm flipH="1" flipV="1">
-            <a:off x="2616437" y="5351750"/>
-            <a:ext cx="1380406" cy="286966"/>
-          </a:xfrm>
-          <a:prstGeom prst="straightConnector1">
-            <a:avLst/>
-          </a:prstGeom>
-          <a:ln>
-            <a:tailEnd type="triangle"/>
-          </a:ln>
-        </p:spPr>
-        <p:style>
-          <a:lnRef idx="1">
-            <a:schemeClr val="accent1"/>
-          </a:lnRef>
-          <a:fillRef idx="0">
-            <a:schemeClr val="accent1"/>
-          </a:fillRef>
-          <a:effectRef idx="0">
-            <a:schemeClr val="accent1"/>
-          </a:effectRef>
-          <a:fontRef idx="minor">
-            <a:schemeClr val="tx1"/>
-          </a:fontRef>
-        </p:style>
-      </p:cxnSp>
-      <p:sp>
-        <p:nvSpPr>
-          <p:cNvPr id="38" name="Rectangle 37">
-            <a:extLst>
-              <a:ext uri="{FF2B5EF4-FFF2-40B4-BE49-F238E27FC236}">
-                <a16:creationId xmlns:a16="http://schemas.microsoft.com/office/drawing/2014/main" id="{77371652-3DF5-E997-870B-2707EDEF1868}"/>
+      <p:sp>
+        <p:nvSpPr>
+          <p:cNvPr id="2" name="Rectangle 1">
+            <a:extLst>
+              <a:ext uri="{FF2B5EF4-FFF2-40B4-BE49-F238E27FC236}">
+                <a16:creationId xmlns:a16="http://schemas.microsoft.com/office/drawing/2014/main" id="{A0F7D2F3-EF2C-81B8-8D82-580C80905E8B}"/>
               </a:ext>
             </a:extLst>
           </p:cNvPr>
@@ -5660,8 +6007,8 @@
         </p:nvSpPr>
         <p:spPr>
           <a:xfrm>
-            <a:off x="8836188" y="5642865"/>
-            <a:ext cx="1620385" cy="921057"/>
+            <a:off x="326938" y="4665908"/>
+            <a:ext cx="1278573" cy="702733"/>
           </a:xfrm>
           <a:prstGeom prst="rect">
             <a:avLst/>
@@ -5697,87 +6044,34 @@
           <a:p>
             <a:pPr algn="ctr"/>
             <a:r>
-              <a:rPr lang="en-US" u="sng" dirty="0" err="1"/>
-              <a:t>StringValue</a:t>
-            </a:r>
-            <a:endParaRPr lang="en-US" u="sng" dirty="0"/>
-          </a:p>
-          <a:p>
-            <a:pPr algn="ctr"/>
-            <a:r>
-              <a:rPr lang="en-US" sz="1100" dirty="0"/>
-              <a:t>-value: String</a:t>
-            </a:r>
-          </a:p>
-          <a:p>
-            <a:pPr algn="ctr"/>
-            <a:r>
-              <a:rPr lang="en-US" dirty="0" err="1"/>
-              <a:t>getType</a:t>
-            </a:r>
-            <a:r>
-              <a:rPr lang="en-US" dirty="0"/>
-              <a:t>()</a:t>
-            </a:r>
-          </a:p>
-          <a:p>
-            <a:pPr algn="ctr"/>
-            <a:r>
-              <a:rPr lang="en-US" dirty="0"/>
+              <a:rPr lang="en-US" sz="1400" u="sng" dirty="0" err="1"/>
+              <a:t>RefType</a:t>
+            </a:r>
+            <a:endParaRPr lang="en-US" sz="1400" u="sng" dirty="0"/>
+          </a:p>
+          <a:p>
+            <a:pPr algn="ctr"/>
+            <a:r>
+              <a:rPr lang="en-US" sz="1400" dirty="0"/>
+              <a:t>- inner: Type</a:t>
+            </a:r>
+          </a:p>
+          <a:p>
+            <a:pPr algn="ctr"/>
+            <a:r>
+              <a:rPr lang="en-US" sz="1400" dirty="0"/>
               <a:t>equals()</a:t>
             </a:r>
-            <a:endParaRPr lang="ro-RO" dirty="0"/>
-          </a:p>
-        </p:txBody>
-      </p:sp>
-      <p:cxnSp>
-        <p:nvCxnSpPr>
-          <p:cNvPr id="45" name="Straight Arrow Connector 44">
-            <a:extLst>
-              <a:ext uri="{FF2B5EF4-FFF2-40B4-BE49-F238E27FC236}">
-                <a16:creationId xmlns:a16="http://schemas.microsoft.com/office/drawing/2014/main" id="{60490848-8519-FB3D-7130-626389705380}"/>
-              </a:ext>
-            </a:extLst>
-          </p:cNvPr>
-          <p:cNvCxnSpPr>
-            <a:stCxn id="38" idx="0"/>
-            <a:endCxn id="61" idx="2"/>
-          </p:cNvCxnSpPr>
-          <p:nvPr/>
-        </p:nvCxnSpPr>
-        <p:spPr>
-          <a:xfrm flipH="1" flipV="1">
-            <a:off x="7625429" y="5389892"/>
-            <a:ext cx="2020952" cy="252973"/>
-          </a:xfrm>
-          <a:prstGeom prst="straightConnector1">
-            <a:avLst/>
-          </a:prstGeom>
-          <a:ln>
-            <a:tailEnd type="triangle"/>
-          </a:ln>
-        </p:spPr>
-        <p:style>
-          <a:lnRef idx="1">
-            <a:schemeClr val="accent1"/>
-          </a:lnRef>
-          <a:fillRef idx="0">
-            <a:schemeClr val="accent1"/>
-          </a:fillRef>
-          <a:effectRef idx="0">
-            <a:schemeClr val="accent1"/>
-          </a:effectRef>
-          <a:fontRef idx="minor">
-            <a:schemeClr val="tx1"/>
-          </a:fontRef>
-        </p:style>
-      </p:cxnSp>
-      <p:sp>
-        <p:nvSpPr>
-          <p:cNvPr id="47" name="Rectangle 46">
-            <a:extLst>
-              <a:ext uri="{FF2B5EF4-FFF2-40B4-BE49-F238E27FC236}">
-                <a16:creationId xmlns:a16="http://schemas.microsoft.com/office/drawing/2014/main" id="{7E2DC1F1-37F8-1E1B-361C-C592BDB9758D}"/>
+            <a:endParaRPr lang="ro-RO" sz="1400" dirty="0"/>
+          </a:p>
+        </p:txBody>
+      </p:sp>
+      <p:sp>
+        <p:nvSpPr>
+          <p:cNvPr id="4" name="Rectangle 3">
+            <a:extLst>
+              <a:ext uri="{FF2B5EF4-FFF2-40B4-BE49-F238E27FC236}">
+                <a16:creationId xmlns:a16="http://schemas.microsoft.com/office/drawing/2014/main" id="{420E28F5-960B-36E8-924A-FFBCC96CAF3F}"/>
               </a:ext>
             </a:extLst>
           </p:cNvPr>
@@ -5786,8 +6080,8 @@
         </p:nvSpPr>
         <p:spPr>
           <a:xfrm>
-            <a:off x="4646958" y="1769662"/>
-            <a:ext cx="1620384" cy="1017832"/>
+            <a:off x="10419214" y="5638715"/>
+            <a:ext cx="1620385" cy="921057"/>
           </a:xfrm>
           <a:prstGeom prst="rect">
             <a:avLst/>
@@ -5823,61 +6117,73 @@
           <a:p>
             <a:pPr algn="ctr"/>
             <a:r>
-              <a:rPr lang="en-US" u="sng" dirty="0" err="1"/>
-              <a:t>RelationalExp</a:t>
-            </a:r>
-            <a:endParaRPr lang="en-US" u="sng" dirty="0"/>
-          </a:p>
-          <a:p>
-            <a:pPr algn="ctr"/>
-            <a:r>
-              <a:rPr lang="en-US" sz="1100" dirty="0"/>
-              <a:t>-Exp</a:t>
-            </a:r>
-          </a:p>
-          <a:p>
-            <a:pPr algn="ctr"/>
-            <a:r>
-              <a:rPr lang="en-US" sz="1100" dirty="0"/>
-              <a:t>-Exp</a:t>
-            </a:r>
-          </a:p>
-          <a:p>
-            <a:pPr algn="ctr"/>
-            <a:r>
-              <a:rPr lang="en-US" sz="1100" dirty="0"/>
-              <a:t>-type: String</a:t>
-            </a:r>
-          </a:p>
-          <a:p>
-            <a:pPr algn="ctr"/>
-            <a:r>
-              <a:rPr lang="en-US" dirty="0"/>
-              <a:t>eval()</a:t>
-            </a:r>
-            <a:endParaRPr lang="ro-RO" dirty="0"/>
+              <a:rPr lang="en-US" sz="1400" u="sng" dirty="0" err="1"/>
+              <a:t>RefValue</a:t>
+            </a:r>
+            <a:endParaRPr lang="en-US" sz="1400" u="sng" dirty="0"/>
+          </a:p>
+          <a:p>
+            <a:pPr algn="ctr"/>
+            <a:r>
+              <a:rPr lang="en-US" sz="1000" dirty="0"/>
+              <a:t>-address: Int</a:t>
+            </a:r>
+          </a:p>
+          <a:p>
+            <a:pPr algn="ctr"/>
+            <a:r>
+              <a:rPr lang="en-US" sz="1000" dirty="0"/>
+              <a:t>-</a:t>
+            </a:r>
+            <a:r>
+              <a:rPr lang="en-US" sz="1000" dirty="0" err="1"/>
+              <a:t>locationType</a:t>
+            </a:r>
+            <a:r>
+              <a:rPr lang="en-US" sz="1000" dirty="0"/>
+              <a:t>: Type</a:t>
+            </a:r>
+          </a:p>
+          <a:p>
+            <a:pPr algn="ctr"/>
+            <a:r>
+              <a:rPr lang="en-US" sz="1400" dirty="0" err="1"/>
+              <a:t>getType</a:t>
+            </a:r>
+            <a:r>
+              <a:rPr lang="en-US" sz="1400" dirty="0"/>
+              <a:t>()</a:t>
+            </a:r>
+          </a:p>
+          <a:p>
+            <a:pPr algn="ctr"/>
+            <a:r>
+              <a:rPr lang="en-US" sz="1400" dirty="0"/>
+              <a:t>equals()</a:t>
+            </a:r>
+            <a:endParaRPr lang="ro-RO" sz="1400" dirty="0"/>
           </a:p>
         </p:txBody>
       </p:sp>
       <p:cxnSp>
         <p:nvCxnSpPr>
-          <p:cNvPr id="59" name="Straight Arrow Connector 58">
-            <a:extLst>
-              <a:ext uri="{FF2B5EF4-FFF2-40B4-BE49-F238E27FC236}">
-                <a16:creationId xmlns:a16="http://schemas.microsoft.com/office/drawing/2014/main" id="{2604D120-169C-DC4B-C59F-1B935B09147C}"/>
+          <p:cNvPr id="18" name="Straight Arrow Connector 17">
+            <a:extLst>
+              <a:ext uri="{FF2B5EF4-FFF2-40B4-BE49-F238E27FC236}">
+                <a16:creationId xmlns:a16="http://schemas.microsoft.com/office/drawing/2014/main" id="{A966946A-83AE-B0DC-8381-DF815EFB7012}"/>
               </a:ext>
             </a:extLst>
           </p:cNvPr>
           <p:cNvCxnSpPr>
-            <a:stCxn id="47" idx="0"/>
-            <a:endCxn id="31" idx="2"/>
+            <a:stCxn id="2" idx="3"/>
+            <a:endCxn id="54" idx="1"/>
           </p:cNvCxnSpPr>
           <p:nvPr/>
         </p:nvCxnSpPr>
         <p:spPr>
-          <a:xfrm flipV="1">
-            <a:off x="5457150" y="1327202"/>
-            <a:ext cx="2040546" cy="442460"/>
+          <a:xfrm>
+            <a:off x="1605511" y="5017275"/>
+            <a:ext cx="350526" cy="88025"/>
           </a:xfrm>
           <a:prstGeom prst="straightConnector1">
             <a:avLst/>
@@ -5901,64 +6207,49 @@
           </a:fontRef>
         </p:style>
       </p:cxnSp>
-      <p:sp>
-        <p:nvSpPr>
-          <p:cNvPr id="72" name="Rectangle 71">
-            <a:extLst>
-              <a:ext uri="{FF2B5EF4-FFF2-40B4-BE49-F238E27FC236}">
-                <a16:creationId xmlns:a16="http://schemas.microsoft.com/office/drawing/2014/main" id="{E9A38539-C2AC-F859-6E25-499714E91BD9}"/>
-              </a:ext>
-            </a:extLst>
-          </p:cNvPr>
-          <p:cNvSpPr/>
+      <p:cxnSp>
+        <p:nvCxnSpPr>
+          <p:cNvPr id="25" name="Straight Arrow Connector 24">
+            <a:extLst>
+              <a:ext uri="{FF2B5EF4-FFF2-40B4-BE49-F238E27FC236}">
+                <a16:creationId xmlns:a16="http://schemas.microsoft.com/office/drawing/2014/main" id="{8E1E6CD9-7F2F-36B5-16D9-B6C5737C4A4C}"/>
+              </a:ext>
+            </a:extLst>
+          </p:cNvPr>
+          <p:cNvCxnSpPr>
+            <a:cxnSpLocks/>
+            <a:stCxn id="4" idx="0"/>
+            <a:endCxn id="61" idx="2"/>
+          </p:cNvCxnSpPr>
           <p:nvPr/>
-        </p:nvSpPr>
-        <p:spPr>
-          <a:xfrm>
-            <a:off x="4624642" y="3595841"/>
-            <a:ext cx="1320800" cy="1165962"/>
-          </a:xfrm>
-          <a:prstGeom prst="rect">
+        </p:nvCxnSpPr>
+        <p:spPr>
+          <a:xfrm flipH="1" flipV="1">
+            <a:off x="7473028" y="5389892"/>
+            <a:ext cx="3756379" cy="248823"/>
+          </a:xfrm>
+          <a:prstGeom prst="straightConnector1">
             <a:avLst/>
           </a:prstGeom>
-          <a:solidFill>
-            <a:srgbClr val="FF0000"/>
-          </a:solidFill>
           <a:ln>
-            <a:solidFill>
-              <a:srgbClr val="FF0000"/>
-            </a:solidFill>
+            <a:tailEnd type="triangle"/>
           </a:ln>
         </p:spPr>
         <p:style>
-          <a:lnRef idx="2">
-            <a:schemeClr val="accent1">
-              <a:shade val="50000"/>
-            </a:schemeClr>
+          <a:lnRef idx="1">
+            <a:schemeClr val="accent1"/>
           </a:lnRef>
-          <a:fillRef idx="1">
+          <a:fillRef idx="0">
             <a:schemeClr val="accent1"/>
           </a:fillRef>
           <a:effectRef idx="0">
             <a:schemeClr val="accent1"/>
           </a:effectRef>
           <a:fontRef idx="minor">
-            <a:schemeClr val="lt1"/>
+            <a:schemeClr val="tx1"/>
           </a:fontRef>
         </p:style>
-        <p:txBody>
-          <a:bodyPr rtlCol="0" anchor="ctr"/>
-          <a:lstStyle/>
-          <a:p>
-            <a:pPr algn="ctr"/>
-            <a:r>
-              <a:rPr lang="en-US" sz="4400" u="sng" dirty="0"/>
-              <a:t>A3</a:t>
-            </a:r>
-            <a:endParaRPr lang="ro-RO" dirty="0"/>
-          </a:p>
-        </p:txBody>
-      </p:sp>
+      </p:cxnSp>
     </p:spTree>
     <p:extLst>
       <p:ext uri="{BB962C8B-B14F-4D97-AF65-F5344CB8AC3E}">
@@ -6198,19 +6489,11 @@
           <a:p>
             <a:pPr algn="ctr"/>
             <a:r>
-              <a:rPr lang="en-US" dirty="0" err="1">
-                <a:highlight>
-                  <a:srgbClr val="FF0000"/>
-                </a:highlight>
-              </a:rPr>
+              <a:rPr lang="en-US" dirty="0" err="1"/>
               <a:t>logPrgStateExec</a:t>
             </a:r>
             <a:r>
-              <a:rPr lang="en-US" dirty="0">
-                <a:highlight>
-                  <a:srgbClr val="FF0000"/>
-                </a:highlight>
-              </a:rPr>
+              <a:rPr lang="en-US" dirty="0"/>
               <a:t>()</a:t>
             </a:r>
           </a:p>
@@ -6268,6 +6551,813 @@
           <a:xfrm>
             <a:off x="3197540" y="981824"/>
             <a:ext cx="1786001" cy="846976"/>
+          </a:xfrm>
+          <a:prstGeom prst="rect">
+            <a:avLst/>
+          </a:prstGeom>
+          <a:solidFill>
+            <a:schemeClr val="accent1"/>
+          </a:solidFill>
+          <a:ln>
+            <a:solidFill>
+              <a:schemeClr val="accent1"/>
+            </a:solidFill>
+          </a:ln>
+        </p:spPr>
+        <p:style>
+          <a:lnRef idx="2">
+            <a:schemeClr val="accent1">
+              <a:shade val="50000"/>
+            </a:schemeClr>
+          </a:lnRef>
+          <a:fillRef idx="1">
+            <a:schemeClr val="accent1"/>
+          </a:fillRef>
+          <a:effectRef idx="0">
+            <a:schemeClr val="accent1"/>
+          </a:effectRef>
+          <a:fontRef idx="minor">
+            <a:schemeClr val="lt1"/>
+          </a:fontRef>
+        </p:style>
+        <p:txBody>
+          <a:bodyPr rtlCol="0" anchor="ctr"/>
+          <a:lstStyle/>
+          <a:p>
+            <a:pPr algn="ctr"/>
+            <a:r>
+              <a:rPr lang="en-US" u="sng" dirty="0"/>
+              <a:t>Command</a:t>
+            </a:r>
+          </a:p>
+          <a:p>
+            <a:pPr algn="ctr"/>
+            <a:r>
+              <a:rPr lang="en-US" sz="1100" dirty="0"/>
+              <a:t>-key</a:t>
+            </a:r>
+          </a:p>
+          <a:p>
+            <a:pPr algn="ctr"/>
+            <a:r>
+              <a:rPr lang="en-US" sz="1100" dirty="0"/>
+              <a:t>-description</a:t>
+            </a:r>
+          </a:p>
+          <a:p>
+            <a:pPr algn="ctr"/>
+            <a:r>
+              <a:rPr lang="en-US" dirty="0"/>
+              <a:t>execute()</a:t>
+            </a:r>
+          </a:p>
+        </p:txBody>
+      </p:sp>
+      <p:sp>
+        <p:nvSpPr>
+          <p:cNvPr id="5" name="TextBox 4">
+            <a:extLst>
+              <a:ext uri="{FF2B5EF4-FFF2-40B4-BE49-F238E27FC236}">
+                <a16:creationId xmlns:a16="http://schemas.microsoft.com/office/drawing/2014/main" id="{B86AD691-7FA9-4000-123F-C1D567A6235C}"/>
+              </a:ext>
+            </a:extLst>
+          </p:cNvPr>
+          <p:cNvSpPr txBox="1"/>
+          <p:nvPr/>
+        </p:nvSpPr>
+        <p:spPr>
+          <a:xfrm>
+            <a:off x="3029836" y="439037"/>
+            <a:ext cx="704039" cy="369332"/>
+          </a:xfrm>
+          <a:prstGeom prst="rect">
+            <a:avLst/>
+          </a:prstGeom>
+          <a:noFill/>
+        </p:spPr>
+        <p:txBody>
+          <a:bodyPr wrap="none" rtlCol="0">
+            <a:spAutoFit/>
+          </a:bodyPr>
+          <a:lstStyle/>
+          <a:p>
+            <a:r>
+              <a:rPr lang="en-US" b="1" u="sng" dirty="0"/>
+              <a:t>VIEW</a:t>
+            </a:r>
+            <a:endParaRPr lang="ro-RO" b="1" u="sng" dirty="0"/>
+          </a:p>
+        </p:txBody>
+      </p:sp>
+      <p:sp>
+        <p:nvSpPr>
+          <p:cNvPr id="10" name="Rectangle 9">
+            <a:extLst>
+              <a:ext uri="{FF2B5EF4-FFF2-40B4-BE49-F238E27FC236}">
+                <a16:creationId xmlns:a16="http://schemas.microsoft.com/office/drawing/2014/main" id="{55C27F50-9991-1CDA-C9ED-B085D31573FD}"/>
+              </a:ext>
+            </a:extLst>
+          </p:cNvPr>
+          <p:cNvSpPr/>
+          <p:nvPr/>
+        </p:nvSpPr>
+        <p:spPr>
+          <a:xfrm>
+            <a:off x="3378046" y="4314209"/>
+            <a:ext cx="1574951" cy="841415"/>
+          </a:xfrm>
+          <a:prstGeom prst="rect">
+            <a:avLst/>
+          </a:prstGeom>
+        </p:spPr>
+        <p:style>
+          <a:lnRef idx="2">
+            <a:schemeClr val="accent1">
+              <a:shade val="50000"/>
+            </a:schemeClr>
+          </a:lnRef>
+          <a:fillRef idx="1">
+            <a:schemeClr val="accent1"/>
+          </a:fillRef>
+          <a:effectRef idx="0">
+            <a:schemeClr val="accent1"/>
+          </a:effectRef>
+          <a:fontRef idx="minor">
+            <a:schemeClr val="lt1"/>
+          </a:fontRef>
+        </p:style>
+        <p:txBody>
+          <a:bodyPr rtlCol="0" anchor="ctr"/>
+          <a:lstStyle/>
+          <a:p>
+            <a:pPr algn="ctr"/>
+            <a:r>
+              <a:rPr lang="en-US" u="sng" dirty="0" err="1"/>
+              <a:t>IException</a:t>
+            </a:r>
+            <a:endParaRPr lang="en-US" u="sng" dirty="0"/>
+          </a:p>
+        </p:txBody>
+      </p:sp>
+      <p:sp>
+        <p:nvSpPr>
+          <p:cNvPr id="12" name="TextBox 11">
+            <a:extLst>
+              <a:ext uri="{FF2B5EF4-FFF2-40B4-BE49-F238E27FC236}">
+                <a16:creationId xmlns:a16="http://schemas.microsoft.com/office/drawing/2014/main" id="{31BB21C5-149D-8448-7D5D-6A9377DD4A21}"/>
+              </a:ext>
+            </a:extLst>
+          </p:cNvPr>
+          <p:cNvSpPr txBox="1"/>
+          <p:nvPr/>
+        </p:nvSpPr>
+        <p:spPr>
+          <a:xfrm>
+            <a:off x="3869606" y="3921668"/>
+            <a:ext cx="591829" cy="369332"/>
+          </a:xfrm>
+          <a:prstGeom prst="rect">
+            <a:avLst/>
+          </a:prstGeom>
+          <a:noFill/>
+        </p:spPr>
+        <p:txBody>
+          <a:bodyPr wrap="none" rtlCol="0">
+            <a:spAutoFit/>
+          </a:bodyPr>
+          <a:lstStyle/>
+          <a:p>
+            <a:r>
+              <a:rPr lang="en-US" b="1" u="sng" dirty="0"/>
+              <a:t>utils</a:t>
+            </a:r>
+            <a:endParaRPr lang="ro-RO" b="1" u="sng" dirty="0"/>
+          </a:p>
+        </p:txBody>
+      </p:sp>
+      <p:sp>
+        <p:nvSpPr>
+          <p:cNvPr id="14" name="Rectangle 13">
+            <a:extLst>
+              <a:ext uri="{FF2B5EF4-FFF2-40B4-BE49-F238E27FC236}">
+                <a16:creationId xmlns:a16="http://schemas.microsoft.com/office/drawing/2014/main" id="{FD3AC5FC-5CA2-61E5-8A76-81BB2488D882}"/>
+              </a:ext>
+            </a:extLst>
+          </p:cNvPr>
+          <p:cNvSpPr/>
+          <p:nvPr/>
+        </p:nvSpPr>
+        <p:spPr>
+          <a:xfrm>
+            <a:off x="1399206" y="5363498"/>
+            <a:ext cx="2335241" cy="841415"/>
+          </a:xfrm>
+          <a:prstGeom prst="rect">
+            <a:avLst/>
+          </a:prstGeom>
+        </p:spPr>
+        <p:style>
+          <a:lnRef idx="2">
+            <a:schemeClr val="accent1">
+              <a:shade val="50000"/>
+            </a:schemeClr>
+          </a:lnRef>
+          <a:fillRef idx="1">
+            <a:schemeClr val="accent1"/>
+          </a:fillRef>
+          <a:effectRef idx="0">
+            <a:schemeClr val="accent1"/>
+          </a:effectRef>
+          <a:fontRef idx="minor">
+            <a:schemeClr val="lt1"/>
+          </a:fontRef>
+        </p:style>
+        <p:txBody>
+          <a:bodyPr rtlCol="0" anchor="ctr"/>
+          <a:lstStyle/>
+          <a:p>
+            <a:pPr algn="ctr"/>
+            <a:r>
+              <a:rPr lang="en-US" u="sng" dirty="0" err="1"/>
+              <a:t>ADTException</a:t>
+            </a:r>
+            <a:endParaRPr lang="en-US" u="sng" dirty="0"/>
+          </a:p>
+        </p:txBody>
+      </p:sp>
+      <p:sp>
+        <p:nvSpPr>
+          <p:cNvPr id="17" name="Rectangle 16">
+            <a:extLst>
+              <a:ext uri="{FF2B5EF4-FFF2-40B4-BE49-F238E27FC236}">
+                <a16:creationId xmlns:a16="http://schemas.microsoft.com/office/drawing/2014/main" id="{0940B88E-29FD-F3CA-F3A9-3CCDA77A2F35}"/>
+              </a:ext>
+            </a:extLst>
+          </p:cNvPr>
+          <p:cNvSpPr/>
+          <p:nvPr/>
+        </p:nvSpPr>
+        <p:spPr>
+          <a:xfrm>
+            <a:off x="5626901" y="5363498"/>
+            <a:ext cx="1574952" cy="841415"/>
+          </a:xfrm>
+          <a:prstGeom prst="rect">
+            <a:avLst/>
+          </a:prstGeom>
+        </p:spPr>
+        <p:style>
+          <a:lnRef idx="2">
+            <a:schemeClr val="accent1">
+              <a:shade val="50000"/>
+            </a:schemeClr>
+          </a:lnRef>
+          <a:fillRef idx="1">
+            <a:schemeClr val="accent1"/>
+          </a:fillRef>
+          <a:effectRef idx="0">
+            <a:schemeClr val="accent1"/>
+          </a:effectRef>
+          <a:fontRef idx="minor">
+            <a:schemeClr val="lt1"/>
+          </a:fontRef>
+        </p:style>
+        <p:txBody>
+          <a:bodyPr rtlCol="0" anchor="ctr"/>
+          <a:lstStyle/>
+          <a:p>
+            <a:pPr algn="ctr"/>
+            <a:r>
+              <a:rPr lang="en-US" u="sng" dirty="0" err="1"/>
+              <a:t>ExpException</a:t>
+            </a:r>
+            <a:endParaRPr lang="en-US" u="sng" dirty="0"/>
+          </a:p>
+        </p:txBody>
+      </p:sp>
+      <p:sp>
+        <p:nvSpPr>
+          <p:cNvPr id="18" name="Rectangle 17">
+            <a:extLst>
+              <a:ext uri="{FF2B5EF4-FFF2-40B4-BE49-F238E27FC236}">
+                <a16:creationId xmlns:a16="http://schemas.microsoft.com/office/drawing/2014/main" id="{3D186DFD-1072-0D9C-DF7C-98710921E8AF}"/>
+              </a:ext>
+            </a:extLst>
+          </p:cNvPr>
+          <p:cNvSpPr/>
+          <p:nvPr/>
+        </p:nvSpPr>
+        <p:spPr>
+          <a:xfrm>
+            <a:off x="3963057" y="5363498"/>
+            <a:ext cx="1574952" cy="841415"/>
+          </a:xfrm>
+          <a:prstGeom prst="rect">
+            <a:avLst/>
+          </a:prstGeom>
+        </p:spPr>
+        <p:style>
+          <a:lnRef idx="2">
+            <a:schemeClr val="accent1">
+              <a:shade val="50000"/>
+            </a:schemeClr>
+          </a:lnRef>
+          <a:fillRef idx="1">
+            <a:schemeClr val="accent1"/>
+          </a:fillRef>
+          <a:effectRef idx="0">
+            <a:schemeClr val="accent1"/>
+          </a:effectRef>
+          <a:fontRef idx="minor">
+            <a:schemeClr val="lt1"/>
+          </a:fontRef>
+        </p:style>
+        <p:txBody>
+          <a:bodyPr rtlCol="0" anchor="ctr"/>
+          <a:lstStyle/>
+          <a:p>
+            <a:pPr algn="ctr"/>
+            <a:r>
+              <a:rPr lang="en-US" u="sng" dirty="0" err="1"/>
+              <a:t>StmtException</a:t>
+            </a:r>
+            <a:endParaRPr lang="en-US" u="sng" dirty="0"/>
+          </a:p>
+        </p:txBody>
+      </p:sp>
+      <p:cxnSp>
+        <p:nvCxnSpPr>
+          <p:cNvPr id="22" name="Straight Arrow Connector 21">
+            <a:extLst>
+              <a:ext uri="{FF2B5EF4-FFF2-40B4-BE49-F238E27FC236}">
+                <a16:creationId xmlns:a16="http://schemas.microsoft.com/office/drawing/2014/main" id="{1C05413C-84A1-CAC3-C055-64A2C2E102CF}"/>
+              </a:ext>
+            </a:extLst>
+          </p:cNvPr>
+          <p:cNvCxnSpPr>
+            <a:stCxn id="14" idx="0"/>
+            <a:endCxn id="10" idx="2"/>
+          </p:cNvCxnSpPr>
+          <p:nvPr/>
+        </p:nvCxnSpPr>
+        <p:spPr>
+          <a:xfrm flipV="1">
+            <a:off x="2566827" y="5155624"/>
+            <a:ext cx="1598695" cy="207874"/>
+          </a:xfrm>
+          <a:prstGeom prst="straightConnector1">
+            <a:avLst/>
+          </a:prstGeom>
+          <a:ln>
+            <a:tailEnd type="triangle"/>
+          </a:ln>
+        </p:spPr>
+        <p:style>
+          <a:lnRef idx="1">
+            <a:schemeClr val="accent1"/>
+          </a:lnRef>
+          <a:fillRef idx="0">
+            <a:schemeClr val="accent1"/>
+          </a:fillRef>
+          <a:effectRef idx="0">
+            <a:schemeClr val="accent1"/>
+          </a:effectRef>
+          <a:fontRef idx="minor">
+            <a:schemeClr val="tx1"/>
+          </a:fontRef>
+        </p:style>
+      </p:cxnSp>
+      <p:cxnSp>
+        <p:nvCxnSpPr>
+          <p:cNvPr id="24" name="Straight Arrow Connector 23">
+            <a:extLst>
+              <a:ext uri="{FF2B5EF4-FFF2-40B4-BE49-F238E27FC236}">
+                <a16:creationId xmlns:a16="http://schemas.microsoft.com/office/drawing/2014/main" id="{5C00EC80-720F-0E18-4A83-A2D9DC07B2AA}"/>
+              </a:ext>
+            </a:extLst>
+          </p:cNvPr>
+          <p:cNvCxnSpPr>
+            <a:stCxn id="18" idx="0"/>
+            <a:endCxn id="10" idx="2"/>
+          </p:cNvCxnSpPr>
+          <p:nvPr/>
+        </p:nvCxnSpPr>
+        <p:spPr>
+          <a:xfrm flipH="1" flipV="1">
+            <a:off x="4165522" y="5155624"/>
+            <a:ext cx="585011" cy="207874"/>
+          </a:xfrm>
+          <a:prstGeom prst="straightConnector1">
+            <a:avLst/>
+          </a:prstGeom>
+          <a:ln>
+            <a:tailEnd type="triangle"/>
+          </a:ln>
+        </p:spPr>
+        <p:style>
+          <a:lnRef idx="1">
+            <a:schemeClr val="accent1"/>
+          </a:lnRef>
+          <a:fillRef idx="0">
+            <a:schemeClr val="accent1"/>
+          </a:fillRef>
+          <a:effectRef idx="0">
+            <a:schemeClr val="accent1"/>
+          </a:effectRef>
+          <a:fontRef idx="minor">
+            <a:schemeClr val="tx1"/>
+          </a:fontRef>
+        </p:style>
+      </p:cxnSp>
+      <p:cxnSp>
+        <p:nvCxnSpPr>
+          <p:cNvPr id="26" name="Straight Arrow Connector 25">
+            <a:extLst>
+              <a:ext uri="{FF2B5EF4-FFF2-40B4-BE49-F238E27FC236}">
+                <a16:creationId xmlns:a16="http://schemas.microsoft.com/office/drawing/2014/main" id="{C3FA4701-042C-5FD3-A4FF-1C0C7097056F}"/>
+              </a:ext>
+            </a:extLst>
+          </p:cNvPr>
+          <p:cNvCxnSpPr>
+            <a:stCxn id="17" idx="0"/>
+            <a:endCxn id="10" idx="2"/>
+          </p:cNvCxnSpPr>
+          <p:nvPr/>
+        </p:nvCxnSpPr>
+        <p:spPr>
+          <a:xfrm flipH="1" flipV="1">
+            <a:off x="4165522" y="5155624"/>
+            <a:ext cx="2248855" cy="207874"/>
+          </a:xfrm>
+          <a:prstGeom prst="straightConnector1">
+            <a:avLst/>
+          </a:prstGeom>
+          <a:ln>
+            <a:tailEnd type="triangle"/>
+          </a:ln>
+        </p:spPr>
+        <p:style>
+          <a:lnRef idx="1">
+            <a:schemeClr val="accent1"/>
+          </a:lnRef>
+          <a:fillRef idx="0">
+            <a:schemeClr val="accent1"/>
+          </a:fillRef>
+          <a:effectRef idx="0">
+            <a:schemeClr val="accent1"/>
+          </a:effectRef>
+          <a:fontRef idx="minor">
+            <a:schemeClr val="tx1"/>
+          </a:fontRef>
+        </p:style>
+      </p:cxnSp>
+      <p:sp>
+        <p:nvSpPr>
+          <p:cNvPr id="36" name="TextBox 35">
+            <a:extLst>
+              <a:ext uri="{FF2B5EF4-FFF2-40B4-BE49-F238E27FC236}">
+                <a16:creationId xmlns:a16="http://schemas.microsoft.com/office/drawing/2014/main" id="{1E377795-6CCF-0FEA-39EE-14A807E64302}"/>
+              </a:ext>
+            </a:extLst>
+          </p:cNvPr>
+          <p:cNvSpPr txBox="1"/>
+          <p:nvPr/>
+        </p:nvSpPr>
+        <p:spPr>
+          <a:xfrm>
+            <a:off x="7402948" y="5594312"/>
+            <a:ext cx="348172" cy="369332"/>
+          </a:xfrm>
+          <a:prstGeom prst="rect">
+            <a:avLst/>
+          </a:prstGeom>
+          <a:noFill/>
+        </p:spPr>
+        <p:txBody>
+          <a:bodyPr wrap="none" rtlCol="0">
+            <a:spAutoFit/>
+          </a:bodyPr>
+          <a:lstStyle/>
+          <a:p>
+            <a:r>
+              <a:rPr lang="en-US" b="1" dirty="0"/>
+              <a:t>…</a:t>
+            </a:r>
+            <a:endParaRPr lang="ro-RO" b="1" dirty="0"/>
+          </a:p>
+        </p:txBody>
+      </p:sp>
+      <p:sp>
+        <p:nvSpPr>
+          <p:cNvPr id="7" name="Rectangle 6">
+            <a:extLst>
+              <a:ext uri="{FF2B5EF4-FFF2-40B4-BE49-F238E27FC236}">
+                <a16:creationId xmlns:a16="http://schemas.microsoft.com/office/drawing/2014/main" id="{F2ABCF05-EB27-59DD-E6E1-BE5A0025FF6E}"/>
+              </a:ext>
+            </a:extLst>
+          </p:cNvPr>
+          <p:cNvSpPr/>
+          <p:nvPr/>
+        </p:nvSpPr>
+        <p:spPr>
+          <a:xfrm>
+            <a:off x="524929" y="981824"/>
+            <a:ext cx="1786001" cy="1437658"/>
+          </a:xfrm>
+          <a:prstGeom prst="rect">
+            <a:avLst/>
+          </a:prstGeom>
+          <a:solidFill>
+            <a:schemeClr val="accent1"/>
+          </a:solidFill>
+          <a:ln>
+            <a:solidFill>
+              <a:schemeClr val="accent1"/>
+            </a:solidFill>
+          </a:ln>
+        </p:spPr>
+        <p:style>
+          <a:lnRef idx="2">
+            <a:schemeClr val="accent1">
+              <a:shade val="50000"/>
+            </a:schemeClr>
+          </a:lnRef>
+          <a:fillRef idx="1">
+            <a:schemeClr val="accent1"/>
+          </a:fillRef>
+          <a:effectRef idx="0">
+            <a:schemeClr val="accent1"/>
+          </a:effectRef>
+          <a:fontRef idx="minor">
+            <a:schemeClr val="lt1"/>
+          </a:fontRef>
+        </p:style>
+        <p:txBody>
+          <a:bodyPr rtlCol="0" anchor="ctr"/>
+          <a:lstStyle/>
+          <a:p>
+            <a:pPr algn="ctr"/>
+            <a:r>
+              <a:rPr lang="en-US" u="sng" dirty="0" err="1"/>
+              <a:t>TextMenu</a:t>
+            </a:r>
+            <a:endParaRPr lang="en-US" u="sng" dirty="0"/>
+          </a:p>
+          <a:p>
+            <a:pPr algn="ctr"/>
+            <a:r>
+              <a:rPr lang="en-US" dirty="0"/>
+              <a:t>-commands</a:t>
+            </a:r>
+          </a:p>
+          <a:p>
+            <a:pPr algn="ctr"/>
+            <a:r>
+              <a:rPr lang="en-US" dirty="0" err="1"/>
+              <a:t>addCommand</a:t>
+            </a:r>
+            <a:r>
+              <a:rPr lang="en-US" dirty="0"/>
+              <a:t>()</a:t>
+            </a:r>
+          </a:p>
+          <a:p>
+            <a:pPr algn="ctr"/>
+            <a:r>
+              <a:rPr lang="en-US" dirty="0" err="1"/>
+              <a:t>printMenu</a:t>
+            </a:r>
+            <a:r>
+              <a:rPr lang="en-US" dirty="0"/>
+              <a:t>()</a:t>
+            </a:r>
+          </a:p>
+          <a:p>
+            <a:pPr algn="ctr"/>
+            <a:r>
+              <a:rPr lang="en-US" dirty="0"/>
+              <a:t>show()</a:t>
+            </a:r>
+          </a:p>
+        </p:txBody>
+      </p:sp>
+      <p:sp>
+        <p:nvSpPr>
+          <p:cNvPr id="8" name="Rectangle 7">
+            <a:extLst>
+              <a:ext uri="{FF2B5EF4-FFF2-40B4-BE49-F238E27FC236}">
+                <a16:creationId xmlns:a16="http://schemas.microsoft.com/office/drawing/2014/main" id="{0859994F-114D-E38B-0351-11D9BE5A43B5}"/>
+              </a:ext>
+            </a:extLst>
+          </p:cNvPr>
+          <p:cNvSpPr/>
+          <p:nvPr/>
+        </p:nvSpPr>
+        <p:spPr>
+          <a:xfrm>
+            <a:off x="2567537" y="2036674"/>
+            <a:ext cx="1302069" cy="667960"/>
+          </a:xfrm>
+          <a:prstGeom prst="rect">
+            <a:avLst/>
+          </a:prstGeom>
+          <a:solidFill>
+            <a:schemeClr val="accent1"/>
+          </a:solidFill>
+          <a:ln>
+            <a:solidFill>
+              <a:schemeClr val="accent1"/>
+            </a:solidFill>
+          </a:ln>
+        </p:spPr>
+        <p:style>
+          <a:lnRef idx="2">
+            <a:schemeClr val="accent1">
+              <a:shade val="50000"/>
+            </a:schemeClr>
+          </a:lnRef>
+          <a:fillRef idx="1">
+            <a:schemeClr val="accent1"/>
+          </a:fillRef>
+          <a:effectRef idx="0">
+            <a:schemeClr val="accent1"/>
+          </a:effectRef>
+          <a:fontRef idx="minor">
+            <a:schemeClr val="lt1"/>
+          </a:fontRef>
+        </p:style>
+        <p:txBody>
+          <a:bodyPr rtlCol="0" anchor="ctr"/>
+          <a:lstStyle/>
+          <a:p>
+            <a:pPr algn="ctr"/>
+            <a:r>
+              <a:rPr lang="en-US" u="sng" dirty="0" err="1"/>
+              <a:t>ExitCmd</a:t>
+            </a:r>
+            <a:endParaRPr lang="en-US" u="sng" dirty="0"/>
+          </a:p>
+        </p:txBody>
+      </p:sp>
+      <p:sp>
+        <p:nvSpPr>
+          <p:cNvPr id="9" name="Rectangle 8">
+            <a:extLst>
+              <a:ext uri="{FF2B5EF4-FFF2-40B4-BE49-F238E27FC236}">
+                <a16:creationId xmlns:a16="http://schemas.microsoft.com/office/drawing/2014/main" id="{9E25E2F4-3C0E-1469-F7AD-60B3C533818C}"/>
+              </a:ext>
+            </a:extLst>
+          </p:cNvPr>
+          <p:cNvSpPr/>
+          <p:nvPr/>
+        </p:nvSpPr>
+        <p:spPr>
+          <a:xfrm>
+            <a:off x="4187014" y="2036674"/>
+            <a:ext cx="1786001" cy="667960"/>
+          </a:xfrm>
+          <a:prstGeom prst="rect">
+            <a:avLst/>
+          </a:prstGeom>
+          <a:solidFill>
+            <a:schemeClr val="accent1"/>
+          </a:solidFill>
+          <a:ln>
+            <a:solidFill>
+              <a:schemeClr val="accent1"/>
+            </a:solidFill>
+          </a:ln>
+        </p:spPr>
+        <p:style>
+          <a:lnRef idx="2">
+            <a:schemeClr val="accent1">
+              <a:shade val="50000"/>
+            </a:schemeClr>
+          </a:lnRef>
+          <a:fillRef idx="1">
+            <a:schemeClr val="accent1"/>
+          </a:fillRef>
+          <a:effectRef idx="0">
+            <a:schemeClr val="accent1"/>
+          </a:effectRef>
+          <a:fontRef idx="minor">
+            <a:schemeClr val="lt1"/>
+          </a:fontRef>
+        </p:style>
+        <p:txBody>
+          <a:bodyPr rtlCol="0" anchor="ctr"/>
+          <a:lstStyle/>
+          <a:p>
+            <a:pPr algn="ctr"/>
+            <a:r>
+              <a:rPr lang="en-US" u="sng" dirty="0" err="1"/>
+              <a:t>RunExampleCmd</a:t>
+            </a:r>
+            <a:endParaRPr lang="en-US" u="sng" dirty="0"/>
+          </a:p>
+        </p:txBody>
+      </p:sp>
+      <p:cxnSp>
+        <p:nvCxnSpPr>
+          <p:cNvPr id="13" name="Straight Arrow Connector 12">
+            <a:extLst>
+              <a:ext uri="{FF2B5EF4-FFF2-40B4-BE49-F238E27FC236}">
+                <a16:creationId xmlns:a16="http://schemas.microsoft.com/office/drawing/2014/main" id="{B8E5E59F-4C28-7E03-1C72-829D5762AE1C}"/>
+              </a:ext>
+            </a:extLst>
+          </p:cNvPr>
+          <p:cNvCxnSpPr>
+            <a:stCxn id="8" idx="0"/>
+            <a:endCxn id="4" idx="2"/>
+          </p:cNvCxnSpPr>
+          <p:nvPr/>
+        </p:nvCxnSpPr>
+        <p:spPr>
+          <a:xfrm flipV="1">
+            <a:off x="3218572" y="1828800"/>
+            <a:ext cx="871969" cy="207874"/>
+          </a:xfrm>
+          <a:prstGeom prst="straightConnector1">
+            <a:avLst/>
+          </a:prstGeom>
+          <a:ln>
+            <a:tailEnd type="triangle"/>
+          </a:ln>
+        </p:spPr>
+        <p:style>
+          <a:lnRef idx="1">
+            <a:schemeClr val="accent1"/>
+          </a:lnRef>
+          <a:fillRef idx="0">
+            <a:schemeClr val="accent1"/>
+          </a:fillRef>
+          <a:effectRef idx="0">
+            <a:schemeClr val="accent1"/>
+          </a:effectRef>
+          <a:fontRef idx="minor">
+            <a:schemeClr val="tx1"/>
+          </a:fontRef>
+        </p:style>
+      </p:cxnSp>
+      <p:cxnSp>
+        <p:nvCxnSpPr>
+          <p:cNvPr id="16" name="Straight Arrow Connector 15">
+            <a:extLst>
+              <a:ext uri="{FF2B5EF4-FFF2-40B4-BE49-F238E27FC236}">
+                <a16:creationId xmlns:a16="http://schemas.microsoft.com/office/drawing/2014/main" id="{7686B918-6F7D-CAE2-B870-35B5D67E0227}"/>
+              </a:ext>
+            </a:extLst>
+          </p:cNvPr>
+          <p:cNvCxnSpPr>
+            <a:cxnSpLocks/>
+            <a:stCxn id="9" idx="0"/>
+            <a:endCxn id="4" idx="2"/>
+          </p:cNvCxnSpPr>
+          <p:nvPr/>
+        </p:nvCxnSpPr>
+        <p:spPr>
+          <a:xfrm flipH="1" flipV="1">
+            <a:off x="4090541" y="1828800"/>
+            <a:ext cx="989474" cy="207874"/>
+          </a:xfrm>
+          <a:prstGeom prst="straightConnector1">
+            <a:avLst/>
+          </a:prstGeom>
+          <a:ln>
+            <a:tailEnd type="triangle"/>
+          </a:ln>
+        </p:spPr>
+        <p:style>
+          <a:lnRef idx="1">
+            <a:schemeClr val="accent1"/>
+          </a:lnRef>
+          <a:fillRef idx="0">
+            <a:schemeClr val="accent1"/>
+          </a:fillRef>
+          <a:effectRef idx="0">
+            <a:schemeClr val="accent1"/>
+          </a:effectRef>
+          <a:fontRef idx="minor">
+            <a:schemeClr val="tx1"/>
+          </a:fontRef>
+        </p:style>
+      </p:cxnSp>
+      <p:sp>
+        <p:nvSpPr>
+          <p:cNvPr id="11" name="Rectangle 10">
+            <a:extLst>
+              <a:ext uri="{FF2B5EF4-FFF2-40B4-BE49-F238E27FC236}">
+                <a16:creationId xmlns:a16="http://schemas.microsoft.com/office/drawing/2014/main" id="{25CF62A7-9FBE-10C4-68BA-F271BE0A32CA}"/>
+              </a:ext>
+            </a:extLst>
+          </p:cNvPr>
+          <p:cNvSpPr/>
+          <p:nvPr/>
+        </p:nvSpPr>
+        <p:spPr>
+          <a:xfrm>
+            <a:off x="8303403" y="5335488"/>
+            <a:ext cx="1814264" cy="841415"/>
           </a:xfrm>
           <a:prstGeom prst="rect">
             <a:avLst/>
@@ -6303,762 +7393,13 @@
           <a:p>
             <a:pPr algn="ctr"/>
             <a:r>
-              <a:rPr lang="en-US" u="sng" dirty="0"/>
-              <a:t>Command</a:t>
-            </a:r>
-          </a:p>
-          <a:p>
-            <a:pPr algn="ctr"/>
-            <a:r>
-              <a:rPr lang="en-US" sz="1100" dirty="0"/>
-              <a:t>-key</a:t>
-            </a:r>
-          </a:p>
-          <a:p>
-            <a:pPr algn="ctr"/>
-            <a:r>
-              <a:rPr lang="en-US" sz="1100" dirty="0"/>
-              <a:t>-description</a:t>
-            </a:r>
-          </a:p>
-          <a:p>
-            <a:pPr algn="ctr"/>
-            <a:r>
-              <a:rPr lang="en-US" dirty="0"/>
-              <a:t>execute()</a:t>
-            </a:r>
-          </a:p>
-        </p:txBody>
-      </p:sp>
-      <p:sp>
-        <p:nvSpPr>
-          <p:cNvPr id="5" name="TextBox 4">
-            <a:extLst>
-              <a:ext uri="{FF2B5EF4-FFF2-40B4-BE49-F238E27FC236}">
-                <a16:creationId xmlns:a16="http://schemas.microsoft.com/office/drawing/2014/main" id="{B86AD691-7FA9-4000-123F-C1D567A6235C}"/>
-              </a:ext>
-            </a:extLst>
-          </p:cNvPr>
-          <p:cNvSpPr txBox="1"/>
-          <p:nvPr/>
-        </p:nvSpPr>
-        <p:spPr>
-          <a:xfrm>
-            <a:off x="3029836" y="439037"/>
-            <a:ext cx="704039" cy="369332"/>
-          </a:xfrm>
-          <a:prstGeom prst="rect">
-            <a:avLst/>
-          </a:prstGeom>
-          <a:noFill/>
-        </p:spPr>
-        <p:txBody>
-          <a:bodyPr wrap="none" rtlCol="0">
-            <a:spAutoFit/>
-          </a:bodyPr>
-          <a:lstStyle/>
-          <a:p>
-            <a:r>
-              <a:rPr lang="en-US" b="1" u="sng" dirty="0"/>
-              <a:t>VIEW</a:t>
-            </a:r>
-            <a:endParaRPr lang="ro-RO" b="1" u="sng" dirty="0"/>
-          </a:p>
-        </p:txBody>
-      </p:sp>
-      <p:sp>
-        <p:nvSpPr>
-          <p:cNvPr id="10" name="Rectangle 9">
-            <a:extLst>
-              <a:ext uri="{FF2B5EF4-FFF2-40B4-BE49-F238E27FC236}">
-                <a16:creationId xmlns:a16="http://schemas.microsoft.com/office/drawing/2014/main" id="{55C27F50-9991-1CDA-C9ED-B085D31573FD}"/>
-              </a:ext>
-            </a:extLst>
-          </p:cNvPr>
-          <p:cNvSpPr/>
-          <p:nvPr/>
-        </p:nvSpPr>
-        <p:spPr>
-          <a:xfrm>
-            <a:off x="3378046" y="4314209"/>
-            <a:ext cx="1574951" cy="841415"/>
-          </a:xfrm>
-          <a:prstGeom prst="rect">
-            <a:avLst/>
-          </a:prstGeom>
-        </p:spPr>
-        <p:style>
-          <a:lnRef idx="2">
-            <a:schemeClr val="accent1">
-              <a:shade val="50000"/>
-            </a:schemeClr>
-          </a:lnRef>
-          <a:fillRef idx="1">
-            <a:schemeClr val="accent1"/>
-          </a:fillRef>
-          <a:effectRef idx="0">
-            <a:schemeClr val="accent1"/>
-          </a:effectRef>
-          <a:fontRef idx="minor">
-            <a:schemeClr val="lt1"/>
-          </a:fontRef>
-        </p:style>
-        <p:txBody>
-          <a:bodyPr rtlCol="0" anchor="ctr"/>
-          <a:lstStyle/>
-          <a:p>
-            <a:pPr algn="ctr"/>
-            <a:r>
               <a:rPr lang="en-US" u="sng" dirty="0" err="1"/>
-              <a:t>IException</a:t>
+              <a:t>garbageCollector</a:t>
             </a:r>
             <a:endParaRPr lang="en-US" u="sng" dirty="0"/>
           </a:p>
         </p:txBody>
       </p:sp>
-      <p:sp>
-        <p:nvSpPr>
-          <p:cNvPr id="12" name="TextBox 11">
-            <a:extLst>
-              <a:ext uri="{FF2B5EF4-FFF2-40B4-BE49-F238E27FC236}">
-                <a16:creationId xmlns:a16="http://schemas.microsoft.com/office/drawing/2014/main" id="{31BB21C5-149D-8448-7D5D-6A9377DD4A21}"/>
-              </a:ext>
-            </a:extLst>
-          </p:cNvPr>
-          <p:cNvSpPr txBox="1"/>
-          <p:nvPr/>
-        </p:nvSpPr>
-        <p:spPr>
-          <a:xfrm>
-            <a:off x="3869606" y="3921668"/>
-            <a:ext cx="591829" cy="369332"/>
-          </a:xfrm>
-          <a:prstGeom prst="rect">
-            <a:avLst/>
-          </a:prstGeom>
-          <a:noFill/>
-        </p:spPr>
-        <p:txBody>
-          <a:bodyPr wrap="none" rtlCol="0">
-            <a:spAutoFit/>
-          </a:bodyPr>
-          <a:lstStyle/>
-          <a:p>
-            <a:r>
-              <a:rPr lang="en-US" b="1" u="sng" dirty="0"/>
-              <a:t>utils</a:t>
-            </a:r>
-            <a:endParaRPr lang="ro-RO" b="1" u="sng" dirty="0"/>
-          </a:p>
-        </p:txBody>
-      </p:sp>
-      <p:sp>
-        <p:nvSpPr>
-          <p:cNvPr id="14" name="Rectangle 13">
-            <a:extLst>
-              <a:ext uri="{FF2B5EF4-FFF2-40B4-BE49-F238E27FC236}">
-                <a16:creationId xmlns:a16="http://schemas.microsoft.com/office/drawing/2014/main" id="{FD3AC5FC-5CA2-61E5-8A76-81BB2488D882}"/>
-              </a:ext>
-            </a:extLst>
-          </p:cNvPr>
-          <p:cNvSpPr/>
-          <p:nvPr/>
-        </p:nvSpPr>
-        <p:spPr>
-          <a:xfrm>
-            <a:off x="1399206" y="5363498"/>
-            <a:ext cx="2335241" cy="841415"/>
-          </a:xfrm>
-          <a:prstGeom prst="rect">
-            <a:avLst/>
-          </a:prstGeom>
-        </p:spPr>
-        <p:style>
-          <a:lnRef idx="2">
-            <a:schemeClr val="accent1">
-              <a:shade val="50000"/>
-            </a:schemeClr>
-          </a:lnRef>
-          <a:fillRef idx="1">
-            <a:schemeClr val="accent1"/>
-          </a:fillRef>
-          <a:effectRef idx="0">
-            <a:schemeClr val="accent1"/>
-          </a:effectRef>
-          <a:fontRef idx="minor">
-            <a:schemeClr val="lt1"/>
-          </a:fontRef>
-        </p:style>
-        <p:txBody>
-          <a:bodyPr rtlCol="0" anchor="ctr"/>
-          <a:lstStyle/>
-          <a:p>
-            <a:pPr algn="ctr"/>
-            <a:r>
-              <a:rPr lang="en-US" u="sng" dirty="0" err="1"/>
-              <a:t>ADTException</a:t>
-            </a:r>
-            <a:endParaRPr lang="en-US" u="sng" dirty="0"/>
-          </a:p>
-        </p:txBody>
-      </p:sp>
-      <p:sp>
-        <p:nvSpPr>
-          <p:cNvPr id="17" name="Rectangle 16">
-            <a:extLst>
-              <a:ext uri="{FF2B5EF4-FFF2-40B4-BE49-F238E27FC236}">
-                <a16:creationId xmlns:a16="http://schemas.microsoft.com/office/drawing/2014/main" id="{0940B88E-29FD-F3CA-F3A9-3CCDA77A2F35}"/>
-              </a:ext>
-            </a:extLst>
-          </p:cNvPr>
-          <p:cNvSpPr/>
-          <p:nvPr/>
-        </p:nvSpPr>
-        <p:spPr>
-          <a:xfrm>
-            <a:off x="5626901" y="5363498"/>
-            <a:ext cx="1574952" cy="841415"/>
-          </a:xfrm>
-          <a:prstGeom prst="rect">
-            <a:avLst/>
-          </a:prstGeom>
-        </p:spPr>
-        <p:style>
-          <a:lnRef idx="2">
-            <a:schemeClr val="accent1">
-              <a:shade val="50000"/>
-            </a:schemeClr>
-          </a:lnRef>
-          <a:fillRef idx="1">
-            <a:schemeClr val="accent1"/>
-          </a:fillRef>
-          <a:effectRef idx="0">
-            <a:schemeClr val="accent1"/>
-          </a:effectRef>
-          <a:fontRef idx="minor">
-            <a:schemeClr val="lt1"/>
-          </a:fontRef>
-        </p:style>
-        <p:txBody>
-          <a:bodyPr rtlCol="0" anchor="ctr"/>
-          <a:lstStyle/>
-          <a:p>
-            <a:pPr algn="ctr"/>
-            <a:r>
-              <a:rPr lang="en-US" u="sng" dirty="0" err="1"/>
-              <a:t>ExpException</a:t>
-            </a:r>
-            <a:endParaRPr lang="en-US" u="sng" dirty="0"/>
-          </a:p>
-        </p:txBody>
-      </p:sp>
-      <p:sp>
-        <p:nvSpPr>
-          <p:cNvPr id="18" name="Rectangle 17">
-            <a:extLst>
-              <a:ext uri="{FF2B5EF4-FFF2-40B4-BE49-F238E27FC236}">
-                <a16:creationId xmlns:a16="http://schemas.microsoft.com/office/drawing/2014/main" id="{3D186DFD-1072-0D9C-DF7C-98710921E8AF}"/>
-              </a:ext>
-            </a:extLst>
-          </p:cNvPr>
-          <p:cNvSpPr/>
-          <p:nvPr/>
-        </p:nvSpPr>
-        <p:spPr>
-          <a:xfrm>
-            <a:off x="3963057" y="5363498"/>
-            <a:ext cx="1574952" cy="841415"/>
-          </a:xfrm>
-          <a:prstGeom prst="rect">
-            <a:avLst/>
-          </a:prstGeom>
-        </p:spPr>
-        <p:style>
-          <a:lnRef idx="2">
-            <a:schemeClr val="accent1">
-              <a:shade val="50000"/>
-            </a:schemeClr>
-          </a:lnRef>
-          <a:fillRef idx="1">
-            <a:schemeClr val="accent1"/>
-          </a:fillRef>
-          <a:effectRef idx="0">
-            <a:schemeClr val="accent1"/>
-          </a:effectRef>
-          <a:fontRef idx="minor">
-            <a:schemeClr val="lt1"/>
-          </a:fontRef>
-        </p:style>
-        <p:txBody>
-          <a:bodyPr rtlCol="0" anchor="ctr"/>
-          <a:lstStyle/>
-          <a:p>
-            <a:pPr algn="ctr"/>
-            <a:r>
-              <a:rPr lang="en-US" u="sng" dirty="0" err="1"/>
-              <a:t>StmtException</a:t>
-            </a:r>
-            <a:endParaRPr lang="en-US" u="sng" dirty="0"/>
-          </a:p>
-        </p:txBody>
-      </p:sp>
-      <p:cxnSp>
-        <p:nvCxnSpPr>
-          <p:cNvPr id="22" name="Straight Arrow Connector 21">
-            <a:extLst>
-              <a:ext uri="{FF2B5EF4-FFF2-40B4-BE49-F238E27FC236}">
-                <a16:creationId xmlns:a16="http://schemas.microsoft.com/office/drawing/2014/main" id="{1C05413C-84A1-CAC3-C055-64A2C2E102CF}"/>
-              </a:ext>
-            </a:extLst>
-          </p:cNvPr>
-          <p:cNvCxnSpPr>
-            <a:stCxn id="14" idx="0"/>
-            <a:endCxn id="10" idx="2"/>
-          </p:cNvCxnSpPr>
-          <p:nvPr/>
-        </p:nvCxnSpPr>
-        <p:spPr>
-          <a:xfrm flipV="1">
-            <a:off x="2566827" y="5155624"/>
-            <a:ext cx="1598695" cy="207874"/>
-          </a:xfrm>
-          <a:prstGeom prst="straightConnector1">
-            <a:avLst/>
-          </a:prstGeom>
-          <a:ln>
-            <a:tailEnd type="triangle"/>
-          </a:ln>
-        </p:spPr>
-        <p:style>
-          <a:lnRef idx="1">
-            <a:schemeClr val="accent1"/>
-          </a:lnRef>
-          <a:fillRef idx="0">
-            <a:schemeClr val="accent1"/>
-          </a:fillRef>
-          <a:effectRef idx="0">
-            <a:schemeClr val="accent1"/>
-          </a:effectRef>
-          <a:fontRef idx="minor">
-            <a:schemeClr val="tx1"/>
-          </a:fontRef>
-        </p:style>
-      </p:cxnSp>
-      <p:cxnSp>
-        <p:nvCxnSpPr>
-          <p:cNvPr id="24" name="Straight Arrow Connector 23">
-            <a:extLst>
-              <a:ext uri="{FF2B5EF4-FFF2-40B4-BE49-F238E27FC236}">
-                <a16:creationId xmlns:a16="http://schemas.microsoft.com/office/drawing/2014/main" id="{5C00EC80-720F-0E18-4A83-A2D9DC07B2AA}"/>
-              </a:ext>
-            </a:extLst>
-          </p:cNvPr>
-          <p:cNvCxnSpPr>
-            <a:stCxn id="18" idx="0"/>
-            <a:endCxn id="10" idx="2"/>
-          </p:cNvCxnSpPr>
-          <p:nvPr/>
-        </p:nvCxnSpPr>
-        <p:spPr>
-          <a:xfrm flipH="1" flipV="1">
-            <a:off x="4165522" y="5155624"/>
-            <a:ext cx="585011" cy="207874"/>
-          </a:xfrm>
-          <a:prstGeom prst="straightConnector1">
-            <a:avLst/>
-          </a:prstGeom>
-          <a:ln>
-            <a:tailEnd type="triangle"/>
-          </a:ln>
-        </p:spPr>
-        <p:style>
-          <a:lnRef idx="1">
-            <a:schemeClr val="accent1"/>
-          </a:lnRef>
-          <a:fillRef idx="0">
-            <a:schemeClr val="accent1"/>
-          </a:fillRef>
-          <a:effectRef idx="0">
-            <a:schemeClr val="accent1"/>
-          </a:effectRef>
-          <a:fontRef idx="minor">
-            <a:schemeClr val="tx1"/>
-          </a:fontRef>
-        </p:style>
-      </p:cxnSp>
-      <p:cxnSp>
-        <p:nvCxnSpPr>
-          <p:cNvPr id="26" name="Straight Arrow Connector 25">
-            <a:extLst>
-              <a:ext uri="{FF2B5EF4-FFF2-40B4-BE49-F238E27FC236}">
-                <a16:creationId xmlns:a16="http://schemas.microsoft.com/office/drawing/2014/main" id="{C3FA4701-042C-5FD3-A4FF-1C0C7097056F}"/>
-              </a:ext>
-            </a:extLst>
-          </p:cNvPr>
-          <p:cNvCxnSpPr>
-            <a:stCxn id="17" idx="0"/>
-            <a:endCxn id="10" idx="2"/>
-          </p:cNvCxnSpPr>
-          <p:nvPr/>
-        </p:nvCxnSpPr>
-        <p:spPr>
-          <a:xfrm flipH="1" flipV="1">
-            <a:off x="4165522" y="5155624"/>
-            <a:ext cx="2248855" cy="207874"/>
-          </a:xfrm>
-          <a:prstGeom prst="straightConnector1">
-            <a:avLst/>
-          </a:prstGeom>
-          <a:ln>
-            <a:tailEnd type="triangle"/>
-          </a:ln>
-        </p:spPr>
-        <p:style>
-          <a:lnRef idx="1">
-            <a:schemeClr val="accent1"/>
-          </a:lnRef>
-          <a:fillRef idx="0">
-            <a:schemeClr val="accent1"/>
-          </a:fillRef>
-          <a:effectRef idx="0">
-            <a:schemeClr val="accent1"/>
-          </a:effectRef>
-          <a:fontRef idx="minor">
-            <a:schemeClr val="tx1"/>
-          </a:fontRef>
-        </p:style>
-      </p:cxnSp>
-      <p:sp>
-        <p:nvSpPr>
-          <p:cNvPr id="36" name="TextBox 35">
-            <a:extLst>
-              <a:ext uri="{FF2B5EF4-FFF2-40B4-BE49-F238E27FC236}">
-                <a16:creationId xmlns:a16="http://schemas.microsoft.com/office/drawing/2014/main" id="{1E377795-6CCF-0FEA-39EE-14A807E64302}"/>
-              </a:ext>
-            </a:extLst>
-          </p:cNvPr>
-          <p:cNvSpPr txBox="1"/>
-          <p:nvPr/>
-        </p:nvSpPr>
-        <p:spPr>
-          <a:xfrm>
-            <a:off x="7402948" y="5594312"/>
-            <a:ext cx="348172" cy="369332"/>
-          </a:xfrm>
-          <a:prstGeom prst="rect">
-            <a:avLst/>
-          </a:prstGeom>
-          <a:noFill/>
-        </p:spPr>
-        <p:txBody>
-          <a:bodyPr wrap="none" rtlCol="0">
-            <a:spAutoFit/>
-          </a:bodyPr>
-          <a:lstStyle/>
-          <a:p>
-            <a:r>
-              <a:rPr lang="en-US" b="1" dirty="0"/>
-              <a:t>…</a:t>
-            </a:r>
-            <a:endParaRPr lang="ro-RO" b="1" dirty="0"/>
-          </a:p>
-        </p:txBody>
-      </p:sp>
-      <p:sp>
-        <p:nvSpPr>
-          <p:cNvPr id="7" name="Rectangle 6">
-            <a:extLst>
-              <a:ext uri="{FF2B5EF4-FFF2-40B4-BE49-F238E27FC236}">
-                <a16:creationId xmlns:a16="http://schemas.microsoft.com/office/drawing/2014/main" id="{F2ABCF05-EB27-59DD-E6E1-BE5A0025FF6E}"/>
-              </a:ext>
-            </a:extLst>
-          </p:cNvPr>
-          <p:cNvSpPr/>
-          <p:nvPr/>
-        </p:nvSpPr>
-        <p:spPr>
-          <a:xfrm>
-            <a:off x="524929" y="981824"/>
-            <a:ext cx="1786001" cy="1437658"/>
-          </a:xfrm>
-          <a:prstGeom prst="rect">
-            <a:avLst/>
-          </a:prstGeom>
-          <a:solidFill>
-            <a:srgbClr val="FF0000"/>
-          </a:solidFill>
-          <a:ln>
-            <a:solidFill>
-              <a:srgbClr val="FF0000"/>
-            </a:solidFill>
-          </a:ln>
-        </p:spPr>
-        <p:style>
-          <a:lnRef idx="2">
-            <a:schemeClr val="accent1">
-              <a:shade val="50000"/>
-            </a:schemeClr>
-          </a:lnRef>
-          <a:fillRef idx="1">
-            <a:schemeClr val="accent1"/>
-          </a:fillRef>
-          <a:effectRef idx="0">
-            <a:schemeClr val="accent1"/>
-          </a:effectRef>
-          <a:fontRef idx="minor">
-            <a:schemeClr val="lt1"/>
-          </a:fontRef>
-        </p:style>
-        <p:txBody>
-          <a:bodyPr rtlCol="0" anchor="ctr"/>
-          <a:lstStyle/>
-          <a:p>
-            <a:pPr algn="ctr"/>
-            <a:r>
-              <a:rPr lang="en-US" u="sng" dirty="0" err="1"/>
-              <a:t>TextMenu</a:t>
-            </a:r>
-            <a:endParaRPr lang="en-US" u="sng" dirty="0"/>
-          </a:p>
-          <a:p>
-            <a:pPr algn="ctr"/>
-            <a:r>
-              <a:rPr lang="en-US" dirty="0"/>
-              <a:t>-commands</a:t>
-            </a:r>
-          </a:p>
-          <a:p>
-            <a:pPr algn="ctr"/>
-            <a:r>
-              <a:rPr lang="en-US" dirty="0" err="1"/>
-              <a:t>addCommand</a:t>
-            </a:r>
-            <a:r>
-              <a:rPr lang="en-US" dirty="0"/>
-              <a:t>()</a:t>
-            </a:r>
-          </a:p>
-          <a:p>
-            <a:pPr algn="ctr"/>
-            <a:r>
-              <a:rPr lang="en-US" dirty="0" err="1"/>
-              <a:t>printMenu</a:t>
-            </a:r>
-            <a:r>
-              <a:rPr lang="en-US" dirty="0"/>
-              <a:t>()</a:t>
-            </a:r>
-          </a:p>
-          <a:p>
-            <a:pPr algn="ctr"/>
-            <a:r>
-              <a:rPr lang="en-US" dirty="0"/>
-              <a:t>show()</a:t>
-            </a:r>
-          </a:p>
-        </p:txBody>
-      </p:sp>
-      <p:sp>
-        <p:nvSpPr>
-          <p:cNvPr id="8" name="Rectangle 7">
-            <a:extLst>
-              <a:ext uri="{FF2B5EF4-FFF2-40B4-BE49-F238E27FC236}">
-                <a16:creationId xmlns:a16="http://schemas.microsoft.com/office/drawing/2014/main" id="{0859994F-114D-E38B-0351-11D9BE5A43B5}"/>
-              </a:ext>
-            </a:extLst>
-          </p:cNvPr>
-          <p:cNvSpPr/>
-          <p:nvPr/>
-        </p:nvSpPr>
-        <p:spPr>
-          <a:xfrm>
-            <a:off x="2567537" y="2036674"/>
-            <a:ext cx="1302069" cy="667960"/>
-          </a:xfrm>
-          <a:prstGeom prst="rect">
-            <a:avLst/>
-          </a:prstGeom>
-          <a:solidFill>
-            <a:srgbClr val="FF0000"/>
-          </a:solidFill>
-          <a:ln>
-            <a:solidFill>
-              <a:srgbClr val="FF0000"/>
-            </a:solidFill>
-          </a:ln>
-        </p:spPr>
-        <p:style>
-          <a:lnRef idx="2">
-            <a:schemeClr val="accent1">
-              <a:shade val="50000"/>
-            </a:schemeClr>
-          </a:lnRef>
-          <a:fillRef idx="1">
-            <a:schemeClr val="accent1"/>
-          </a:fillRef>
-          <a:effectRef idx="0">
-            <a:schemeClr val="accent1"/>
-          </a:effectRef>
-          <a:fontRef idx="minor">
-            <a:schemeClr val="lt1"/>
-          </a:fontRef>
-        </p:style>
-        <p:txBody>
-          <a:bodyPr rtlCol="0" anchor="ctr"/>
-          <a:lstStyle/>
-          <a:p>
-            <a:pPr algn="ctr"/>
-            <a:r>
-              <a:rPr lang="en-US" u="sng" dirty="0" err="1"/>
-              <a:t>ExitCmd</a:t>
-            </a:r>
-            <a:endParaRPr lang="en-US" u="sng" dirty="0"/>
-          </a:p>
-        </p:txBody>
-      </p:sp>
-      <p:sp>
-        <p:nvSpPr>
-          <p:cNvPr id="9" name="Rectangle 8">
-            <a:extLst>
-              <a:ext uri="{FF2B5EF4-FFF2-40B4-BE49-F238E27FC236}">
-                <a16:creationId xmlns:a16="http://schemas.microsoft.com/office/drawing/2014/main" id="{9E25E2F4-3C0E-1469-F7AD-60B3C533818C}"/>
-              </a:ext>
-            </a:extLst>
-          </p:cNvPr>
-          <p:cNvSpPr/>
-          <p:nvPr/>
-        </p:nvSpPr>
-        <p:spPr>
-          <a:xfrm>
-            <a:off x="4187014" y="2036674"/>
-            <a:ext cx="1786001" cy="667960"/>
-          </a:xfrm>
-          <a:prstGeom prst="rect">
-            <a:avLst/>
-          </a:prstGeom>
-          <a:solidFill>
-            <a:srgbClr val="FF0000"/>
-          </a:solidFill>
-          <a:ln>
-            <a:solidFill>
-              <a:srgbClr val="FF0000"/>
-            </a:solidFill>
-          </a:ln>
-        </p:spPr>
-        <p:style>
-          <a:lnRef idx="2">
-            <a:schemeClr val="accent1">
-              <a:shade val="50000"/>
-            </a:schemeClr>
-          </a:lnRef>
-          <a:fillRef idx="1">
-            <a:schemeClr val="accent1"/>
-          </a:fillRef>
-          <a:effectRef idx="0">
-            <a:schemeClr val="accent1"/>
-          </a:effectRef>
-          <a:fontRef idx="minor">
-            <a:schemeClr val="lt1"/>
-          </a:fontRef>
-        </p:style>
-        <p:txBody>
-          <a:bodyPr rtlCol="0" anchor="ctr"/>
-          <a:lstStyle/>
-          <a:p>
-            <a:pPr algn="ctr"/>
-            <a:r>
-              <a:rPr lang="en-US" u="sng" dirty="0" err="1"/>
-              <a:t>RunExampleCmd</a:t>
-            </a:r>
-            <a:endParaRPr lang="en-US" u="sng" dirty="0"/>
-          </a:p>
-        </p:txBody>
-      </p:sp>
-      <p:cxnSp>
-        <p:nvCxnSpPr>
-          <p:cNvPr id="13" name="Straight Arrow Connector 12">
-            <a:extLst>
-              <a:ext uri="{FF2B5EF4-FFF2-40B4-BE49-F238E27FC236}">
-                <a16:creationId xmlns:a16="http://schemas.microsoft.com/office/drawing/2014/main" id="{B8E5E59F-4C28-7E03-1C72-829D5762AE1C}"/>
-              </a:ext>
-            </a:extLst>
-          </p:cNvPr>
-          <p:cNvCxnSpPr>
-            <a:stCxn id="8" idx="0"/>
-            <a:endCxn id="4" idx="2"/>
-          </p:cNvCxnSpPr>
-          <p:nvPr/>
-        </p:nvCxnSpPr>
-        <p:spPr>
-          <a:xfrm flipV="1">
-            <a:off x="3218572" y="1828800"/>
-            <a:ext cx="871969" cy="207874"/>
-          </a:xfrm>
-          <a:prstGeom prst="straightConnector1">
-            <a:avLst/>
-          </a:prstGeom>
-          <a:ln>
-            <a:tailEnd type="triangle"/>
-          </a:ln>
-        </p:spPr>
-        <p:style>
-          <a:lnRef idx="1">
-            <a:schemeClr val="accent1"/>
-          </a:lnRef>
-          <a:fillRef idx="0">
-            <a:schemeClr val="accent1"/>
-          </a:fillRef>
-          <a:effectRef idx="0">
-            <a:schemeClr val="accent1"/>
-          </a:effectRef>
-          <a:fontRef idx="minor">
-            <a:schemeClr val="tx1"/>
-          </a:fontRef>
-        </p:style>
-      </p:cxnSp>
-      <p:cxnSp>
-        <p:nvCxnSpPr>
-          <p:cNvPr id="16" name="Straight Arrow Connector 15">
-            <a:extLst>
-              <a:ext uri="{FF2B5EF4-FFF2-40B4-BE49-F238E27FC236}">
-                <a16:creationId xmlns:a16="http://schemas.microsoft.com/office/drawing/2014/main" id="{7686B918-6F7D-CAE2-B870-35B5D67E0227}"/>
-              </a:ext>
-            </a:extLst>
-          </p:cNvPr>
-          <p:cNvCxnSpPr>
-            <a:cxnSpLocks/>
-            <a:stCxn id="9" idx="0"/>
-            <a:endCxn id="4" idx="2"/>
-          </p:cNvCxnSpPr>
-          <p:nvPr/>
-        </p:nvCxnSpPr>
-        <p:spPr>
-          <a:xfrm flipH="1" flipV="1">
-            <a:off x="4090541" y="1828800"/>
-            <a:ext cx="989474" cy="207874"/>
-          </a:xfrm>
-          <a:prstGeom prst="straightConnector1">
-            <a:avLst/>
-          </a:prstGeom>
-          <a:ln>
-            <a:tailEnd type="triangle"/>
-          </a:ln>
-        </p:spPr>
-        <p:style>
-          <a:lnRef idx="1">
-            <a:schemeClr val="accent1"/>
-          </a:lnRef>
-          <a:fillRef idx="0">
-            <a:schemeClr val="accent1"/>
-          </a:fillRef>
-          <a:effectRef idx="0">
-            <a:schemeClr val="accent1"/>
-          </a:effectRef>
-          <a:fontRef idx="minor">
-            <a:schemeClr val="tx1"/>
-          </a:fontRef>
-        </p:style>
-      </p:cxnSp>
     </p:spTree>
     <p:extLst>
       <p:ext uri="{BB962C8B-B14F-4D97-AF65-F5344CB8AC3E}">
